--- a/BDTM/Python/Unit-4-Python-Programming.pptx
+++ b/BDTM/Python/Unit-4-Python-Programming.pptx
@@ -5,7 +5,7 @@
     <p:sldMasterId id="2147483659" r:id="rId1"/>
   </p:sldMasterIdLst>
   <p:notesMasterIdLst>
-    <p:notesMasterId r:id="rId33"/>
+    <p:notesMasterId r:id="rId24"/>
   </p:notesMasterIdLst>
   <p:sldIdLst>
     <p:sldId id="256" r:id="rId2"/>
@@ -27,18 +27,9 @@
     <p:sldId id="280" r:id="rId18"/>
     <p:sldId id="285" r:id="rId19"/>
     <p:sldId id="286" r:id="rId20"/>
-    <p:sldId id="287" r:id="rId21"/>
-    <p:sldId id="288" r:id="rId22"/>
-    <p:sldId id="294" r:id="rId23"/>
-    <p:sldId id="295" r:id="rId24"/>
-    <p:sldId id="296" r:id="rId25"/>
-    <p:sldId id="297" r:id="rId26"/>
-    <p:sldId id="298" r:id="rId27"/>
-    <p:sldId id="299" r:id="rId28"/>
-    <p:sldId id="301" r:id="rId29"/>
-    <p:sldId id="303" r:id="rId30"/>
-    <p:sldId id="302" r:id="rId31"/>
-    <p:sldId id="304" r:id="rId32"/>
+    <p:sldId id="315" r:id="rId21"/>
+    <p:sldId id="316" r:id="rId22"/>
+    <p:sldId id="287" r:id="rId23"/>
   </p:sldIdLst>
   <p:sldSz cx="9144000" cy="6858000" type="screen4x3"/>
   <p:notesSz cx="9144000" cy="6858000"/>
@@ -5792,116 +5783,7 @@
 </p:notes>
 </file>
 
-<file path=ppt/notesSlides/notesSlide20.xml><?xml version="1.0" encoding="utf-8"?>
-<p:notes xmlns:a="http://schemas.openxmlformats.org/drawingml/2006/main" xmlns:r="http://schemas.openxmlformats.org/officeDocument/2006/relationships" xmlns:p="http://schemas.openxmlformats.org/presentationml/2006/main" showMasterSp="0" showMasterPhAnim="0">
-  <p:cSld>
-    <p:spTree>
-      <p:nvGrpSpPr>
-        <p:cNvPr id="1" name="Shape 92"/>
-        <p:cNvGrpSpPr/>
-        <p:nvPr/>
-      </p:nvGrpSpPr>
-      <p:grpSpPr>
-        <a:xfrm>
-          <a:off x="0" y="0"/>
-          <a:ext cx="0" cy="0"/>
-          <a:chOff x="0" y="0"/>
-          <a:chExt cx="0" cy="0"/>
-        </a:xfrm>
-      </p:grpSpPr>
-      <p:sp>
-        <p:nvSpPr>
-          <p:cNvPr id="93" name="Google Shape;93;p2:notes"/>
-          <p:cNvSpPr txBox="1">
-            <a:spLocks noGrp="1"/>
-          </p:cNvSpPr>
-          <p:nvPr>
-            <p:ph type="body" idx="1"/>
-          </p:nvPr>
-        </p:nvSpPr>
-        <p:spPr>
-          <a:xfrm>
-            <a:off x="914400" y="3257550"/>
-            <a:ext cx="7315200" cy="3086100"/>
-          </a:xfrm>
-          <a:prstGeom prst="rect">
-            <a:avLst/>
-          </a:prstGeom>
-        </p:spPr>
-        <p:txBody>
-          <a:bodyPr spcFirstLastPara="1" wrap="square" lIns="91425" tIns="45700" rIns="91425" bIns="45700" anchor="t" anchorCtr="0">
-            <a:noAutofit/>
-          </a:bodyPr>
-          <a:lstStyle/>
-          <a:p>
-            <a:pPr marL="0" lvl="0" indent="0" algn="l" rtl="0">
-              <a:spcBef>
-                <a:spcPts val="360"/>
-              </a:spcBef>
-              <a:spcAft>
-                <a:spcPts val="0"/>
-              </a:spcAft>
-              <a:buNone/>
-            </a:pPr>
-            <a:endParaRPr/>
-          </a:p>
-        </p:txBody>
-      </p:sp>
-      <p:sp>
-        <p:nvSpPr>
-          <p:cNvPr id="94" name="Google Shape;94;p2:notes"/>
-          <p:cNvSpPr>
-            <a:spLocks noGrp="1" noRot="1" noChangeAspect="1"/>
-          </p:cNvSpPr>
-          <p:nvPr>
-            <p:ph type="sldImg" idx="2"/>
-          </p:nvPr>
-        </p:nvSpPr>
-        <p:spPr>
-          <a:xfrm>
-            <a:off x="2857500" y="514350"/>
-            <a:ext cx="3429000" cy="2571750"/>
-          </a:xfrm>
-          <a:custGeom>
-            <a:avLst/>
-            <a:gdLst/>
-            <a:ahLst/>
-            <a:cxnLst/>
-            <a:rect l="l" t="t" r="r" b="b"/>
-            <a:pathLst>
-              <a:path w="120000" h="120000" extrusionOk="0">
-                <a:moveTo>
-                  <a:pt x="0" y="0"/>
-                </a:moveTo>
-                <a:lnTo>
-                  <a:pt x="120000" y="0"/>
-                </a:lnTo>
-                <a:lnTo>
-                  <a:pt x="120000" y="120000"/>
-                </a:lnTo>
-                <a:lnTo>
-                  <a:pt x="0" y="120000"/>
-                </a:lnTo>
-                <a:close/>
-              </a:path>
-            </a:pathLst>
-          </a:custGeom>
-        </p:spPr>
-      </p:sp>
-    </p:spTree>
-    <p:extLst>
-      <p:ext uri="{BB962C8B-B14F-4D97-AF65-F5344CB8AC3E}">
-        <p14:creationId xmlns:p14="http://schemas.microsoft.com/office/powerpoint/2010/main" val="1071724736"/>
-      </p:ext>
-    </p:extLst>
-  </p:cSld>
-  <p:clrMapOvr>
-    <a:masterClrMapping/>
-  </p:clrMapOvr>
-</p:notes>
-</file>
-
-<file path=ppt/notesSlides/notesSlide21.xml><?xml version="1.0" encoding="utf-8"?>
+<file path=ppt/notesSlides/notesSlide3.xml><?xml version="1.0" encoding="utf-8"?>
 <p:notes xmlns:a="http://schemas.openxmlformats.org/drawingml/2006/main" xmlns:r="http://schemas.openxmlformats.org/officeDocument/2006/relationships" xmlns:p="http://schemas.openxmlformats.org/presentationml/2006/main" showMasterSp="0" showMasterPhAnim="0">
   <p:cSld>
     <p:spTree>
@@ -5998,1096 +5880,6 @@
         </p:spPr>
       </p:sp>
     </p:spTree>
-    <p:extLst>
-      <p:ext uri="{BB962C8B-B14F-4D97-AF65-F5344CB8AC3E}">
-        <p14:creationId xmlns:p14="http://schemas.microsoft.com/office/powerpoint/2010/main" val="2740588751"/>
-      </p:ext>
-    </p:extLst>
-  </p:cSld>
-  <p:clrMapOvr>
-    <a:masterClrMapping/>
-  </p:clrMapOvr>
-</p:notes>
-</file>
-
-<file path=ppt/notesSlides/notesSlide22.xml><?xml version="1.0" encoding="utf-8"?>
-<p:notes xmlns:a="http://schemas.openxmlformats.org/drawingml/2006/main" xmlns:r="http://schemas.openxmlformats.org/officeDocument/2006/relationships" xmlns:p="http://schemas.openxmlformats.org/presentationml/2006/main" showMasterSp="0" showMasterPhAnim="0">
-  <p:cSld>
-    <p:spTree>
-      <p:nvGrpSpPr>
-        <p:cNvPr id="1" name="Shape 101"/>
-        <p:cNvGrpSpPr/>
-        <p:nvPr/>
-      </p:nvGrpSpPr>
-      <p:grpSpPr>
-        <a:xfrm>
-          <a:off x="0" y="0"/>
-          <a:ext cx="0" cy="0"/>
-          <a:chOff x="0" y="0"/>
-          <a:chExt cx="0" cy="0"/>
-        </a:xfrm>
-      </p:grpSpPr>
-      <p:sp>
-        <p:nvSpPr>
-          <p:cNvPr id="102" name="Google Shape;102;p3:notes"/>
-          <p:cNvSpPr txBox="1">
-            <a:spLocks noGrp="1"/>
-          </p:cNvSpPr>
-          <p:nvPr>
-            <p:ph type="body" idx="1"/>
-          </p:nvPr>
-        </p:nvSpPr>
-        <p:spPr>
-          <a:xfrm>
-            <a:off x="914400" y="3257550"/>
-            <a:ext cx="7315200" cy="3086100"/>
-          </a:xfrm>
-          <a:prstGeom prst="rect">
-            <a:avLst/>
-          </a:prstGeom>
-        </p:spPr>
-        <p:txBody>
-          <a:bodyPr spcFirstLastPara="1" wrap="square" lIns="91425" tIns="45700" rIns="91425" bIns="45700" anchor="t" anchorCtr="0">
-            <a:noAutofit/>
-          </a:bodyPr>
-          <a:lstStyle/>
-          <a:p>
-            <a:pPr marL="0" lvl="0" indent="0" algn="l" rtl="0">
-              <a:spcBef>
-                <a:spcPts val="360"/>
-              </a:spcBef>
-              <a:spcAft>
-                <a:spcPts val="0"/>
-              </a:spcAft>
-              <a:buNone/>
-            </a:pPr>
-            <a:endParaRPr/>
-          </a:p>
-        </p:txBody>
-      </p:sp>
-      <p:sp>
-        <p:nvSpPr>
-          <p:cNvPr id="103" name="Google Shape;103;p3:notes"/>
-          <p:cNvSpPr>
-            <a:spLocks noGrp="1" noRot="1" noChangeAspect="1"/>
-          </p:cNvSpPr>
-          <p:nvPr>
-            <p:ph type="sldImg" idx="2"/>
-          </p:nvPr>
-        </p:nvSpPr>
-        <p:spPr>
-          <a:xfrm>
-            <a:off x="2857500" y="514350"/>
-            <a:ext cx="3429000" cy="2571750"/>
-          </a:xfrm>
-          <a:custGeom>
-            <a:avLst/>
-            <a:gdLst/>
-            <a:ahLst/>
-            <a:cxnLst/>
-            <a:rect l="l" t="t" r="r" b="b"/>
-            <a:pathLst>
-              <a:path w="120000" h="120000" extrusionOk="0">
-                <a:moveTo>
-                  <a:pt x="0" y="0"/>
-                </a:moveTo>
-                <a:lnTo>
-                  <a:pt x="120000" y="0"/>
-                </a:lnTo>
-                <a:lnTo>
-                  <a:pt x="120000" y="120000"/>
-                </a:lnTo>
-                <a:lnTo>
-                  <a:pt x="0" y="120000"/>
-                </a:lnTo>
-                <a:close/>
-              </a:path>
-            </a:pathLst>
-          </a:custGeom>
-        </p:spPr>
-      </p:sp>
-    </p:spTree>
-    <p:extLst>
-      <p:ext uri="{BB962C8B-B14F-4D97-AF65-F5344CB8AC3E}">
-        <p14:creationId xmlns:p14="http://schemas.microsoft.com/office/powerpoint/2010/main" val="1735012106"/>
-      </p:ext>
-    </p:extLst>
-  </p:cSld>
-  <p:clrMapOvr>
-    <a:masterClrMapping/>
-  </p:clrMapOvr>
-</p:notes>
-</file>
-
-<file path=ppt/notesSlides/notesSlide23.xml><?xml version="1.0" encoding="utf-8"?>
-<p:notes xmlns:a="http://schemas.openxmlformats.org/drawingml/2006/main" xmlns:r="http://schemas.openxmlformats.org/officeDocument/2006/relationships" xmlns:p="http://schemas.openxmlformats.org/presentationml/2006/main" showMasterSp="0" showMasterPhAnim="0">
-  <p:cSld>
-    <p:spTree>
-      <p:nvGrpSpPr>
-        <p:cNvPr id="1" name="Shape 101"/>
-        <p:cNvGrpSpPr/>
-        <p:nvPr/>
-      </p:nvGrpSpPr>
-      <p:grpSpPr>
-        <a:xfrm>
-          <a:off x="0" y="0"/>
-          <a:ext cx="0" cy="0"/>
-          <a:chOff x="0" y="0"/>
-          <a:chExt cx="0" cy="0"/>
-        </a:xfrm>
-      </p:grpSpPr>
-      <p:sp>
-        <p:nvSpPr>
-          <p:cNvPr id="102" name="Google Shape;102;p3:notes"/>
-          <p:cNvSpPr txBox="1">
-            <a:spLocks noGrp="1"/>
-          </p:cNvSpPr>
-          <p:nvPr>
-            <p:ph type="body" idx="1"/>
-          </p:nvPr>
-        </p:nvSpPr>
-        <p:spPr>
-          <a:xfrm>
-            <a:off x="914400" y="3257550"/>
-            <a:ext cx="7315200" cy="3086100"/>
-          </a:xfrm>
-          <a:prstGeom prst="rect">
-            <a:avLst/>
-          </a:prstGeom>
-        </p:spPr>
-        <p:txBody>
-          <a:bodyPr spcFirstLastPara="1" wrap="square" lIns="91425" tIns="45700" rIns="91425" bIns="45700" anchor="t" anchorCtr="0">
-            <a:noAutofit/>
-          </a:bodyPr>
-          <a:lstStyle/>
-          <a:p>
-            <a:pPr marL="0" lvl="0" indent="0" algn="l" rtl="0">
-              <a:spcBef>
-                <a:spcPts val="360"/>
-              </a:spcBef>
-              <a:spcAft>
-                <a:spcPts val="0"/>
-              </a:spcAft>
-              <a:buNone/>
-            </a:pPr>
-            <a:endParaRPr/>
-          </a:p>
-        </p:txBody>
-      </p:sp>
-      <p:sp>
-        <p:nvSpPr>
-          <p:cNvPr id="103" name="Google Shape;103;p3:notes"/>
-          <p:cNvSpPr>
-            <a:spLocks noGrp="1" noRot="1" noChangeAspect="1"/>
-          </p:cNvSpPr>
-          <p:nvPr>
-            <p:ph type="sldImg" idx="2"/>
-          </p:nvPr>
-        </p:nvSpPr>
-        <p:spPr>
-          <a:xfrm>
-            <a:off x="2857500" y="514350"/>
-            <a:ext cx="3429000" cy="2571750"/>
-          </a:xfrm>
-          <a:custGeom>
-            <a:avLst/>
-            <a:gdLst/>
-            <a:ahLst/>
-            <a:cxnLst/>
-            <a:rect l="l" t="t" r="r" b="b"/>
-            <a:pathLst>
-              <a:path w="120000" h="120000" extrusionOk="0">
-                <a:moveTo>
-                  <a:pt x="0" y="0"/>
-                </a:moveTo>
-                <a:lnTo>
-                  <a:pt x="120000" y="0"/>
-                </a:lnTo>
-                <a:lnTo>
-                  <a:pt x="120000" y="120000"/>
-                </a:lnTo>
-                <a:lnTo>
-                  <a:pt x="0" y="120000"/>
-                </a:lnTo>
-                <a:close/>
-              </a:path>
-            </a:pathLst>
-          </a:custGeom>
-        </p:spPr>
-      </p:sp>
-    </p:spTree>
-    <p:extLst>
-      <p:ext uri="{BB962C8B-B14F-4D97-AF65-F5344CB8AC3E}">
-        <p14:creationId xmlns:p14="http://schemas.microsoft.com/office/powerpoint/2010/main" val="3765556247"/>
-      </p:ext>
-    </p:extLst>
-  </p:cSld>
-  <p:clrMapOvr>
-    <a:masterClrMapping/>
-  </p:clrMapOvr>
-</p:notes>
-</file>
-
-<file path=ppt/notesSlides/notesSlide24.xml><?xml version="1.0" encoding="utf-8"?>
-<p:notes xmlns:a="http://schemas.openxmlformats.org/drawingml/2006/main" xmlns:r="http://schemas.openxmlformats.org/officeDocument/2006/relationships" xmlns:p="http://schemas.openxmlformats.org/presentationml/2006/main" showMasterSp="0" showMasterPhAnim="0">
-  <p:cSld>
-    <p:spTree>
-      <p:nvGrpSpPr>
-        <p:cNvPr id="1" name="Shape 101"/>
-        <p:cNvGrpSpPr/>
-        <p:nvPr/>
-      </p:nvGrpSpPr>
-      <p:grpSpPr>
-        <a:xfrm>
-          <a:off x="0" y="0"/>
-          <a:ext cx="0" cy="0"/>
-          <a:chOff x="0" y="0"/>
-          <a:chExt cx="0" cy="0"/>
-        </a:xfrm>
-      </p:grpSpPr>
-      <p:sp>
-        <p:nvSpPr>
-          <p:cNvPr id="102" name="Google Shape;102;p3:notes"/>
-          <p:cNvSpPr txBox="1">
-            <a:spLocks noGrp="1"/>
-          </p:cNvSpPr>
-          <p:nvPr>
-            <p:ph type="body" idx="1"/>
-          </p:nvPr>
-        </p:nvSpPr>
-        <p:spPr>
-          <a:xfrm>
-            <a:off x="914400" y="3257550"/>
-            <a:ext cx="7315200" cy="3086100"/>
-          </a:xfrm>
-          <a:prstGeom prst="rect">
-            <a:avLst/>
-          </a:prstGeom>
-        </p:spPr>
-        <p:txBody>
-          <a:bodyPr spcFirstLastPara="1" wrap="square" lIns="91425" tIns="45700" rIns="91425" bIns="45700" anchor="t" anchorCtr="0">
-            <a:noAutofit/>
-          </a:bodyPr>
-          <a:lstStyle/>
-          <a:p>
-            <a:pPr marL="0" lvl="0" indent="0" algn="l" rtl="0">
-              <a:spcBef>
-                <a:spcPts val="360"/>
-              </a:spcBef>
-              <a:spcAft>
-                <a:spcPts val="0"/>
-              </a:spcAft>
-              <a:buNone/>
-            </a:pPr>
-            <a:endParaRPr/>
-          </a:p>
-        </p:txBody>
-      </p:sp>
-      <p:sp>
-        <p:nvSpPr>
-          <p:cNvPr id="103" name="Google Shape;103;p3:notes"/>
-          <p:cNvSpPr>
-            <a:spLocks noGrp="1" noRot="1" noChangeAspect="1"/>
-          </p:cNvSpPr>
-          <p:nvPr>
-            <p:ph type="sldImg" idx="2"/>
-          </p:nvPr>
-        </p:nvSpPr>
-        <p:spPr>
-          <a:xfrm>
-            <a:off x="2857500" y="514350"/>
-            <a:ext cx="3429000" cy="2571750"/>
-          </a:xfrm>
-          <a:custGeom>
-            <a:avLst/>
-            <a:gdLst/>
-            <a:ahLst/>
-            <a:cxnLst/>
-            <a:rect l="l" t="t" r="r" b="b"/>
-            <a:pathLst>
-              <a:path w="120000" h="120000" extrusionOk="0">
-                <a:moveTo>
-                  <a:pt x="0" y="0"/>
-                </a:moveTo>
-                <a:lnTo>
-                  <a:pt x="120000" y="0"/>
-                </a:lnTo>
-                <a:lnTo>
-                  <a:pt x="120000" y="120000"/>
-                </a:lnTo>
-                <a:lnTo>
-                  <a:pt x="0" y="120000"/>
-                </a:lnTo>
-                <a:close/>
-              </a:path>
-            </a:pathLst>
-          </a:custGeom>
-        </p:spPr>
-      </p:sp>
-    </p:spTree>
-    <p:extLst>
-      <p:ext uri="{BB962C8B-B14F-4D97-AF65-F5344CB8AC3E}">
-        <p14:creationId xmlns:p14="http://schemas.microsoft.com/office/powerpoint/2010/main" val="3596840684"/>
-      </p:ext>
-    </p:extLst>
-  </p:cSld>
-  <p:clrMapOvr>
-    <a:masterClrMapping/>
-  </p:clrMapOvr>
-</p:notes>
-</file>
-
-<file path=ppt/notesSlides/notesSlide25.xml><?xml version="1.0" encoding="utf-8"?>
-<p:notes xmlns:a="http://schemas.openxmlformats.org/drawingml/2006/main" xmlns:r="http://schemas.openxmlformats.org/officeDocument/2006/relationships" xmlns:p="http://schemas.openxmlformats.org/presentationml/2006/main" showMasterSp="0" showMasterPhAnim="0">
-  <p:cSld>
-    <p:spTree>
-      <p:nvGrpSpPr>
-        <p:cNvPr id="1" name="Shape 101"/>
-        <p:cNvGrpSpPr/>
-        <p:nvPr/>
-      </p:nvGrpSpPr>
-      <p:grpSpPr>
-        <a:xfrm>
-          <a:off x="0" y="0"/>
-          <a:ext cx="0" cy="0"/>
-          <a:chOff x="0" y="0"/>
-          <a:chExt cx="0" cy="0"/>
-        </a:xfrm>
-      </p:grpSpPr>
-      <p:sp>
-        <p:nvSpPr>
-          <p:cNvPr id="102" name="Google Shape;102;p3:notes"/>
-          <p:cNvSpPr txBox="1">
-            <a:spLocks noGrp="1"/>
-          </p:cNvSpPr>
-          <p:nvPr>
-            <p:ph type="body" idx="1"/>
-          </p:nvPr>
-        </p:nvSpPr>
-        <p:spPr>
-          <a:xfrm>
-            <a:off x="914400" y="3257550"/>
-            <a:ext cx="7315200" cy="3086100"/>
-          </a:xfrm>
-          <a:prstGeom prst="rect">
-            <a:avLst/>
-          </a:prstGeom>
-        </p:spPr>
-        <p:txBody>
-          <a:bodyPr spcFirstLastPara="1" wrap="square" lIns="91425" tIns="45700" rIns="91425" bIns="45700" anchor="t" anchorCtr="0">
-            <a:noAutofit/>
-          </a:bodyPr>
-          <a:lstStyle/>
-          <a:p>
-            <a:pPr marL="0" lvl="0" indent="0" algn="l" rtl="0">
-              <a:spcBef>
-                <a:spcPts val="360"/>
-              </a:spcBef>
-              <a:spcAft>
-                <a:spcPts val="0"/>
-              </a:spcAft>
-              <a:buNone/>
-            </a:pPr>
-            <a:endParaRPr/>
-          </a:p>
-        </p:txBody>
-      </p:sp>
-      <p:sp>
-        <p:nvSpPr>
-          <p:cNvPr id="103" name="Google Shape;103;p3:notes"/>
-          <p:cNvSpPr>
-            <a:spLocks noGrp="1" noRot="1" noChangeAspect="1"/>
-          </p:cNvSpPr>
-          <p:nvPr>
-            <p:ph type="sldImg" idx="2"/>
-          </p:nvPr>
-        </p:nvSpPr>
-        <p:spPr>
-          <a:xfrm>
-            <a:off x="2857500" y="514350"/>
-            <a:ext cx="3429000" cy="2571750"/>
-          </a:xfrm>
-          <a:custGeom>
-            <a:avLst/>
-            <a:gdLst/>
-            <a:ahLst/>
-            <a:cxnLst/>
-            <a:rect l="l" t="t" r="r" b="b"/>
-            <a:pathLst>
-              <a:path w="120000" h="120000" extrusionOk="0">
-                <a:moveTo>
-                  <a:pt x="0" y="0"/>
-                </a:moveTo>
-                <a:lnTo>
-                  <a:pt x="120000" y="0"/>
-                </a:lnTo>
-                <a:lnTo>
-                  <a:pt x="120000" y="120000"/>
-                </a:lnTo>
-                <a:lnTo>
-                  <a:pt x="0" y="120000"/>
-                </a:lnTo>
-                <a:close/>
-              </a:path>
-            </a:pathLst>
-          </a:custGeom>
-        </p:spPr>
-      </p:sp>
-    </p:spTree>
-    <p:extLst>
-      <p:ext uri="{BB962C8B-B14F-4D97-AF65-F5344CB8AC3E}">
-        <p14:creationId xmlns:p14="http://schemas.microsoft.com/office/powerpoint/2010/main" val="325088752"/>
-      </p:ext>
-    </p:extLst>
-  </p:cSld>
-  <p:clrMapOvr>
-    <a:masterClrMapping/>
-  </p:clrMapOvr>
-</p:notes>
-</file>
-
-<file path=ppt/notesSlides/notesSlide26.xml><?xml version="1.0" encoding="utf-8"?>
-<p:notes xmlns:a="http://schemas.openxmlformats.org/drawingml/2006/main" xmlns:r="http://schemas.openxmlformats.org/officeDocument/2006/relationships" xmlns:p="http://schemas.openxmlformats.org/presentationml/2006/main" showMasterSp="0" showMasterPhAnim="0">
-  <p:cSld>
-    <p:spTree>
-      <p:nvGrpSpPr>
-        <p:cNvPr id="1" name="Shape 101"/>
-        <p:cNvGrpSpPr/>
-        <p:nvPr/>
-      </p:nvGrpSpPr>
-      <p:grpSpPr>
-        <a:xfrm>
-          <a:off x="0" y="0"/>
-          <a:ext cx="0" cy="0"/>
-          <a:chOff x="0" y="0"/>
-          <a:chExt cx="0" cy="0"/>
-        </a:xfrm>
-      </p:grpSpPr>
-      <p:sp>
-        <p:nvSpPr>
-          <p:cNvPr id="102" name="Google Shape;102;p3:notes"/>
-          <p:cNvSpPr txBox="1">
-            <a:spLocks noGrp="1"/>
-          </p:cNvSpPr>
-          <p:nvPr>
-            <p:ph type="body" idx="1"/>
-          </p:nvPr>
-        </p:nvSpPr>
-        <p:spPr>
-          <a:xfrm>
-            <a:off x="914400" y="3257550"/>
-            <a:ext cx="7315200" cy="3086100"/>
-          </a:xfrm>
-          <a:prstGeom prst="rect">
-            <a:avLst/>
-          </a:prstGeom>
-        </p:spPr>
-        <p:txBody>
-          <a:bodyPr spcFirstLastPara="1" wrap="square" lIns="91425" tIns="45700" rIns="91425" bIns="45700" anchor="t" anchorCtr="0">
-            <a:noAutofit/>
-          </a:bodyPr>
-          <a:lstStyle/>
-          <a:p>
-            <a:pPr marL="0" lvl="0" indent="0" algn="l" rtl="0">
-              <a:spcBef>
-                <a:spcPts val="360"/>
-              </a:spcBef>
-              <a:spcAft>
-                <a:spcPts val="0"/>
-              </a:spcAft>
-              <a:buNone/>
-            </a:pPr>
-            <a:endParaRPr/>
-          </a:p>
-        </p:txBody>
-      </p:sp>
-      <p:sp>
-        <p:nvSpPr>
-          <p:cNvPr id="103" name="Google Shape;103;p3:notes"/>
-          <p:cNvSpPr>
-            <a:spLocks noGrp="1" noRot="1" noChangeAspect="1"/>
-          </p:cNvSpPr>
-          <p:nvPr>
-            <p:ph type="sldImg" idx="2"/>
-          </p:nvPr>
-        </p:nvSpPr>
-        <p:spPr>
-          <a:xfrm>
-            <a:off x="2857500" y="514350"/>
-            <a:ext cx="3429000" cy="2571750"/>
-          </a:xfrm>
-          <a:custGeom>
-            <a:avLst/>
-            <a:gdLst/>
-            <a:ahLst/>
-            <a:cxnLst/>
-            <a:rect l="l" t="t" r="r" b="b"/>
-            <a:pathLst>
-              <a:path w="120000" h="120000" extrusionOk="0">
-                <a:moveTo>
-                  <a:pt x="0" y="0"/>
-                </a:moveTo>
-                <a:lnTo>
-                  <a:pt x="120000" y="0"/>
-                </a:lnTo>
-                <a:lnTo>
-                  <a:pt x="120000" y="120000"/>
-                </a:lnTo>
-                <a:lnTo>
-                  <a:pt x="0" y="120000"/>
-                </a:lnTo>
-                <a:close/>
-              </a:path>
-            </a:pathLst>
-          </a:custGeom>
-        </p:spPr>
-      </p:sp>
-    </p:spTree>
-    <p:extLst>
-      <p:ext uri="{BB962C8B-B14F-4D97-AF65-F5344CB8AC3E}">
-        <p14:creationId xmlns:p14="http://schemas.microsoft.com/office/powerpoint/2010/main" val="1202265843"/>
-      </p:ext>
-    </p:extLst>
-  </p:cSld>
-  <p:clrMapOvr>
-    <a:masterClrMapping/>
-  </p:clrMapOvr>
-</p:notes>
-</file>
-
-<file path=ppt/notesSlides/notesSlide27.xml><?xml version="1.0" encoding="utf-8"?>
-<p:notes xmlns:a="http://schemas.openxmlformats.org/drawingml/2006/main" xmlns:r="http://schemas.openxmlformats.org/officeDocument/2006/relationships" xmlns:p="http://schemas.openxmlformats.org/presentationml/2006/main" showMasterSp="0" showMasterPhAnim="0">
-  <p:cSld>
-    <p:spTree>
-      <p:nvGrpSpPr>
-        <p:cNvPr id="1" name="Shape 101"/>
-        <p:cNvGrpSpPr/>
-        <p:nvPr/>
-      </p:nvGrpSpPr>
-      <p:grpSpPr>
-        <a:xfrm>
-          <a:off x="0" y="0"/>
-          <a:ext cx="0" cy="0"/>
-          <a:chOff x="0" y="0"/>
-          <a:chExt cx="0" cy="0"/>
-        </a:xfrm>
-      </p:grpSpPr>
-      <p:sp>
-        <p:nvSpPr>
-          <p:cNvPr id="102" name="Google Shape;102;p3:notes"/>
-          <p:cNvSpPr txBox="1">
-            <a:spLocks noGrp="1"/>
-          </p:cNvSpPr>
-          <p:nvPr>
-            <p:ph type="body" idx="1"/>
-          </p:nvPr>
-        </p:nvSpPr>
-        <p:spPr>
-          <a:xfrm>
-            <a:off x="914400" y="3257550"/>
-            <a:ext cx="7315200" cy="3086100"/>
-          </a:xfrm>
-          <a:prstGeom prst="rect">
-            <a:avLst/>
-          </a:prstGeom>
-        </p:spPr>
-        <p:txBody>
-          <a:bodyPr spcFirstLastPara="1" wrap="square" lIns="91425" tIns="45700" rIns="91425" bIns="45700" anchor="t" anchorCtr="0">
-            <a:noAutofit/>
-          </a:bodyPr>
-          <a:lstStyle/>
-          <a:p>
-            <a:pPr marL="0" lvl="0" indent="0" algn="l" rtl="0">
-              <a:spcBef>
-                <a:spcPts val="360"/>
-              </a:spcBef>
-              <a:spcAft>
-                <a:spcPts val="0"/>
-              </a:spcAft>
-              <a:buNone/>
-            </a:pPr>
-            <a:endParaRPr/>
-          </a:p>
-        </p:txBody>
-      </p:sp>
-      <p:sp>
-        <p:nvSpPr>
-          <p:cNvPr id="103" name="Google Shape;103;p3:notes"/>
-          <p:cNvSpPr>
-            <a:spLocks noGrp="1" noRot="1" noChangeAspect="1"/>
-          </p:cNvSpPr>
-          <p:nvPr>
-            <p:ph type="sldImg" idx="2"/>
-          </p:nvPr>
-        </p:nvSpPr>
-        <p:spPr>
-          <a:xfrm>
-            <a:off x="2857500" y="514350"/>
-            <a:ext cx="3429000" cy="2571750"/>
-          </a:xfrm>
-          <a:custGeom>
-            <a:avLst/>
-            <a:gdLst/>
-            <a:ahLst/>
-            <a:cxnLst/>
-            <a:rect l="l" t="t" r="r" b="b"/>
-            <a:pathLst>
-              <a:path w="120000" h="120000" extrusionOk="0">
-                <a:moveTo>
-                  <a:pt x="0" y="0"/>
-                </a:moveTo>
-                <a:lnTo>
-                  <a:pt x="120000" y="0"/>
-                </a:lnTo>
-                <a:lnTo>
-                  <a:pt x="120000" y="120000"/>
-                </a:lnTo>
-                <a:lnTo>
-                  <a:pt x="0" y="120000"/>
-                </a:lnTo>
-                <a:close/>
-              </a:path>
-            </a:pathLst>
-          </a:custGeom>
-        </p:spPr>
-      </p:sp>
-    </p:spTree>
-    <p:extLst>
-      <p:ext uri="{BB962C8B-B14F-4D97-AF65-F5344CB8AC3E}">
-        <p14:creationId xmlns:p14="http://schemas.microsoft.com/office/powerpoint/2010/main" val="1036270209"/>
-      </p:ext>
-    </p:extLst>
-  </p:cSld>
-  <p:clrMapOvr>
-    <a:masterClrMapping/>
-  </p:clrMapOvr>
-</p:notes>
-</file>
-
-<file path=ppt/notesSlides/notesSlide28.xml><?xml version="1.0" encoding="utf-8"?>
-<p:notes xmlns:a="http://schemas.openxmlformats.org/drawingml/2006/main" xmlns:r="http://schemas.openxmlformats.org/officeDocument/2006/relationships" xmlns:p="http://schemas.openxmlformats.org/presentationml/2006/main" showMasterSp="0" showMasterPhAnim="0">
-  <p:cSld>
-    <p:spTree>
-      <p:nvGrpSpPr>
-        <p:cNvPr id="1" name="Shape 101"/>
-        <p:cNvGrpSpPr/>
-        <p:nvPr/>
-      </p:nvGrpSpPr>
-      <p:grpSpPr>
-        <a:xfrm>
-          <a:off x="0" y="0"/>
-          <a:ext cx="0" cy="0"/>
-          <a:chOff x="0" y="0"/>
-          <a:chExt cx="0" cy="0"/>
-        </a:xfrm>
-      </p:grpSpPr>
-      <p:sp>
-        <p:nvSpPr>
-          <p:cNvPr id="102" name="Google Shape;102;p3:notes"/>
-          <p:cNvSpPr txBox="1">
-            <a:spLocks noGrp="1"/>
-          </p:cNvSpPr>
-          <p:nvPr>
-            <p:ph type="body" idx="1"/>
-          </p:nvPr>
-        </p:nvSpPr>
-        <p:spPr>
-          <a:xfrm>
-            <a:off x="914400" y="3257550"/>
-            <a:ext cx="7315200" cy="3086100"/>
-          </a:xfrm>
-          <a:prstGeom prst="rect">
-            <a:avLst/>
-          </a:prstGeom>
-        </p:spPr>
-        <p:txBody>
-          <a:bodyPr spcFirstLastPara="1" wrap="square" lIns="91425" tIns="45700" rIns="91425" bIns="45700" anchor="t" anchorCtr="0">
-            <a:noAutofit/>
-          </a:bodyPr>
-          <a:lstStyle/>
-          <a:p>
-            <a:pPr marL="0" lvl="0" indent="0" algn="l" rtl="0">
-              <a:spcBef>
-                <a:spcPts val="360"/>
-              </a:spcBef>
-              <a:spcAft>
-                <a:spcPts val="0"/>
-              </a:spcAft>
-              <a:buNone/>
-            </a:pPr>
-            <a:endParaRPr/>
-          </a:p>
-        </p:txBody>
-      </p:sp>
-      <p:sp>
-        <p:nvSpPr>
-          <p:cNvPr id="103" name="Google Shape;103;p3:notes"/>
-          <p:cNvSpPr>
-            <a:spLocks noGrp="1" noRot="1" noChangeAspect="1"/>
-          </p:cNvSpPr>
-          <p:nvPr>
-            <p:ph type="sldImg" idx="2"/>
-          </p:nvPr>
-        </p:nvSpPr>
-        <p:spPr>
-          <a:xfrm>
-            <a:off x="2857500" y="514350"/>
-            <a:ext cx="3429000" cy="2571750"/>
-          </a:xfrm>
-          <a:custGeom>
-            <a:avLst/>
-            <a:gdLst/>
-            <a:ahLst/>
-            <a:cxnLst/>
-            <a:rect l="l" t="t" r="r" b="b"/>
-            <a:pathLst>
-              <a:path w="120000" h="120000" extrusionOk="0">
-                <a:moveTo>
-                  <a:pt x="0" y="0"/>
-                </a:moveTo>
-                <a:lnTo>
-                  <a:pt x="120000" y="0"/>
-                </a:lnTo>
-                <a:lnTo>
-                  <a:pt x="120000" y="120000"/>
-                </a:lnTo>
-                <a:lnTo>
-                  <a:pt x="0" y="120000"/>
-                </a:lnTo>
-                <a:close/>
-              </a:path>
-            </a:pathLst>
-          </a:custGeom>
-        </p:spPr>
-      </p:sp>
-    </p:spTree>
-    <p:extLst>
-      <p:ext uri="{BB962C8B-B14F-4D97-AF65-F5344CB8AC3E}">
-        <p14:creationId xmlns:p14="http://schemas.microsoft.com/office/powerpoint/2010/main" val="2111855731"/>
-      </p:ext>
-    </p:extLst>
-  </p:cSld>
-  <p:clrMapOvr>
-    <a:masterClrMapping/>
-  </p:clrMapOvr>
-</p:notes>
-</file>
-
-<file path=ppt/notesSlides/notesSlide29.xml><?xml version="1.0" encoding="utf-8"?>
-<p:notes xmlns:a="http://schemas.openxmlformats.org/drawingml/2006/main" xmlns:r="http://schemas.openxmlformats.org/officeDocument/2006/relationships" xmlns:p="http://schemas.openxmlformats.org/presentationml/2006/main" showMasterSp="0" showMasterPhAnim="0">
-  <p:cSld>
-    <p:spTree>
-      <p:nvGrpSpPr>
-        <p:cNvPr id="1" name="Shape 101"/>
-        <p:cNvGrpSpPr/>
-        <p:nvPr/>
-      </p:nvGrpSpPr>
-      <p:grpSpPr>
-        <a:xfrm>
-          <a:off x="0" y="0"/>
-          <a:ext cx="0" cy="0"/>
-          <a:chOff x="0" y="0"/>
-          <a:chExt cx="0" cy="0"/>
-        </a:xfrm>
-      </p:grpSpPr>
-      <p:sp>
-        <p:nvSpPr>
-          <p:cNvPr id="102" name="Google Shape;102;p3:notes"/>
-          <p:cNvSpPr txBox="1">
-            <a:spLocks noGrp="1"/>
-          </p:cNvSpPr>
-          <p:nvPr>
-            <p:ph type="body" idx="1"/>
-          </p:nvPr>
-        </p:nvSpPr>
-        <p:spPr>
-          <a:xfrm>
-            <a:off x="914400" y="3257550"/>
-            <a:ext cx="7315200" cy="3086100"/>
-          </a:xfrm>
-          <a:prstGeom prst="rect">
-            <a:avLst/>
-          </a:prstGeom>
-        </p:spPr>
-        <p:txBody>
-          <a:bodyPr spcFirstLastPara="1" wrap="square" lIns="91425" tIns="45700" rIns="91425" bIns="45700" anchor="t" anchorCtr="0">
-            <a:noAutofit/>
-          </a:bodyPr>
-          <a:lstStyle/>
-          <a:p>
-            <a:pPr marL="0" lvl="0" indent="0" algn="l" rtl="0">
-              <a:spcBef>
-                <a:spcPts val="360"/>
-              </a:spcBef>
-              <a:spcAft>
-                <a:spcPts val="0"/>
-              </a:spcAft>
-              <a:buNone/>
-            </a:pPr>
-            <a:endParaRPr/>
-          </a:p>
-        </p:txBody>
-      </p:sp>
-      <p:sp>
-        <p:nvSpPr>
-          <p:cNvPr id="103" name="Google Shape;103;p3:notes"/>
-          <p:cNvSpPr>
-            <a:spLocks noGrp="1" noRot="1" noChangeAspect="1"/>
-          </p:cNvSpPr>
-          <p:nvPr>
-            <p:ph type="sldImg" idx="2"/>
-          </p:nvPr>
-        </p:nvSpPr>
-        <p:spPr>
-          <a:xfrm>
-            <a:off x="2857500" y="514350"/>
-            <a:ext cx="3429000" cy="2571750"/>
-          </a:xfrm>
-          <a:custGeom>
-            <a:avLst/>
-            <a:gdLst/>
-            <a:ahLst/>
-            <a:cxnLst/>
-            <a:rect l="l" t="t" r="r" b="b"/>
-            <a:pathLst>
-              <a:path w="120000" h="120000" extrusionOk="0">
-                <a:moveTo>
-                  <a:pt x="0" y="0"/>
-                </a:moveTo>
-                <a:lnTo>
-                  <a:pt x="120000" y="0"/>
-                </a:lnTo>
-                <a:lnTo>
-                  <a:pt x="120000" y="120000"/>
-                </a:lnTo>
-                <a:lnTo>
-                  <a:pt x="0" y="120000"/>
-                </a:lnTo>
-                <a:close/>
-              </a:path>
-            </a:pathLst>
-          </a:custGeom>
-        </p:spPr>
-      </p:sp>
-    </p:spTree>
-    <p:extLst>
-      <p:ext uri="{BB962C8B-B14F-4D97-AF65-F5344CB8AC3E}">
-        <p14:creationId xmlns:p14="http://schemas.microsoft.com/office/powerpoint/2010/main" val="3391861623"/>
-      </p:ext>
-    </p:extLst>
-  </p:cSld>
-  <p:clrMapOvr>
-    <a:masterClrMapping/>
-  </p:clrMapOvr>
-</p:notes>
-</file>
-
-<file path=ppt/notesSlides/notesSlide3.xml><?xml version="1.0" encoding="utf-8"?>
-<p:notes xmlns:a="http://schemas.openxmlformats.org/drawingml/2006/main" xmlns:r="http://schemas.openxmlformats.org/officeDocument/2006/relationships" xmlns:p="http://schemas.openxmlformats.org/presentationml/2006/main" showMasterSp="0" showMasterPhAnim="0">
-  <p:cSld>
-    <p:spTree>
-      <p:nvGrpSpPr>
-        <p:cNvPr id="1" name="Shape 101"/>
-        <p:cNvGrpSpPr/>
-        <p:nvPr/>
-      </p:nvGrpSpPr>
-      <p:grpSpPr>
-        <a:xfrm>
-          <a:off x="0" y="0"/>
-          <a:ext cx="0" cy="0"/>
-          <a:chOff x="0" y="0"/>
-          <a:chExt cx="0" cy="0"/>
-        </a:xfrm>
-      </p:grpSpPr>
-      <p:sp>
-        <p:nvSpPr>
-          <p:cNvPr id="102" name="Google Shape;102;p3:notes"/>
-          <p:cNvSpPr txBox="1">
-            <a:spLocks noGrp="1"/>
-          </p:cNvSpPr>
-          <p:nvPr>
-            <p:ph type="body" idx="1"/>
-          </p:nvPr>
-        </p:nvSpPr>
-        <p:spPr>
-          <a:xfrm>
-            <a:off x="914400" y="3257550"/>
-            <a:ext cx="7315200" cy="3086100"/>
-          </a:xfrm>
-          <a:prstGeom prst="rect">
-            <a:avLst/>
-          </a:prstGeom>
-        </p:spPr>
-        <p:txBody>
-          <a:bodyPr spcFirstLastPara="1" wrap="square" lIns="91425" tIns="45700" rIns="91425" bIns="45700" anchor="t" anchorCtr="0">
-            <a:noAutofit/>
-          </a:bodyPr>
-          <a:lstStyle/>
-          <a:p>
-            <a:pPr marL="0" lvl="0" indent="0" algn="l" rtl="0">
-              <a:spcBef>
-                <a:spcPts val="360"/>
-              </a:spcBef>
-              <a:spcAft>
-                <a:spcPts val="0"/>
-              </a:spcAft>
-              <a:buNone/>
-            </a:pPr>
-            <a:endParaRPr/>
-          </a:p>
-        </p:txBody>
-      </p:sp>
-      <p:sp>
-        <p:nvSpPr>
-          <p:cNvPr id="103" name="Google Shape;103;p3:notes"/>
-          <p:cNvSpPr>
-            <a:spLocks noGrp="1" noRot="1" noChangeAspect="1"/>
-          </p:cNvSpPr>
-          <p:nvPr>
-            <p:ph type="sldImg" idx="2"/>
-          </p:nvPr>
-        </p:nvSpPr>
-        <p:spPr>
-          <a:xfrm>
-            <a:off x="2857500" y="514350"/>
-            <a:ext cx="3429000" cy="2571750"/>
-          </a:xfrm>
-          <a:custGeom>
-            <a:avLst/>
-            <a:gdLst/>
-            <a:ahLst/>
-            <a:cxnLst/>
-            <a:rect l="l" t="t" r="r" b="b"/>
-            <a:pathLst>
-              <a:path w="120000" h="120000" extrusionOk="0">
-                <a:moveTo>
-                  <a:pt x="0" y="0"/>
-                </a:moveTo>
-                <a:lnTo>
-                  <a:pt x="120000" y="0"/>
-                </a:lnTo>
-                <a:lnTo>
-                  <a:pt x="120000" y="120000"/>
-                </a:lnTo>
-                <a:lnTo>
-                  <a:pt x="0" y="120000"/>
-                </a:lnTo>
-                <a:close/>
-              </a:path>
-            </a:pathLst>
-          </a:custGeom>
-        </p:spPr>
-      </p:sp>
-    </p:spTree>
-  </p:cSld>
-  <p:clrMapOvr>
-    <a:masterClrMapping/>
-  </p:clrMapOvr>
-</p:notes>
-</file>
-
-<file path=ppt/notesSlides/notesSlide30.xml><?xml version="1.0" encoding="utf-8"?>
-<p:notes xmlns:a="http://schemas.openxmlformats.org/drawingml/2006/main" xmlns:r="http://schemas.openxmlformats.org/officeDocument/2006/relationships" xmlns:p="http://schemas.openxmlformats.org/presentationml/2006/main" showMasterSp="0" showMasterPhAnim="0">
-  <p:cSld>
-    <p:spTree>
-      <p:nvGrpSpPr>
-        <p:cNvPr id="1" name="Shape 101"/>
-        <p:cNvGrpSpPr/>
-        <p:nvPr/>
-      </p:nvGrpSpPr>
-      <p:grpSpPr>
-        <a:xfrm>
-          <a:off x="0" y="0"/>
-          <a:ext cx="0" cy="0"/>
-          <a:chOff x="0" y="0"/>
-          <a:chExt cx="0" cy="0"/>
-        </a:xfrm>
-      </p:grpSpPr>
-      <p:sp>
-        <p:nvSpPr>
-          <p:cNvPr id="102" name="Google Shape;102;p3:notes"/>
-          <p:cNvSpPr txBox="1">
-            <a:spLocks noGrp="1"/>
-          </p:cNvSpPr>
-          <p:nvPr>
-            <p:ph type="body" idx="1"/>
-          </p:nvPr>
-        </p:nvSpPr>
-        <p:spPr>
-          <a:xfrm>
-            <a:off x="914400" y="3257550"/>
-            <a:ext cx="7315200" cy="3086100"/>
-          </a:xfrm>
-          <a:prstGeom prst="rect">
-            <a:avLst/>
-          </a:prstGeom>
-        </p:spPr>
-        <p:txBody>
-          <a:bodyPr spcFirstLastPara="1" wrap="square" lIns="91425" tIns="45700" rIns="91425" bIns="45700" anchor="t" anchorCtr="0">
-            <a:noAutofit/>
-          </a:bodyPr>
-          <a:lstStyle/>
-          <a:p>
-            <a:pPr marL="0" lvl="0" indent="0" algn="l" rtl="0">
-              <a:spcBef>
-                <a:spcPts val="360"/>
-              </a:spcBef>
-              <a:spcAft>
-                <a:spcPts val="0"/>
-              </a:spcAft>
-              <a:buNone/>
-            </a:pPr>
-            <a:endParaRPr/>
-          </a:p>
-        </p:txBody>
-      </p:sp>
-      <p:sp>
-        <p:nvSpPr>
-          <p:cNvPr id="103" name="Google Shape;103;p3:notes"/>
-          <p:cNvSpPr>
-            <a:spLocks noGrp="1" noRot="1" noChangeAspect="1"/>
-          </p:cNvSpPr>
-          <p:nvPr>
-            <p:ph type="sldImg" idx="2"/>
-          </p:nvPr>
-        </p:nvSpPr>
-        <p:spPr>
-          <a:xfrm>
-            <a:off x="2857500" y="514350"/>
-            <a:ext cx="3429000" cy="2571750"/>
-          </a:xfrm>
-          <a:custGeom>
-            <a:avLst/>
-            <a:gdLst/>
-            <a:ahLst/>
-            <a:cxnLst/>
-            <a:rect l="l" t="t" r="r" b="b"/>
-            <a:pathLst>
-              <a:path w="120000" h="120000" extrusionOk="0">
-                <a:moveTo>
-                  <a:pt x="0" y="0"/>
-                </a:moveTo>
-                <a:lnTo>
-                  <a:pt x="120000" y="0"/>
-                </a:lnTo>
-                <a:lnTo>
-                  <a:pt x="120000" y="120000"/>
-                </a:lnTo>
-                <a:lnTo>
-                  <a:pt x="0" y="120000"/>
-                </a:lnTo>
-                <a:close/>
-              </a:path>
-            </a:pathLst>
-          </a:custGeom>
-        </p:spPr>
-      </p:sp>
-    </p:spTree>
-    <p:extLst>
-      <p:ext uri="{BB962C8B-B14F-4D97-AF65-F5344CB8AC3E}">
-        <p14:creationId xmlns:p14="http://schemas.microsoft.com/office/powerpoint/2010/main" val="2564451861"/>
-      </p:ext>
-    </p:extLst>
   </p:cSld>
   <p:clrMapOvr>
     <a:masterClrMapping/>
@@ -8199,7 +6991,7 @@
           <a:p>
             <a:fld id="{9C7CBA4D-D1BF-4799-AFB6-DEAFC6EDC389}" type="datetime1">
               <a:rPr lang="en-US" smtClean="0"/>
-              <a:t>9/9/2022</a:t>
+              <a:t>9/9/22</a:t>
             </a:fld>
             <a:endParaRPr/>
           </a:p>
@@ -9000,7 +7792,7 @@
           <a:p>
             <a:fld id="{D2142BB5-71BA-4403-ACBC-AC0ADABE599D}" type="datetime1">
               <a:rPr lang="en-US" smtClean="0"/>
-              <a:t>9/9/2022</a:t>
+              <a:t>9/9/22</a:t>
             </a:fld>
             <a:endParaRPr/>
           </a:p>
@@ -9801,7 +8593,7 @@
           <a:p>
             <a:fld id="{E3162F0C-96E0-40FF-9E1B-9D227A4A314C}" type="datetime1">
               <a:rPr lang="en-US" smtClean="0"/>
-              <a:t>9/9/2022</a:t>
+              <a:t>9/9/22</a:t>
             </a:fld>
             <a:endParaRPr/>
           </a:p>
@@ -10602,7 +9394,7 @@
           <a:p>
             <a:fld id="{0C62BD34-D5E2-4C87-AA2A-F8D5808875C3}" type="datetime1">
               <a:rPr lang="en-US" smtClean="0"/>
-              <a:t>9/9/2022</a:t>
+              <a:t>9/9/22</a:t>
             </a:fld>
             <a:endParaRPr/>
           </a:p>
@@ -11412,7 +10204,7 @@
           <a:p>
             <a:fld id="{1599DCB5-5EA8-40ED-B6F6-94DEA97C34A4}" type="datetime1">
               <a:rPr lang="en-US" smtClean="0"/>
-              <a:t>9/9/2022</a:t>
+              <a:t>9/9/22</a:t>
             </a:fld>
             <a:endParaRPr/>
           </a:p>
@@ -12391,7 +11183,7 @@
           <a:p>
             <a:fld id="{52BE42F2-D6E8-4175-AB2C-D0ED52518F51}" type="datetime1">
               <a:rPr lang="en-US" smtClean="0"/>
-              <a:t>9/9/2022</a:t>
+              <a:t>9/9/22</a:t>
             </a:fld>
             <a:endParaRPr/>
           </a:p>
@@ -13708,7 +12500,7 @@
           <a:p>
             <a:fld id="{8E08C2CB-A4F7-4ED3-B68D-00B974296F17}" type="datetime1">
               <a:rPr lang="en-US" smtClean="0"/>
-              <a:t>9/9/2022</a:t>
+              <a:t>9/9/22</a:t>
             </a:fld>
             <a:endParaRPr/>
           </a:p>
@@ -14349,7 +13141,7 @@
           <a:p>
             <a:fld id="{215C33B7-3119-4F7E-9A47-39575B828DEA}" type="datetime1">
               <a:rPr lang="en-US" smtClean="0"/>
-              <a:t>9/9/2022</a:t>
+              <a:t>9/9/22</a:t>
             </a:fld>
             <a:endParaRPr/>
           </a:p>
@@ -14857,7 +13649,7 @@
           <a:p>
             <a:fld id="{06729030-588F-4AB5-8600-A0779876BA82}" type="datetime1">
               <a:rPr lang="en-US" smtClean="0"/>
-              <a:t>9/9/2022</a:t>
+              <a:t>9/9/22</a:t>
             </a:fld>
             <a:endParaRPr/>
           </a:p>
@@ -15836,7 +14628,7 @@
           <a:p>
             <a:fld id="{6E094DC0-DFD9-4438-AAB3-6F0EAD517DD1}" type="datetime1">
               <a:rPr lang="en-US" smtClean="0"/>
-              <a:t>9/9/2022</a:t>
+              <a:t>9/9/22</a:t>
             </a:fld>
             <a:endParaRPr/>
           </a:p>
@@ -16670,7 +15462,7 @@
           <a:p>
             <a:fld id="{E9E74B8F-DD15-4D57-890A-1843ABE3D877}" type="datetime1">
               <a:rPr lang="en-US" smtClean="0"/>
-              <a:t>9/9/2022</a:t>
+              <a:t>9/9/22</a:t>
             </a:fld>
             <a:endParaRPr/>
           </a:p>
@@ -17704,7 +16496,7 @@
           <a:p>
             <a:fld id="{010FDBE2-1077-4F25-BEBD-151DC496D77A}" type="datetime1">
               <a:rPr lang="en-US" smtClean="0"/>
-              <a:t>9/9/2022</a:t>
+              <a:t>9/9/22</a:t>
             </a:fld>
             <a:endParaRPr/>
           </a:p>
@@ -19200,7 +17992,7 @@
             </a:pPr>
             <a:fld id="{8325990E-89A1-418C-BAD2-0015B9725131}" type="datetime1">
               <a:rPr lang="en-US" smtClean="0"/>
-              <a:t>9/9/2022</a:t>
+              <a:t>9/9/22</a:t>
             </a:fld>
             <a:endParaRPr/>
           </a:p>
@@ -19859,7 +18651,7 @@
             </a:pPr>
             <a:fld id="{8325990E-89A1-418C-BAD2-0015B9725131}" type="datetime1">
               <a:rPr lang="en-US" smtClean="0"/>
-              <a:t>9/9/2022</a:t>
+              <a:t>9/9/22</a:t>
             </a:fld>
             <a:endParaRPr/>
           </a:p>
@@ -20364,7 +19156,7 @@
             </a:pPr>
             <a:fld id="{8325990E-89A1-418C-BAD2-0015B9725131}" type="datetime1">
               <a:rPr lang="en-US" smtClean="0"/>
-              <a:t>9/9/2022</a:t>
+              <a:t>9/9/22</a:t>
             </a:fld>
             <a:endParaRPr/>
           </a:p>
@@ -20767,7 +19559,7 @@
             </a:pPr>
             <a:fld id="{8325990E-89A1-418C-BAD2-0015B9725131}" type="datetime1">
               <a:rPr lang="en-US" smtClean="0"/>
-              <a:t>9/9/2022</a:t>
+              <a:t>9/9/22</a:t>
             </a:fld>
             <a:endParaRPr/>
           </a:p>
@@ -21101,7 +19893,7 @@
             </a:pPr>
             <a:fld id="{8325990E-89A1-418C-BAD2-0015B9725131}" type="datetime1">
               <a:rPr lang="en-US" smtClean="0"/>
-              <a:t>9/9/2022</a:t>
+              <a:t>9/9/22</a:t>
             </a:fld>
             <a:endParaRPr/>
           </a:p>
@@ -21565,7 +20357,7 @@
             </a:pPr>
             <a:fld id="{8325990E-89A1-418C-BAD2-0015B9725131}" type="datetime1">
               <a:rPr lang="en-US" smtClean="0"/>
-              <a:t>9/9/2022</a:t>
+              <a:t>9/9/22</a:t>
             </a:fld>
             <a:endParaRPr/>
           </a:p>
@@ -21869,7 +20661,7 @@
             </a:pPr>
             <a:fld id="{8325990E-89A1-418C-BAD2-0015B9725131}" type="datetime1">
               <a:rPr lang="en-US" smtClean="0"/>
-              <a:t>9/9/2022</a:t>
+              <a:t>9/9/22</a:t>
             </a:fld>
             <a:endParaRPr/>
           </a:p>
@@ -22186,7 +20978,7 @@
             </a:pPr>
             <a:fld id="{8325990E-89A1-418C-BAD2-0015B9725131}" type="datetime1">
               <a:rPr lang="en-US" smtClean="0"/>
-              <a:t>9/9/2022</a:t>
+              <a:t>9/9/22</a:t>
             </a:fld>
             <a:endParaRPr/>
           </a:p>
@@ -22364,15 +21156,27 @@
                 <a:spcPts val="0"/>
               </a:spcBef>
             </a:pPr>
+            <a:endParaRPr lang="en-US" sz="2200" dirty="0">
+              <a:solidFill>
+                <a:srgbClr val="000000"/>
+              </a:solidFill>
+              <a:latin typeface="+mj-lt"/>
+            </a:endParaRPr>
+          </a:p>
+          <a:p>
+            <a:pPr fontAlgn="base">
+              <a:spcBef>
+                <a:spcPts val="0"/>
+              </a:spcBef>
+            </a:pPr>
             <a:r>
-              <a:rPr lang="en-US" sz="2800" b="0" i="0" u="none" strike="noStrike" dirty="0">
+              <a:rPr lang="en-US" sz="2200" dirty="0">
                 <a:solidFill>
                   <a:srgbClr val="000000"/>
                 </a:solidFill>
-                <a:effectLst/>
                 <a:latin typeface="+mj-lt"/>
               </a:rPr>
-              <a:t>R tools comes with lots of built in commands, function for numeric calculations for common statistical analysis, plotting visualization.</a:t>
+              <a:t>PIP is a package manager for Python packages, or modules if you like.</a:t>
             </a:r>
           </a:p>
           <a:p>
@@ -22381,11 +21185,10 @@
                 <a:spcPts val="0"/>
               </a:spcBef>
             </a:pPr>
-            <a:endParaRPr lang="en-US" sz="2800" b="0" i="0" u="none" strike="noStrike" dirty="0">
+            <a:endParaRPr lang="en-US" sz="2200" dirty="0">
               <a:solidFill>
                 <a:srgbClr val="000000"/>
               </a:solidFill>
-              <a:effectLst/>
               <a:latin typeface="+mj-lt"/>
             </a:endParaRPr>
           </a:p>
@@ -22396,14 +21199,8 @@
               </a:spcBef>
             </a:pPr>
             <a:r>
-              <a:rPr lang="en-US" sz="2800" b="0" i="0" u="none" strike="noStrike" dirty="0">
-                <a:solidFill>
-                  <a:srgbClr val="000000"/>
-                </a:solidFill>
-                <a:effectLst/>
-                <a:latin typeface="+mj-lt"/>
-              </a:rPr>
-              <a:t>R packages are collection of R functions code and sample data that stored under a directory which called “library” in the R environment.</a:t>
+              <a:rPr lang="en-IN" sz="2200" dirty="0"/>
+              <a:t>A package contains all the files you need for a module/libraries.</a:t>
             </a:r>
           </a:p>
           <a:p>
@@ -22412,13 +21209,7 @@
                 <a:spcPts val="0"/>
               </a:spcBef>
             </a:pPr>
-            <a:endParaRPr lang="en-US" sz="2800" b="0" i="0" u="none" strike="noStrike" dirty="0">
-              <a:solidFill>
-                <a:srgbClr val="000000"/>
-              </a:solidFill>
-              <a:effectLst/>
-              <a:latin typeface="+mj-lt"/>
-            </a:endParaRPr>
+            <a:endParaRPr lang="en-IN" sz="2200" dirty="0"/>
           </a:p>
           <a:p>
             <a:pPr fontAlgn="base">
@@ -22427,26 +21218,114 @@
               </a:spcBef>
             </a:pPr>
             <a:r>
-              <a:rPr lang="en-US" sz="2800" b="0" i="0" u="none" strike="noStrike" dirty="0">
+              <a:rPr lang="en-IN" sz="2200" dirty="0"/>
+              <a:t>Downloading Package from internet</a:t>
+            </a:r>
+            <a:endParaRPr lang="en-IN" sz="2200" dirty="0">
+              <a:solidFill>
+                <a:schemeClr val="accent4"/>
+              </a:solidFill>
+            </a:endParaRPr>
+          </a:p>
+          <a:p>
+            <a:pPr marL="571500" lvl="1" indent="0" fontAlgn="base">
+              <a:spcBef>
+                <a:spcPts val="0"/>
+              </a:spcBef>
+              <a:buNone/>
+            </a:pPr>
+            <a:r>
+              <a:rPr lang="en-IN" sz="2200" dirty="0">
                 <a:solidFill>
-                  <a:srgbClr val="000000"/>
+                  <a:schemeClr val="accent4"/>
                 </a:solidFill>
-                <a:effectLst/>
-                <a:latin typeface="+mj-lt"/>
               </a:rPr>
-              <a:t>R package easily available on CRAN network &amp; over the internet.</a:t>
+              <a:t>pip install </a:t>
             </a:r>
-          </a:p>
-          <a:p>
-            <a:pPr indent="-457200">
-              <a:spcBef>
-                <a:spcPts val="0"/>
-              </a:spcBef>
-              <a:buSzPts val="3200"/>
+            <a:r>
+              <a:rPr lang="en-IN" sz="2200" dirty="0">
+                <a:solidFill>
+                  <a:srgbClr val="FF0000"/>
+                </a:solidFill>
+              </a:rPr>
+              <a:t>&lt;package-name&gt;    </a:t>
+            </a:r>
+          </a:p>
+          <a:p>
+            <a:pPr marL="571500" lvl="1" indent="0" fontAlgn="base">
+              <a:spcBef>
+                <a:spcPts val="0"/>
+              </a:spcBef>
+              <a:buNone/>
             </a:pPr>
-            <a:endParaRPr lang="en-US" sz="2800" dirty="0">
-              <a:latin typeface="+mj-lt"/>
+            <a:endParaRPr lang="en-IN" sz="2200" dirty="0">
+              <a:solidFill>
+                <a:srgbClr val="FF0000"/>
+              </a:solidFill>
             </a:endParaRPr>
+          </a:p>
+          <a:p>
+            <a:pPr fontAlgn="base">
+              <a:spcBef>
+                <a:spcPts val="0"/>
+              </a:spcBef>
+            </a:pPr>
+            <a:r>
+              <a:rPr lang="en-IN" sz="2200" dirty="0">
+                <a:solidFill>
+                  <a:schemeClr val="tx1"/>
+                </a:solidFill>
+              </a:rPr>
+              <a:t>On-</a:t>
+            </a:r>
+            <a:r>
+              <a:rPr lang="en-IN" sz="2200" dirty="0" err="1">
+                <a:solidFill>
+                  <a:schemeClr val="tx1"/>
+                </a:solidFill>
+              </a:rPr>
+              <a:t>Jupyter</a:t>
+            </a:r>
+            <a:r>
+              <a:rPr lang="en-IN" sz="2200" dirty="0">
+                <a:solidFill>
+                  <a:schemeClr val="tx1"/>
+                </a:solidFill>
+              </a:rPr>
+              <a:t> Notebook</a:t>
+            </a:r>
+          </a:p>
+          <a:p>
+            <a:pPr marL="571500" lvl="1" indent="0" fontAlgn="base">
+              <a:spcBef>
+                <a:spcPts val="0"/>
+              </a:spcBef>
+              <a:buNone/>
+            </a:pPr>
+            <a:r>
+              <a:rPr lang="en-IN" sz="2200" dirty="0">
+                <a:solidFill>
+                  <a:srgbClr val="FF0000"/>
+                </a:solidFill>
+              </a:rPr>
+              <a:t>!</a:t>
+            </a:r>
+            <a:r>
+              <a:rPr lang="en-IN" sz="2200" dirty="0">
+                <a:solidFill>
+                  <a:schemeClr val="accent4"/>
+                </a:solidFill>
+              </a:rPr>
+              <a:t>pip install </a:t>
+            </a:r>
+            <a:r>
+              <a:rPr lang="en-IN" sz="2200" dirty="0">
+                <a:solidFill>
+                  <a:srgbClr val="FF0000"/>
+                </a:solidFill>
+              </a:rPr>
+              <a:t>&lt;package-name&gt;</a:t>
+            </a:r>
           </a:p>
         </p:txBody>
       </p:sp>
@@ -22520,7 +21399,7 @@
             </a:pPr>
             <a:fld id="{8325990E-89A1-418C-BAD2-0015B9725131}" type="datetime1">
               <a:rPr lang="en-US" smtClean="0"/>
-              <a:t>9/9/2022</a:t>
+              <a:t>9/9/22</a:t>
             </a:fld>
             <a:endParaRPr/>
           </a:p>
@@ -22693,18 +21572,6 @@
           </a:bodyPr>
           <a:lstStyle/>
           <a:p>
-            <a:pPr indent="-457200">
-              <a:spcBef>
-                <a:spcPts val="0"/>
-              </a:spcBef>
-              <a:buSzPts val="3200"/>
-            </a:pPr>
-            <a:r>
-              <a:rPr lang="en-US" sz="2800" dirty="0"/>
-              <a:t>Install &amp; download from Internet/ CRAN network</a:t>
-            </a:r>
-          </a:p>
-          <a:p>
             <a:pPr marL="0" indent="0">
               <a:spcBef>
                 <a:spcPts val="0"/>
@@ -22715,12 +21582,151 @@
             <a:r>
               <a:rPr lang="en-US" sz="2800" dirty="0">
                 <a:solidFill>
-                  <a:srgbClr val="1E64B6"/>
+                  <a:schemeClr val="tx1"/>
                 </a:solidFill>
               </a:rPr>
-              <a:t>	</a:t>
+              <a:t>Example:	</a:t>
             </a:r>
-            <a:endParaRPr lang="en-US" sz="2400" dirty="0"/>
+          </a:p>
+          <a:p>
+            <a:pPr marL="0" indent="0">
+              <a:spcBef>
+                <a:spcPts val="0"/>
+              </a:spcBef>
+              <a:buSzPts val="3200"/>
+              <a:buNone/>
+            </a:pPr>
+            <a:endParaRPr lang="en-US" sz="2800" dirty="0">
+              <a:solidFill>
+                <a:schemeClr val="tx1"/>
+              </a:solidFill>
+            </a:endParaRPr>
+          </a:p>
+          <a:p>
+            <a:pPr marL="0" indent="0">
+              <a:lnSpc>
+                <a:spcPct val="150000"/>
+              </a:lnSpc>
+              <a:spcBef>
+                <a:spcPts val="0"/>
+              </a:spcBef>
+              <a:buSzPts val="3200"/>
+              <a:buNone/>
+            </a:pPr>
+            <a:r>
+              <a:rPr lang="en-US" sz="2800" dirty="0">
+                <a:solidFill>
+                  <a:schemeClr val="tx1"/>
+                </a:solidFill>
+              </a:rPr>
+              <a:t>	!pip install pandas</a:t>
+            </a:r>
+          </a:p>
+          <a:p>
+            <a:pPr marL="0" indent="0">
+              <a:lnSpc>
+                <a:spcPct val="150000"/>
+              </a:lnSpc>
+              <a:spcBef>
+                <a:spcPts val="0"/>
+              </a:spcBef>
+              <a:buSzPts val="3200"/>
+              <a:buNone/>
+            </a:pPr>
+            <a:r>
+              <a:rPr lang="en-US" sz="2800" dirty="0">
+                <a:solidFill>
+                  <a:schemeClr val="tx1"/>
+                </a:solidFill>
+              </a:rPr>
+              <a:t>	!pip install </a:t>
+            </a:r>
+            <a:r>
+              <a:rPr lang="en-US" sz="2800" dirty="0" err="1">
+                <a:solidFill>
+                  <a:schemeClr val="tx1"/>
+                </a:solidFill>
+              </a:rPr>
+              <a:t>sklearn</a:t>
+            </a:r>
+            <a:endParaRPr lang="en-US" sz="2800" dirty="0">
+              <a:solidFill>
+                <a:schemeClr val="tx1"/>
+              </a:solidFill>
+            </a:endParaRPr>
+          </a:p>
+          <a:p>
+            <a:pPr marL="0" indent="0">
+              <a:lnSpc>
+                <a:spcPct val="150000"/>
+              </a:lnSpc>
+              <a:spcBef>
+                <a:spcPts val="0"/>
+              </a:spcBef>
+              <a:buSzPts val="3200"/>
+              <a:buNone/>
+            </a:pPr>
+            <a:r>
+              <a:rPr lang="en-US" sz="2800" dirty="0">
+                <a:solidFill>
+                  <a:schemeClr val="tx1"/>
+                </a:solidFill>
+              </a:rPr>
+              <a:t>	!pip install spacy</a:t>
+            </a:r>
+          </a:p>
+          <a:p>
+            <a:pPr marL="0" indent="0">
+              <a:lnSpc>
+                <a:spcPct val="150000"/>
+              </a:lnSpc>
+              <a:spcBef>
+                <a:spcPts val="0"/>
+              </a:spcBef>
+              <a:buSzPts val="3200"/>
+              <a:buNone/>
+            </a:pPr>
+            <a:r>
+              <a:rPr lang="en-US" sz="2800" dirty="0">
+                <a:solidFill>
+                  <a:schemeClr val="tx1"/>
+                </a:solidFill>
+              </a:rPr>
+              <a:t>	!pip install matplotlib</a:t>
+            </a:r>
+          </a:p>
+          <a:p>
+            <a:pPr marL="0" indent="0">
+              <a:lnSpc>
+                <a:spcPct val="150000"/>
+              </a:lnSpc>
+              <a:spcBef>
+                <a:spcPts val="0"/>
+              </a:spcBef>
+              <a:buSzPts val="3200"/>
+              <a:buNone/>
+            </a:pPr>
+            <a:r>
+              <a:rPr lang="en-US" sz="2800" dirty="0">
+                <a:solidFill>
+                  <a:schemeClr val="tx1"/>
+                </a:solidFill>
+              </a:rPr>
+              <a:t>	!pip install </a:t>
+            </a:r>
+            <a:r>
+              <a:rPr lang="en-US" sz="2800" dirty="0" err="1">
+                <a:solidFill>
+                  <a:schemeClr val="tx1"/>
+                </a:solidFill>
+              </a:rPr>
+              <a:t>pandasql</a:t>
+            </a:r>
+            <a:endParaRPr lang="en-US" sz="2800" dirty="0">
+              <a:solidFill>
+                <a:schemeClr val="tx1"/>
+              </a:solidFill>
+            </a:endParaRPr>
           </a:p>
         </p:txBody>
       </p:sp>
@@ -22794,7 +21800,7 @@
             </a:pPr>
             <a:fld id="{8325990E-89A1-418C-BAD2-0015B9725131}" type="datetime1">
               <a:rPr lang="en-US" smtClean="0"/>
-              <a:t>9/9/2022</a:t>
+              <a:t>9/9/22</a:t>
             </a:fld>
             <a:endParaRPr/>
           </a:p>
@@ -22929,7 +21935,7 @@
             </a:pPr>
             <a:r>
               <a:rPr lang="en-US" dirty="0"/>
-              <a:t>Python</a:t>
+              <a:t>Import</a:t>
             </a:r>
             <a:r>
               <a:rPr lang="en-US" sz="4400" dirty="0"/>
@@ -22973,129 +21979,7 @@
               </a:spcBef>
               <a:buSzPts val="3200"/>
             </a:pPr>
-            <a:r>
-              <a:rPr lang="en-US" sz="2800" dirty="0"/>
-              <a:t>Install &amp; download from Internet/ CRAN network</a:t>
-            </a:r>
-          </a:p>
-          <a:p>
-            <a:pPr marL="0" indent="0">
-              <a:spcBef>
-                <a:spcPts val="0"/>
-              </a:spcBef>
-              <a:buSzPts val="3200"/>
-              <a:buNone/>
-            </a:pPr>
-            <a:r>
-              <a:rPr lang="en-US" sz="2800" dirty="0">
-                <a:solidFill>
-                  <a:srgbClr val="1E64B6"/>
-                </a:solidFill>
-              </a:rPr>
-              <a:t>	 </a:t>
-            </a:r>
-            <a:r>
-              <a:rPr lang="en-US" sz="2800" dirty="0" err="1">
-                <a:solidFill>
-                  <a:srgbClr val="1E64B6"/>
-                </a:solidFill>
-              </a:rPr>
-              <a:t>install.packages</a:t>
-            </a:r>
-            <a:r>
-              <a:rPr lang="en-US" sz="2800" dirty="0">
-                <a:solidFill>
-                  <a:srgbClr val="1E64B6"/>
-                </a:solidFill>
-              </a:rPr>
-              <a:t>(“package-name”)	</a:t>
-            </a:r>
-          </a:p>
-          <a:p>
-            <a:pPr marL="0" indent="0">
-              <a:spcBef>
-                <a:spcPts val="0"/>
-              </a:spcBef>
-              <a:buSzPts val="3200"/>
-              <a:buNone/>
-            </a:pPr>
-            <a:endParaRPr lang="en-US" sz="2400" dirty="0"/>
-          </a:p>
-          <a:p>
-            <a:pPr marL="0" indent="0">
-              <a:spcBef>
-                <a:spcPts val="0"/>
-              </a:spcBef>
-              <a:buSzPts val="3200"/>
-              <a:buNone/>
-            </a:pPr>
-            <a:r>
-              <a:rPr lang="en-US" sz="2000" dirty="0" err="1"/>
-              <a:t>ie</a:t>
-            </a:r>
-            <a:r>
-              <a:rPr lang="en-US" sz="2000" dirty="0"/>
-              <a:t>.	&gt; </a:t>
-            </a:r>
-            <a:r>
-              <a:rPr lang="en-US" sz="2000" dirty="0" err="1"/>
-              <a:t>install.packages</a:t>
-            </a:r>
-            <a:r>
-              <a:rPr lang="en-US" sz="2000" dirty="0"/>
-              <a:t>(“car”)</a:t>
-            </a:r>
-          </a:p>
-          <a:p>
-            <a:pPr marL="0" indent="0">
-              <a:spcBef>
-                <a:spcPts val="0"/>
-              </a:spcBef>
-              <a:buSzPts val="3200"/>
-              <a:buNone/>
-            </a:pPr>
-            <a:r>
-              <a:rPr lang="en-US" sz="2000" dirty="0"/>
-              <a:t>	&gt; </a:t>
-            </a:r>
-            <a:r>
-              <a:rPr lang="en-US" sz="2000" dirty="0" err="1"/>
-              <a:t>install.packages</a:t>
-            </a:r>
-            <a:r>
-              <a:rPr lang="en-US" sz="2000" dirty="0"/>
-              <a:t>(“caret”)</a:t>
-            </a:r>
-          </a:p>
-          <a:p>
-            <a:pPr marL="0" indent="0">
-              <a:spcBef>
-                <a:spcPts val="0"/>
-              </a:spcBef>
-              <a:buSzPts val="3200"/>
-              <a:buNone/>
-            </a:pPr>
-            <a:r>
-              <a:rPr lang="en-US" sz="2000" dirty="0"/>
-              <a:t>	&gt; </a:t>
-            </a:r>
-            <a:r>
-              <a:rPr lang="en-US" sz="2000" dirty="0" err="1"/>
-              <a:t>install.packages</a:t>
-            </a:r>
-            <a:r>
-              <a:rPr lang="en-US" sz="2000" dirty="0"/>
-              <a:t>(“MASS”) </a:t>
-            </a:r>
-          </a:p>
-          <a:p>
-            <a:pPr indent="-457200">
-              <a:spcBef>
-                <a:spcPts val="0"/>
-              </a:spcBef>
-              <a:buSzPts val="3200"/>
-            </a:pPr>
-            <a:endParaRPr lang="en-US" sz="2800" dirty="0"/>
+            <a:endParaRPr lang="en-US" sz="2200" dirty="0"/>
           </a:p>
           <a:p>
             <a:pPr indent="-457200">
@@ -23105,12 +21989,21 @@
               <a:buSzPts val="3200"/>
             </a:pPr>
             <a:r>
-              <a:rPr lang="en-US" sz="2800" dirty="0"/>
-              <a:t>Load/import package in R code</a:t>
+              <a:rPr lang="en-US" sz="2200" dirty="0"/>
+              <a:t>Import statement used to import python packages in Python code.</a:t>
             </a:r>
           </a:p>
           <a:p>
-            <a:pPr marL="457200" lvl="1" indent="0">
+            <a:pPr indent="-457200">
+              <a:spcBef>
+                <a:spcPts val="0"/>
+              </a:spcBef>
+              <a:buSzPts val="3200"/>
+            </a:pPr>
+            <a:endParaRPr lang="en-US" sz="2200" dirty="0"/>
+          </a:p>
+          <a:p>
+            <a:pPr marL="0" indent="0">
               <a:spcBef>
                 <a:spcPts val="0"/>
               </a:spcBef>
@@ -23118,64 +22011,146 @@
               <a:buNone/>
             </a:pPr>
             <a:r>
-              <a:rPr lang="en-US" sz="2400" dirty="0"/>
-              <a:t>	</a:t>
+              <a:rPr lang="en-US" sz="2200" dirty="0"/>
+              <a:t>     Example:</a:t>
+            </a:r>
+          </a:p>
+          <a:p>
+            <a:pPr marL="0" indent="0">
+              <a:spcBef>
+                <a:spcPts val="0"/>
+              </a:spcBef>
+              <a:buSzPts val="3200"/>
+              <a:buNone/>
+            </a:pPr>
+            <a:r>
+              <a:rPr lang="en-US" sz="2200" dirty="0"/>
+              <a:t>	import pandas</a:t>
+            </a:r>
+          </a:p>
+          <a:p>
+            <a:pPr marL="0" indent="0">
+              <a:spcBef>
+                <a:spcPts val="0"/>
+              </a:spcBef>
+              <a:buSzPts val="3200"/>
+              <a:buNone/>
+            </a:pPr>
+            <a:endParaRPr lang="en-US" sz="2200" dirty="0"/>
+          </a:p>
+          <a:p>
+            <a:pPr marL="0" indent="0">
+              <a:spcBef>
+                <a:spcPts val="0"/>
+              </a:spcBef>
+              <a:buSzPts val="3200"/>
+              <a:buNone/>
+            </a:pPr>
+            <a:r>
+              <a:rPr lang="en-US" sz="2200" dirty="0"/>
+              <a:t>	import pandas </a:t>
             </a:r>
             <a:r>
-              <a:rPr lang="en-US" dirty="0">
+              <a:rPr lang="en-US" sz="2200" dirty="0">
                 <a:solidFill>
-                  <a:srgbClr val="1E64B6"/>
+                  <a:srgbClr val="FF0000"/>
                 </a:solidFill>
               </a:rPr>
-              <a:t>library(“package-name”)</a:t>
+              <a:t>as pd</a:t>
             </a:r>
-            <a:endParaRPr lang="en-US" sz="2400" dirty="0">
-              <a:solidFill>
-                <a:srgbClr val="1E64B6"/>
-              </a:solidFill>
-            </a:endParaRPr>
-          </a:p>
-          <a:p>
-            <a:pPr marL="0" indent="0">
-              <a:spcBef>
-                <a:spcPts val="0"/>
-              </a:spcBef>
-              <a:buSzPts val="3200"/>
-              <a:buNone/>
-            </a:pPr>
+          </a:p>
+        </p:txBody>
+      </p:sp>
+      <p:sp>
+        <p:nvSpPr>
+          <p:cNvPr id="3" name="Left Brace 2">
+            <a:extLst>
+              <a:ext uri="{FF2B5EF4-FFF2-40B4-BE49-F238E27FC236}">
+                <a16:creationId xmlns:a16="http://schemas.microsoft.com/office/drawing/2014/main" id="{85C0DD57-D726-AA01-6F46-619DDCEC9356}"/>
+              </a:ext>
+            </a:extLst>
+          </p:cNvPr>
+          <p:cNvSpPr/>
+          <p:nvPr/>
+        </p:nvSpPr>
+        <p:spPr>
+          <a:xfrm rot="16200000">
+            <a:off x="3287452" y="3753453"/>
+            <a:ext cx="438123" cy="764628"/>
+          </a:xfrm>
+          <a:prstGeom prst="leftBrace">
+            <a:avLst/>
+          </a:prstGeom>
+          <a:ln>
+            <a:solidFill>
+              <a:srgbClr val="FF0000"/>
+            </a:solidFill>
+          </a:ln>
+        </p:spPr>
+        <p:style>
+          <a:lnRef idx="1">
+            <a:schemeClr val="accent1"/>
+          </a:lnRef>
+          <a:fillRef idx="0">
+            <a:schemeClr val="accent1"/>
+          </a:fillRef>
+          <a:effectRef idx="0">
+            <a:schemeClr val="accent1"/>
+          </a:effectRef>
+          <a:fontRef idx="minor">
+            <a:schemeClr val="tx1"/>
+          </a:fontRef>
+        </p:style>
+        <p:txBody>
+          <a:bodyPr rtlCol="0" anchor="ctr"/>
+          <a:lstStyle/>
+          <a:p>
+            <a:pPr algn="ctr"/>
+            <a:endParaRPr lang="en-US"/>
+          </a:p>
+        </p:txBody>
+      </p:sp>
+      <p:sp>
+        <p:nvSpPr>
+          <p:cNvPr id="4" name="TextBox 3">
+            <a:extLst>
+              <a:ext uri="{FF2B5EF4-FFF2-40B4-BE49-F238E27FC236}">
+                <a16:creationId xmlns:a16="http://schemas.microsoft.com/office/drawing/2014/main" id="{E1941084-D2BE-8ABF-966B-4025251235C1}"/>
+              </a:ext>
+            </a:extLst>
+          </p:cNvPr>
+          <p:cNvSpPr txBox="1"/>
+          <p:nvPr/>
+        </p:nvSpPr>
+        <p:spPr>
+          <a:xfrm>
+            <a:off x="2418286" y="4354829"/>
+            <a:ext cx="6437479" cy="584775"/>
+          </a:xfrm>
+          <a:prstGeom prst="rect">
+            <a:avLst/>
+          </a:prstGeom>
+          <a:noFill/>
+        </p:spPr>
+        <p:txBody>
+          <a:bodyPr wrap="square" rtlCol="0">
+            <a:spAutoFit/>
+          </a:bodyPr>
+          <a:lstStyle/>
+          <a:p>
             <a:r>
-              <a:rPr lang="en-US" sz="2000" dirty="0" err="1"/>
+              <a:rPr lang="en-US" sz="1600" dirty="0"/>
+              <a:t>Alias of package name</a:t>
+            </a:r>
+          </a:p>
+          <a:p>
+            <a:r>
+              <a:rPr lang="en-US" sz="1600" dirty="0" err="1"/>
               <a:t>Ie</a:t>
             </a:r>
             <a:r>
-              <a:rPr lang="en-US" sz="2000" dirty="0"/>
-              <a:t>. </a:t>
-            </a:r>
-          </a:p>
-          <a:p>
-            <a:pPr marL="0" indent="0">
-              <a:spcBef>
-                <a:spcPts val="0"/>
-              </a:spcBef>
-              <a:buSzPts val="3200"/>
-              <a:buNone/>
-            </a:pPr>
-            <a:r>
-              <a:rPr lang="en-US" sz="2000" dirty="0"/>
-              <a:t>	&gt; library(“car”)</a:t>
-            </a:r>
-          </a:p>
-          <a:p>
-            <a:pPr marL="0" indent="0">
-              <a:spcBef>
-                <a:spcPts val="0"/>
-              </a:spcBef>
-              <a:buSzPts val="3200"/>
-              <a:buNone/>
-            </a:pPr>
-            <a:r>
-              <a:rPr lang="en-US" sz="2000" dirty="0"/>
-              <a:t>	&gt; library(“MASS”)</a:t>
+              <a:rPr lang="en-US" sz="1600" dirty="0"/>
+              <a:t>. here pd is alias name of pandas </a:t>
             </a:r>
           </a:p>
         </p:txBody>
@@ -23250,7 +22225,7 @@
             </a:pPr>
             <a:fld id="{B043858A-016D-46DF-9F6C-759BADD211B1}" type="datetime1">
               <a:rPr lang="en-US" smtClean="0"/>
-              <a:t>9/9/2022</a:t>
+              <a:t>9/9/22</a:t>
             </a:fld>
             <a:endParaRPr/>
           </a:p>
@@ -23443,7 +22418,7 @@
                   <a:schemeClr val="accent2"/>
                 </a:solidFill>
               </a:rPr>
-              <a:t>Introduction to R-tool</a:t>
+              <a:t>Introduction Python</a:t>
             </a:r>
             <a:endParaRPr sz="2800" dirty="0">
               <a:solidFill>
@@ -23452,7 +22427,7 @@
             </a:endParaRPr>
           </a:p>
           <a:p>
-            <a:pPr marL="342900" lvl="0" indent="-406400" algn="l" rtl="0">
+            <a:pPr marL="342900" lvl="0" indent="-342900" algn="l" rtl="0">
               <a:spcBef>
                 <a:spcPts val="560"/>
               </a:spcBef>
@@ -23471,13 +22446,24 @@
                   <a:schemeClr val="accent2"/>
                 </a:solidFill>
               </a:rPr>
-              <a:t>R &amp; R-Studio</a:t>
+              <a:t>Python &amp; </a:t>
             </a:r>
-            <a:endParaRPr sz="2800" dirty="0">
-              <a:solidFill>
-                <a:schemeClr val="accent2"/>
-              </a:solidFill>
-            </a:endParaRPr>
+            <a:r>
+              <a:rPr lang="en-US" sz="2800" dirty="0" err="1">
+                <a:solidFill>
+                  <a:schemeClr val="accent2"/>
+                </a:solidFill>
+              </a:rPr>
+              <a:t>Jupyter</a:t>
+            </a:r>
+            <a:r>
+              <a:rPr lang="en-US" sz="2800" dirty="0">
+                <a:solidFill>
+                  <a:schemeClr val="accent2"/>
+                </a:solidFill>
+              </a:rPr>
+              <a:t> Notebook</a:t>
+            </a:r>
           </a:p>
           <a:p>
             <a:pPr marL="342900" lvl="0" indent="-342900" algn="l" rtl="0">
@@ -23592,7 +22578,7 @@
   <p:cSld>
     <p:spTree>
       <p:nvGrpSpPr>
-        <p:cNvPr id="1" name="Shape 104"/>
+        <p:cNvPr id="1" name=""/>
         <p:cNvGrpSpPr/>
         <p:nvPr/>
       </p:nvGrpSpPr>
@@ -23606,123 +22592,211 @@
       </p:grpSpPr>
       <p:sp>
         <p:nvSpPr>
-          <p:cNvPr id="105" name="Google Shape;105;p15"/>
-          <p:cNvSpPr txBox="1">
+          <p:cNvPr id="2" name="Title 1">
+            <a:extLst>
+              <a:ext uri="{FF2B5EF4-FFF2-40B4-BE49-F238E27FC236}">
+                <a16:creationId xmlns:a16="http://schemas.microsoft.com/office/drawing/2014/main" id="{20CFEF4F-EAD1-DB77-2ED3-862151A91D93}"/>
+              </a:ext>
+            </a:extLst>
+          </p:cNvPr>
+          <p:cNvSpPr>
+            <a:spLocks noGrp="1"/>
+          </p:cNvSpPr>
+          <p:nvPr>
+            <p:ph type="title"/>
+          </p:nvPr>
+        </p:nvSpPr>
+        <p:spPr/>
+        <p:txBody>
+          <a:bodyPr/>
+          <a:lstStyle/>
+          <a:p>
+            <a:r>
+              <a:rPr lang="en-US" dirty="0"/>
+              <a:t>Read csv file in Pandas</a:t>
+            </a:r>
+          </a:p>
+        </p:txBody>
+      </p:sp>
+      <p:sp>
+        <p:nvSpPr>
+          <p:cNvPr id="3" name="Text Placeholder 2">
+            <a:extLst>
+              <a:ext uri="{FF2B5EF4-FFF2-40B4-BE49-F238E27FC236}">
+                <a16:creationId xmlns:a16="http://schemas.microsoft.com/office/drawing/2014/main" id="{AE5B5DF5-ACA3-79EA-3B02-9F02BB02233F}"/>
+              </a:ext>
+            </a:extLst>
+          </p:cNvPr>
+          <p:cNvSpPr>
+            <a:spLocks noGrp="1"/>
+          </p:cNvSpPr>
+          <p:nvPr>
+            <p:ph type="body" idx="1"/>
+          </p:nvPr>
+        </p:nvSpPr>
+        <p:spPr/>
+        <p:txBody>
+          <a:bodyPr/>
+          <a:lstStyle/>
+          <a:p>
+            <a:r>
+              <a:rPr lang="en-US" dirty="0" err="1"/>
+              <a:t>read_csv</a:t>
+            </a:r>
+            <a:r>
+              <a:rPr lang="en-US" dirty="0"/>
+              <a:t>() function used to read csv file in Pandas.</a:t>
+            </a:r>
+          </a:p>
+          <a:p>
+            <a:endParaRPr lang="en-US" dirty="0"/>
+          </a:p>
+          <a:p>
+            <a:r>
+              <a:rPr lang="en-US" dirty="0" err="1"/>
+              <a:t>i.e</a:t>
+            </a:r>
+            <a:r>
+              <a:rPr lang="en-US" dirty="0"/>
+              <a:t> </a:t>
+            </a:r>
+          </a:p>
+          <a:p>
+            <a:pPr marL="114300" indent="0">
+              <a:buNone/>
+            </a:pPr>
+            <a:r>
+              <a:rPr lang="en-US" dirty="0">
+                <a:solidFill>
+                  <a:srgbClr val="FF0000"/>
+                </a:solidFill>
+              </a:rPr>
+              <a:t>import pandas</a:t>
+            </a:r>
+          </a:p>
+          <a:p>
+            <a:pPr marL="114300" indent="0">
+              <a:buNone/>
+            </a:pPr>
+            <a:r>
+              <a:rPr lang="en-US" dirty="0">
+                <a:solidFill>
+                  <a:srgbClr val="FF0000"/>
+                </a:solidFill>
+              </a:rPr>
+              <a:t>data = </a:t>
+            </a:r>
+            <a:r>
+              <a:rPr lang="en-US" dirty="0" err="1">
+                <a:solidFill>
+                  <a:srgbClr val="FF0000"/>
+                </a:solidFill>
+              </a:rPr>
+              <a:t>pandas.read_csv</a:t>
+            </a:r>
+            <a:r>
+              <a:rPr lang="en-US" dirty="0">
+                <a:solidFill>
+                  <a:srgbClr val="FF0000"/>
+                </a:solidFill>
+              </a:rPr>
+              <a:t>("</a:t>
+            </a:r>
+            <a:r>
+              <a:rPr lang="en-US" dirty="0" err="1">
+                <a:solidFill>
+                  <a:srgbClr val="FF0000"/>
+                </a:solidFill>
+              </a:rPr>
+              <a:t>IPL.csv</a:t>
+            </a:r>
+            <a:r>
+              <a:rPr lang="en-US" dirty="0">
+                <a:solidFill>
+                  <a:srgbClr val="FF0000"/>
+                </a:solidFill>
+              </a:rPr>
+              <a:t>")</a:t>
+            </a:r>
+          </a:p>
+        </p:txBody>
+      </p:sp>
+      <p:sp>
+        <p:nvSpPr>
+          <p:cNvPr id="4" name="Date Placeholder 3">
+            <a:extLst>
+              <a:ext uri="{FF2B5EF4-FFF2-40B4-BE49-F238E27FC236}">
+                <a16:creationId xmlns:a16="http://schemas.microsoft.com/office/drawing/2014/main" id="{14D82A63-8107-9C09-C006-AA088E001FF7}"/>
+              </a:ext>
+            </a:extLst>
+          </p:cNvPr>
+          <p:cNvSpPr>
             <a:spLocks noGrp="1"/>
           </p:cNvSpPr>
           <p:nvPr>
             <p:ph type="dt" idx="10"/>
           </p:nvPr>
         </p:nvSpPr>
-        <p:spPr>
-          <a:xfrm>
-            <a:off x="457200" y="6245225"/>
-            <a:ext cx="2133600" cy="476250"/>
-          </a:xfrm>
-          <a:prstGeom prst="rect">
-            <a:avLst/>
-          </a:prstGeom>
-          <a:noFill/>
-          <a:ln>
-            <a:noFill/>
-          </a:ln>
-        </p:spPr>
+        <p:spPr/>
         <p:txBody>
-          <a:bodyPr spcFirstLastPara="1" wrap="square" lIns="91425" tIns="45700" rIns="91425" bIns="45700" anchor="t" anchorCtr="0">
-            <a:noAutofit/>
-          </a:bodyPr>
+          <a:bodyPr/>
           <a:lstStyle/>
           <a:p>
-            <a:pPr marL="0" lvl="0" indent="0" algn="l" rtl="0">
-              <a:spcBef>
-                <a:spcPts val="0"/>
-              </a:spcBef>
-              <a:spcAft>
-                <a:spcPts val="0"/>
-              </a:spcAft>
-              <a:buNone/>
-            </a:pPr>
-            <a:fld id="{8325990E-89A1-418C-BAD2-0015B9725131}" type="datetime1">
+            <a:fld id="{0C62BD34-D5E2-4C87-AA2A-F8D5808875C3}" type="datetime1">
               <a:rPr lang="en-US" smtClean="0"/>
-              <a:t>9/9/2022</a:t>
+              <a:t>9/9/22</a:t>
             </a:fld>
-            <a:endParaRPr/>
+            <a:endParaRPr lang="en-US"/>
           </a:p>
         </p:txBody>
       </p:sp>
       <p:sp>
         <p:nvSpPr>
-          <p:cNvPr id="106" name="Google Shape;106;p15"/>
-          <p:cNvSpPr txBox="1">
+          <p:cNvPr id="5" name="Footer Placeholder 4">
+            <a:extLst>
+              <a:ext uri="{FF2B5EF4-FFF2-40B4-BE49-F238E27FC236}">
+                <a16:creationId xmlns:a16="http://schemas.microsoft.com/office/drawing/2014/main" id="{63307C65-98A6-B45A-CE6A-879D5E3E4B78}"/>
+              </a:ext>
+            </a:extLst>
+          </p:cNvPr>
+          <p:cNvSpPr>
             <a:spLocks noGrp="1"/>
           </p:cNvSpPr>
           <p:nvPr>
             <p:ph type="ftr" idx="11"/>
           </p:nvPr>
         </p:nvSpPr>
-        <p:spPr>
-          <a:xfrm>
-            <a:off x="3124200" y="6245225"/>
-            <a:ext cx="2895600" cy="476250"/>
-          </a:xfrm>
-          <a:prstGeom prst="rect">
-            <a:avLst/>
-          </a:prstGeom>
-          <a:noFill/>
-          <a:ln>
-            <a:noFill/>
-          </a:ln>
-        </p:spPr>
+        <p:spPr/>
         <p:txBody>
-          <a:bodyPr spcFirstLastPara="1" wrap="square" lIns="91425" tIns="45700" rIns="91425" bIns="45700" anchor="t" anchorCtr="0">
-            <a:noAutofit/>
-          </a:bodyPr>
+          <a:bodyPr/>
           <a:lstStyle/>
           <a:p>
-            <a:pPr marL="0" lvl="0" indent="0" algn="ctr" rtl="0">
-              <a:spcBef>
-                <a:spcPts val="0"/>
-              </a:spcBef>
-              <a:spcAft>
-                <a:spcPts val="0"/>
-              </a:spcAft>
-              <a:buNone/>
-            </a:pPr>
             <a:r>
               <a:rPr lang="en-US"/>
               <a:t>Ankit Velani, MBA-SIT,Tumkur</a:t>
             </a:r>
-            <a:endParaRPr/>
           </a:p>
         </p:txBody>
       </p:sp>
       <p:sp>
         <p:nvSpPr>
-          <p:cNvPr id="107" name="Google Shape;107;p15"/>
-          <p:cNvSpPr txBox="1">
+          <p:cNvPr id="6" name="Slide Number Placeholder 5">
+            <a:extLst>
+              <a:ext uri="{FF2B5EF4-FFF2-40B4-BE49-F238E27FC236}">
+                <a16:creationId xmlns:a16="http://schemas.microsoft.com/office/drawing/2014/main" id="{682D35B3-05A4-130A-1A50-1E54FA360F6A}"/>
+              </a:ext>
+            </a:extLst>
+          </p:cNvPr>
+          <p:cNvSpPr>
             <a:spLocks noGrp="1"/>
           </p:cNvSpPr>
           <p:nvPr>
             <p:ph type="sldNum" idx="12"/>
           </p:nvPr>
         </p:nvSpPr>
-        <p:spPr>
-          <a:xfrm>
-            <a:off x="6553200" y="6245225"/>
-            <a:ext cx="2133600" cy="476250"/>
-          </a:xfrm>
-          <a:prstGeom prst="rect">
-            <a:avLst/>
-          </a:prstGeom>
-          <a:noFill/>
-          <a:ln>
-            <a:noFill/>
-          </a:ln>
-        </p:spPr>
+        <p:spPr/>
         <p:txBody>
-          <a:bodyPr spcFirstLastPara="1" wrap="square" lIns="91425" tIns="45700" rIns="91425" bIns="45700" anchor="t" anchorCtr="0">
-            <a:noAutofit/>
-          </a:bodyPr>
+          <a:bodyPr/>
           <a:lstStyle/>
           <a:p>
             <a:pPr marL="0" lvl="0" indent="0" algn="r" rtl="0">
@@ -23735,203 +22809,17 @@
               <a:buNone/>
             </a:pPr>
             <a:fld id="{00000000-1234-1234-1234-123412341234}" type="slidenum">
-              <a:rPr lang="en-US"/>
+              <a:rPr lang="en-US" smtClean="0"/>
               <a:t>20</a:t>
             </a:fld>
-            <a:endParaRPr dirty="0"/>
-          </a:p>
-        </p:txBody>
-      </p:sp>
-      <p:sp>
-        <p:nvSpPr>
-          <p:cNvPr id="108" name="Google Shape;108;p15"/>
-          <p:cNvSpPr txBox="1">
-            <a:spLocks noGrp="1"/>
-          </p:cNvSpPr>
-          <p:nvPr>
-            <p:ph type="title"/>
-          </p:nvPr>
-        </p:nvSpPr>
-        <p:spPr>
-          <a:xfrm>
-            <a:off x="457200" y="274638"/>
-            <a:ext cx="8229600" cy="1143000"/>
-          </a:xfrm>
-          <a:prstGeom prst="rect">
-            <a:avLst/>
-          </a:prstGeom>
-          <a:noFill/>
-          <a:ln>
-            <a:noFill/>
-          </a:ln>
-        </p:spPr>
-        <p:txBody>
-          <a:bodyPr spcFirstLastPara="1" wrap="square" lIns="91425" tIns="45700" rIns="91425" bIns="45700" anchor="ctr" anchorCtr="0">
-            <a:noAutofit/>
-          </a:bodyPr>
-          <a:lstStyle/>
-          <a:p>
-            <a:pPr indent="-457200" algn="l">
-              <a:spcBef>
-                <a:spcPts val="0"/>
-              </a:spcBef>
-              <a:buSzPts val="3200"/>
-            </a:pPr>
-            <a:r>
-              <a:rPr lang="en-US" sz="4400" u="sng" dirty="0"/>
-              <a:t>Recap</a:t>
-            </a:r>
-          </a:p>
-        </p:txBody>
-      </p:sp>
-      <p:sp>
-        <p:nvSpPr>
-          <p:cNvPr id="109" name="Google Shape;109;p15"/>
-          <p:cNvSpPr txBox="1">
-            <a:spLocks noGrp="1"/>
-          </p:cNvSpPr>
-          <p:nvPr>
-            <p:ph type="body" idx="1"/>
-          </p:nvPr>
-        </p:nvSpPr>
-        <p:spPr>
-          <a:xfrm>
-            <a:off x="288235" y="1245531"/>
-            <a:ext cx="8478077" cy="4525963"/>
-          </a:xfrm>
-          <a:prstGeom prst="rect">
-            <a:avLst/>
-          </a:prstGeom>
-          <a:noFill/>
-          <a:ln>
-            <a:noFill/>
-          </a:ln>
-        </p:spPr>
-        <p:txBody>
-          <a:bodyPr spcFirstLastPara="1" wrap="square" lIns="91425" tIns="45700" rIns="91425" bIns="45700" anchor="t" anchorCtr="0">
-            <a:noAutofit/>
-          </a:bodyPr>
-          <a:lstStyle/>
-          <a:p>
-            <a:pPr indent="-457200">
-              <a:spcBef>
-                <a:spcPts val="0"/>
-              </a:spcBef>
-              <a:buSzPts val="3200"/>
-            </a:pPr>
-            <a:r>
-              <a:rPr lang="en-US" sz="2200" dirty="0"/>
-              <a:t>R is an open source programming language for statistical analysis.</a:t>
-            </a:r>
-          </a:p>
-          <a:p>
-            <a:pPr indent="-457200">
-              <a:spcBef>
-                <a:spcPts val="0"/>
-              </a:spcBef>
-              <a:buSzPts val="3200"/>
-            </a:pPr>
-            <a:r>
-              <a:rPr lang="en-US" sz="2200" dirty="0"/>
-              <a:t>To download R from official website (</a:t>
-            </a:r>
-            <a:r>
-              <a:rPr lang="en-US" sz="2200" dirty="0">
-                <a:hlinkClick r:id="rId3"/>
-              </a:rPr>
-              <a:t>http://www.r-project.org</a:t>
-            </a:r>
-            <a:r>
-              <a:rPr lang="en-US" sz="2200" dirty="0"/>
-              <a:t>)</a:t>
-            </a:r>
-          </a:p>
-          <a:p>
-            <a:pPr indent="-457200">
-              <a:spcBef>
-                <a:spcPts val="0"/>
-              </a:spcBef>
-              <a:buSzPts val="3200"/>
-            </a:pPr>
-            <a:r>
-              <a:rPr lang="en-US" sz="2200" dirty="0"/>
-              <a:t>R documentation &amp; packages are available on CRAN (Comprehensive R Archive Network)</a:t>
-            </a:r>
-          </a:p>
-          <a:p>
-            <a:pPr indent="-457200">
-              <a:spcBef>
-                <a:spcPts val="0"/>
-              </a:spcBef>
-              <a:buSzPts val="3200"/>
-            </a:pPr>
-            <a:r>
-              <a:rPr lang="en-US" sz="2200" dirty="0"/>
-              <a:t>R Studio is development environment to develop &amp; work with R projects.</a:t>
-            </a:r>
-          </a:p>
-          <a:p>
-            <a:pPr indent="-457200">
-              <a:spcBef>
-                <a:spcPts val="0"/>
-              </a:spcBef>
-              <a:buSzPts val="3200"/>
-            </a:pPr>
-            <a:r>
-              <a:rPr lang="en-US" sz="2200" dirty="0"/>
-              <a:t>R Studio has 4 window panel ( Code, Workspace, Terminal and Output)</a:t>
-            </a:r>
-          </a:p>
-          <a:p>
-            <a:pPr indent="-457200">
-              <a:spcBef>
-                <a:spcPts val="0"/>
-              </a:spcBef>
-              <a:buSzPts val="3200"/>
-            </a:pPr>
-            <a:r>
-              <a:rPr lang="en-US" sz="2200" dirty="0"/>
-              <a:t>Comments can be used to annotate R code and it start with hash(#)</a:t>
-            </a:r>
-          </a:p>
-          <a:p>
-            <a:pPr indent="-457200">
-              <a:spcBef>
-                <a:spcPts val="0"/>
-              </a:spcBef>
-              <a:buSzPts val="3200"/>
-            </a:pPr>
-            <a:r>
-              <a:rPr lang="en-US" sz="2200" dirty="0" err="1"/>
-              <a:t>getwd</a:t>
-            </a:r>
-            <a:r>
-              <a:rPr lang="en-US" sz="2200" dirty="0"/>
-              <a:t>() functions to get the current working directory.</a:t>
-            </a:r>
-          </a:p>
-          <a:p>
-            <a:pPr indent="-457200">
-              <a:spcBef>
-                <a:spcPts val="0"/>
-              </a:spcBef>
-              <a:buSzPts val="3200"/>
-            </a:pPr>
-            <a:r>
-              <a:rPr lang="en-US" sz="2200" dirty="0" err="1"/>
-              <a:t>setwd</a:t>
-            </a:r>
-            <a:r>
-              <a:rPr lang="en-US" sz="2200" dirty="0"/>
-              <a:t>() function to change or modify working directory. </a:t>
-            </a:r>
+            <a:endParaRPr lang="en-US"/>
           </a:p>
         </p:txBody>
       </p:sp>
     </p:spTree>
     <p:extLst>
       <p:ext uri="{BB962C8B-B14F-4D97-AF65-F5344CB8AC3E}">
-        <p14:creationId xmlns:p14="http://schemas.microsoft.com/office/powerpoint/2010/main" val="2438622846"/>
+        <p14:creationId xmlns:p14="http://schemas.microsoft.com/office/powerpoint/2010/main" val="4137004833"/>
       </p:ext>
     </p:extLst>
   </p:cSld>
@@ -23946,7 +22834,7 @@
   <p:cSld>
     <p:spTree>
       <p:nvGrpSpPr>
-        <p:cNvPr id="1" name="Shape 95"/>
+        <p:cNvPr id="1" name=""/>
         <p:cNvGrpSpPr/>
         <p:nvPr/>
       </p:nvGrpSpPr>
@@ -23960,123 +22848,235 @@
       </p:grpSpPr>
       <p:sp>
         <p:nvSpPr>
-          <p:cNvPr id="96" name="Google Shape;96;p14"/>
-          <p:cNvSpPr txBox="1">
+          <p:cNvPr id="2" name="Title 1">
+            <a:extLst>
+              <a:ext uri="{FF2B5EF4-FFF2-40B4-BE49-F238E27FC236}">
+                <a16:creationId xmlns:a16="http://schemas.microsoft.com/office/drawing/2014/main" id="{20CFEF4F-EAD1-DB77-2ED3-862151A91D93}"/>
+              </a:ext>
+            </a:extLst>
+          </p:cNvPr>
+          <p:cNvSpPr>
+            <a:spLocks noGrp="1"/>
+          </p:cNvSpPr>
+          <p:nvPr>
+            <p:ph type="title"/>
+          </p:nvPr>
+        </p:nvSpPr>
+        <p:spPr/>
+        <p:txBody>
+          <a:bodyPr/>
+          <a:lstStyle/>
+          <a:p>
+            <a:r>
+              <a:rPr lang="en-US" dirty="0"/>
+              <a:t>Read csv file in Pandas</a:t>
+            </a:r>
+          </a:p>
+        </p:txBody>
+      </p:sp>
+      <p:sp>
+        <p:nvSpPr>
+          <p:cNvPr id="3" name="Text Placeholder 2">
+            <a:extLst>
+              <a:ext uri="{FF2B5EF4-FFF2-40B4-BE49-F238E27FC236}">
+                <a16:creationId xmlns:a16="http://schemas.microsoft.com/office/drawing/2014/main" id="{AE5B5DF5-ACA3-79EA-3B02-9F02BB02233F}"/>
+              </a:ext>
+            </a:extLst>
+          </p:cNvPr>
+          <p:cNvSpPr>
+            <a:spLocks noGrp="1"/>
+          </p:cNvSpPr>
+          <p:nvPr>
+            <p:ph type="body" idx="1"/>
+          </p:nvPr>
+        </p:nvSpPr>
+        <p:spPr/>
+        <p:txBody>
+          <a:bodyPr/>
+          <a:lstStyle/>
+          <a:p>
+            <a:r>
+              <a:rPr lang="en-US" dirty="0" err="1"/>
+              <a:t>read_csv</a:t>
+            </a:r>
+            <a:r>
+              <a:rPr lang="en-US" dirty="0"/>
+              <a:t>() function used to read csv file in Pandas.</a:t>
+            </a:r>
+          </a:p>
+          <a:p>
+            <a:endParaRPr lang="en-US" dirty="0"/>
+          </a:p>
+          <a:p>
+            <a:r>
+              <a:rPr lang="en-US" dirty="0" err="1"/>
+              <a:t>i.e</a:t>
+            </a:r>
+            <a:r>
+              <a:rPr lang="en-US" dirty="0"/>
+              <a:t> </a:t>
+            </a:r>
+          </a:p>
+          <a:p>
+            <a:pPr marL="114300" indent="0">
+              <a:buNone/>
+            </a:pPr>
+            <a:r>
+              <a:rPr lang="en-US" dirty="0">
+                <a:solidFill>
+                  <a:schemeClr val="tx1"/>
+                </a:solidFill>
+              </a:rPr>
+              <a:t>import pandas </a:t>
+            </a:r>
+            <a:r>
+              <a:rPr lang="en-US" dirty="0">
+                <a:solidFill>
+                  <a:srgbClr val="FF0000"/>
+                </a:solidFill>
+              </a:rPr>
+              <a:t>as pd </a:t>
+            </a:r>
+            <a:r>
+              <a:rPr lang="en-US" dirty="0">
+                <a:solidFill>
+                  <a:schemeClr val="tx1"/>
+                </a:solidFill>
+              </a:rPr>
+              <a:t>#pd is alias of pandas</a:t>
+            </a:r>
+          </a:p>
+          <a:p>
+            <a:pPr marL="114300" indent="0">
+              <a:buNone/>
+            </a:pPr>
+            <a:r>
+              <a:rPr lang="en-US" dirty="0">
+                <a:solidFill>
+                  <a:schemeClr val="tx1"/>
+                </a:solidFill>
+              </a:rPr>
+              <a:t>data = </a:t>
+            </a:r>
+            <a:r>
+              <a:rPr lang="en-US" dirty="0" err="1">
+                <a:solidFill>
+                  <a:srgbClr val="FF0000"/>
+                </a:solidFill>
+              </a:rPr>
+              <a:t>pd</a:t>
+            </a:r>
+            <a:r>
+              <a:rPr lang="en-US" dirty="0" err="1">
+                <a:solidFill>
+                  <a:schemeClr val="tx1"/>
+                </a:solidFill>
+              </a:rPr>
+              <a:t>.read_csv</a:t>
+            </a:r>
+            <a:r>
+              <a:rPr lang="en-US" dirty="0">
+                <a:solidFill>
+                  <a:schemeClr val="tx1"/>
+                </a:solidFill>
+              </a:rPr>
+              <a:t>("</a:t>
+            </a:r>
+            <a:r>
+              <a:rPr lang="en-US" dirty="0" err="1">
+                <a:solidFill>
+                  <a:schemeClr val="tx1"/>
+                </a:solidFill>
+              </a:rPr>
+              <a:t>IPL.csv</a:t>
+            </a:r>
+            <a:r>
+              <a:rPr lang="en-US" dirty="0">
+                <a:solidFill>
+                  <a:schemeClr val="tx1"/>
+                </a:solidFill>
+              </a:rPr>
+              <a:t>")</a:t>
+            </a:r>
+          </a:p>
+        </p:txBody>
+      </p:sp>
+      <p:sp>
+        <p:nvSpPr>
+          <p:cNvPr id="4" name="Date Placeholder 3">
+            <a:extLst>
+              <a:ext uri="{FF2B5EF4-FFF2-40B4-BE49-F238E27FC236}">
+                <a16:creationId xmlns:a16="http://schemas.microsoft.com/office/drawing/2014/main" id="{14D82A63-8107-9C09-C006-AA088E001FF7}"/>
+              </a:ext>
+            </a:extLst>
+          </p:cNvPr>
+          <p:cNvSpPr>
             <a:spLocks noGrp="1"/>
           </p:cNvSpPr>
           <p:nvPr>
             <p:ph type="dt" idx="10"/>
           </p:nvPr>
         </p:nvSpPr>
-        <p:spPr>
-          <a:xfrm>
-            <a:off x="457200" y="6245225"/>
-            <a:ext cx="2133600" cy="476250"/>
-          </a:xfrm>
-          <a:prstGeom prst="rect">
-            <a:avLst/>
-          </a:prstGeom>
-          <a:noFill/>
-          <a:ln>
-            <a:noFill/>
-          </a:ln>
-        </p:spPr>
+        <p:spPr/>
         <p:txBody>
-          <a:bodyPr spcFirstLastPara="1" wrap="square" lIns="91425" tIns="45700" rIns="91425" bIns="45700" anchor="t" anchorCtr="0">
-            <a:noAutofit/>
-          </a:bodyPr>
+          <a:bodyPr/>
           <a:lstStyle/>
           <a:p>
-            <a:pPr marL="0" lvl="0" indent="0" algn="l" rtl="0">
-              <a:spcBef>
-                <a:spcPts val="0"/>
-              </a:spcBef>
-              <a:spcAft>
-                <a:spcPts val="0"/>
-              </a:spcAft>
-              <a:buNone/>
-            </a:pPr>
-            <a:fld id="{B043858A-016D-46DF-9F6C-759BADD211B1}" type="datetime1">
+            <a:fld id="{0C62BD34-D5E2-4C87-AA2A-F8D5808875C3}" type="datetime1">
               <a:rPr lang="en-US" smtClean="0"/>
-              <a:t>9/9/2022</a:t>
+              <a:t>9/9/22</a:t>
             </a:fld>
-            <a:endParaRPr/>
+            <a:endParaRPr lang="en-US"/>
           </a:p>
         </p:txBody>
       </p:sp>
       <p:sp>
         <p:nvSpPr>
-          <p:cNvPr id="97" name="Google Shape;97;p14"/>
-          <p:cNvSpPr txBox="1">
+          <p:cNvPr id="5" name="Footer Placeholder 4">
+            <a:extLst>
+              <a:ext uri="{FF2B5EF4-FFF2-40B4-BE49-F238E27FC236}">
+                <a16:creationId xmlns:a16="http://schemas.microsoft.com/office/drawing/2014/main" id="{63307C65-98A6-B45A-CE6A-879D5E3E4B78}"/>
+              </a:ext>
+            </a:extLst>
+          </p:cNvPr>
+          <p:cNvSpPr>
             <a:spLocks noGrp="1"/>
           </p:cNvSpPr>
           <p:nvPr>
             <p:ph type="ftr" idx="11"/>
           </p:nvPr>
         </p:nvSpPr>
-        <p:spPr>
-          <a:xfrm>
-            <a:off x="3124200" y="6245225"/>
-            <a:ext cx="2895600" cy="476250"/>
-          </a:xfrm>
-          <a:prstGeom prst="rect">
-            <a:avLst/>
-          </a:prstGeom>
-          <a:noFill/>
-          <a:ln>
-            <a:noFill/>
-          </a:ln>
-        </p:spPr>
+        <p:spPr/>
         <p:txBody>
-          <a:bodyPr spcFirstLastPara="1" wrap="square" lIns="91425" tIns="45700" rIns="91425" bIns="45700" anchor="t" anchorCtr="0">
-            <a:noAutofit/>
-          </a:bodyPr>
+          <a:bodyPr/>
           <a:lstStyle/>
           <a:p>
-            <a:pPr marL="0" lvl="0" indent="0" algn="ctr" rtl="0">
-              <a:spcBef>
-                <a:spcPts val="0"/>
-              </a:spcBef>
-              <a:spcAft>
-                <a:spcPts val="0"/>
-              </a:spcAft>
-              <a:buNone/>
-            </a:pPr>
             <a:r>
               <a:rPr lang="en-US"/>
               <a:t>Ankit Velani, MBA-SIT,Tumkur</a:t>
             </a:r>
-            <a:endParaRPr/>
           </a:p>
         </p:txBody>
       </p:sp>
       <p:sp>
         <p:nvSpPr>
-          <p:cNvPr id="98" name="Google Shape;98;p14"/>
-          <p:cNvSpPr txBox="1">
+          <p:cNvPr id="6" name="Slide Number Placeholder 5">
+            <a:extLst>
+              <a:ext uri="{FF2B5EF4-FFF2-40B4-BE49-F238E27FC236}">
+                <a16:creationId xmlns:a16="http://schemas.microsoft.com/office/drawing/2014/main" id="{682D35B3-05A4-130A-1A50-1E54FA360F6A}"/>
+              </a:ext>
+            </a:extLst>
+          </p:cNvPr>
+          <p:cNvSpPr>
             <a:spLocks noGrp="1"/>
           </p:cNvSpPr>
           <p:nvPr>
             <p:ph type="sldNum" idx="12"/>
           </p:nvPr>
         </p:nvSpPr>
-        <p:spPr>
-          <a:xfrm>
-            <a:off x="6553200" y="6245225"/>
-            <a:ext cx="2133600" cy="476250"/>
-          </a:xfrm>
-          <a:prstGeom prst="rect">
-            <a:avLst/>
-          </a:prstGeom>
-          <a:noFill/>
-          <a:ln>
-            <a:noFill/>
-          </a:ln>
-        </p:spPr>
+        <p:spPr/>
         <p:txBody>
-          <a:bodyPr spcFirstLastPara="1" wrap="square" lIns="91425" tIns="45700" rIns="91425" bIns="45700" anchor="t" anchorCtr="0">
-            <a:noAutofit/>
-          </a:bodyPr>
+          <a:bodyPr/>
           <a:lstStyle/>
           <a:p>
             <a:pPr marL="0" lvl="0" indent="0" algn="r" rtl="0">
@@ -24089,206 +23089,17 @@
               <a:buNone/>
             </a:pPr>
             <a:fld id="{00000000-1234-1234-1234-123412341234}" type="slidenum">
-              <a:rPr lang="en-US"/>
+              <a:rPr lang="en-US" smtClean="0"/>
               <a:t>21</a:t>
             </a:fld>
-            <a:endParaRPr/>
-          </a:p>
-        </p:txBody>
-      </p:sp>
-      <p:sp>
-        <p:nvSpPr>
-          <p:cNvPr id="99" name="Google Shape;99;p14"/>
-          <p:cNvSpPr txBox="1">
-            <a:spLocks noGrp="1"/>
-          </p:cNvSpPr>
-          <p:nvPr>
-            <p:ph type="title"/>
-          </p:nvPr>
-        </p:nvSpPr>
-        <p:spPr>
-          <a:xfrm>
-            <a:off x="457200" y="274638"/>
-            <a:ext cx="8229600" cy="1143000"/>
-          </a:xfrm>
-          <a:prstGeom prst="rect">
-            <a:avLst/>
-          </a:prstGeom>
-          <a:noFill/>
-          <a:ln>
-            <a:noFill/>
-          </a:ln>
-        </p:spPr>
-        <p:txBody>
-          <a:bodyPr spcFirstLastPara="1" wrap="square" lIns="91425" tIns="45700" rIns="91425" bIns="45700" anchor="ctr" anchorCtr="0">
-            <a:noAutofit/>
-          </a:bodyPr>
-          <a:lstStyle/>
-          <a:p>
-            <a:pPr marL="0" lvl="0" indent="0" algn="l" rtl="0">
-              <a:spcBef>
-                <a:spcPts val="0"/>
-              </a:spcBef>
-              <a:spcAft>
-                <a:spcPts val="0"/>
-              </a:spcAft>
-              <a:buNone/>
-            </a:pPr>
-            <a:r>
-              <a:rPr lang="en-US" dirty="0"/>
-              <a:t>Python Programming</a:t>
-            </a:r>
-            <a:endParaRPr dirty="0"/>
-          </a:p>
-        </p:txBody>
-      </p:sp>
-      <p:sp>
-        <p:nvSpPr>
-          <p:cNvPr id="100" name="Google Shape;100;p14"/>
-          <p:cNvSpPr txBox="1">
-            <a:spLocks noGrp="1"/>
-          </p:cNvSpPr>
-          <p:nvPr>
-            <p:ph type="body" idx="1"/>
-          </p:nvPr>
-        </p:nvSpPr>
-        <p:spPr>
-          <a:xfrm>
-            <a:off x="457200" y="1600200"/>
-            <a:ext cx="8229600" cy="4525963"/>
-          </a:xfrm>
-          <a:prstGeom prst="rect">
-            <a:avLst/>
-          </a:prstGeom>
-          <a:noFill/>
-          <a:ln>
-            <a:noFill/>
-          </a:ln>
-        </p:spPr>
-        <p:txBody>
-          <a:bodyPr spcFirstLastPara="1" wrap="square" lIns="91425" tIns="45700" rIns="91425" bIns="45700" anchor="t" anchorCtr="0">
-            <a:noAutofit/>
-          </a:bodyPr>
-          <a:lstStyle/>
-          <a:p>
-            <a:pPr marL="342900" lvl="0" indent="-342900" algn="l" rtl="0">
-              <a:spcBef>
-                <a:spcPts val="560"/>
-              </a:spcBef>
-              <a:spcAft>
-                <a:spcPts val="0"/>
-              </a:spcAft>
-              <a:buClr>
-                <a:schemeClr val="accent2"/>
-              </a:buClr>
-              <a:buSzPts val="2800"/>
-              <a:buFont typeface="Arial"/>
-              <a:buChar char="•"/>
-            </a:pPr>
-            <a:r>
-              <a:rPr lang="en-US" sz="2800" dirty="0">
-                <a:solidFill>
-                  <a:schemeClr val="accent2"/>
-                </a:solidFill>
-              </a:rPr>
-              <a:t>Data Structures</a:t>
-            </a:r>
-          </a:p>
-          <a:p>
-            <a:pPr marL="800100" lvl="1">
-              <a:spcBef>
-                <a:spcPts val="560"/>
-              </a:spcBef>
-              <a:buClr>
-                <a:schemeClr val="accent2"/>
-              </a:buClr>
-              <a:buSzPts val="2800"/>
-              <a:buFont typeface="Arial"/>
-              <a:buChar char="•"/>
-            </a:pPr>
-            <a:r>
-              <a:rPr lang="en-US" sz="2000" dirty="0">
-                <a:solidFill>
-                  <a:schemeClr val="accent2"/>
-                </a:solidFill>
-              </a:rPr>
-              <a:t>List</a:t>
-            </a:r>
-          </a:p>
-          <a:p>
-            <a:pPr marL="800100" lvl="1">
-              <a:spcBef>
-                <a:spcPts val="560"/>
-              </a:spcBef>
-              <a:buClr>
-                <a:schemeClr val="accent2"/>
-              </a:buClr>
-              <a:buSzPts val="2800"/>
-              <a:buFont typeface="Arial"/>
-              <a:buChar char="•"/>
-            </a:pPr>
-            <a:r>
-              <a:rPr lang="en-US" sz="2000" dirty="0">
-                <a:solidFill>
-                  <a:schemeClr val="accent2"/>
-                </a:solidFill>
-              </a:rPr>
-              <a:t>Dictionary</a:t>
-            </a:r>
-          </a:p>
-          <a:p>
-            <a:pPr marL="800100" lvl="1">
-              <a:spcBef>
-                <a:spcPts val="560"/>
-              </a:spcBef>
-              <a:buClr>
-                <a:schemeClr val="accent2"/>
-              </a:buClr>
-              <a:buSzPts val="2800"/>
-              <a:buFont typeface="Arial"/>
-              <a:buChar char="•"/>
-            </a:pPr>
-            <a:r>
-              <a:rPr lang="en-US" sz="2000" dirty="0">
-                <a:solidFill>
-                  <a:schemeClr val="accent2"/>
-                </a:solidFill>
-              </a:rPr>
-              <a:t>Tuple</a:t>
-            </a:r>
-          </a:p>
-          <a:p>
-            <a:pPr marL="800100" lvl="1">
-              <a:spcBef>
-                <a:spcPts val="560"/>
-              </a:spcBef>
-              <a:buClr>
-                <a:schemeClr val="accent2"/>
-              </a:buClr>
-              <a:buSzPts val="2800"/>
-              <a:buFont typeface="Arial"/>
-              <a:buChar char="•"/>
-            </a:pPr>
-            <a:r>
-              <a:rPr lang="en-US" sz="2000" dirty="0">
-                <a:solidFill>
-                  <a:schemeClr val="accent2"/>
-                </a:solidFill>
-              </a:rPr>
-              <a:t>Set</a:t>
-            </a:r>
-            <a:endParaRPr lang="en-US" sz="2400" dirty="0">
-              <a:solidFill>
-                <a:schemeClr val="accent2"/>
-              </a:solidFill>
-            </a:endParaRPr>
+            <a:endParaRPr lang="en-US"/>
           </a:p>
         </p:txBody>
       </p:sp>
     </p:spTree>
     <p:extLst>
       <p:ext uri="{BB962C8B-B14F-4D97-AF65-F5344CB8AC3E}">
-        <p14:creationId xmlns:p14="http://schemas.microsoft.com/office/powerpoint/2010/main" val="1205780775"/>
+        <p14:creationId xmlns:p14="http://schemas.microsoft.com/office/powerpoint/2010/main" val="1246230450"/>
       </p:ext>
     </p:extLst>
   </p:cSld>
@@ -24355,7 +23166,7 @@
             </a:pPr>
             <a:fld id="{8325990E-89A1-418C-BAD2-0015B9725131}" type="datetime1">
               <a:rPr lang="en-US" smtClean="0"/>
-              <a:t>9/9/2022</a:t>
+              <a:t>9/9/22</a:t>
             </a:fld>
             <a:endParaRPr/>
           </a:p>
@@ -24465,7 +23276,7 @@
         </p:nvSpPr>
         <p:spPr>
           <a:xfrm>
-            <a:off x="457200" y="240771"/>
+            <a:off x="343912" y="-194698"/>
             <a:ext cx="8229600" cy="1143000"/>
           </a:xfrm>
           <a:prstGeom prst="rect">
@@ -24482,10 +23293,15 @@
           </a:bodyPr>
           <a:lstStyle/>
           <a:p>
-            <a:pPr algn="l"/>
+            <a:pPr indent="-457200" algn="l">
+              <a:spcBef>
+                <a:spcPts val="0"/>
+              </a:spcBef>
+              <a:buSzPts val="3200"/>
+            </a:pPr>
             <a:r>
-              <a:rPr lang="en-US" dirty="0"/>
-              <a:t>Lists</a:t>
+              <a:rPr lang="en-US" sz="3200" u="sng" dirty="0"/>
+              <a:t>Recap</a:t>
             </a:r>
           </a:p>
         </p:txBody>
@@ -24502,7 +23318,7 @@
         </p:nvSpPr>
         <p:spPr>
           <a:xfrm>
-            <a:off x="208723" y="1417638"/>
+            <a:off x="343912" y="802646"/>
             <a:ext cx="8478077" cy="4525963"/>
           </a:xfrm>
           <a:prstGeom prst="rect">
@@ -24519,2278 +23335,240 @@
           </a:bodyPr>
           <a:lstStyle/>
           <a:p>
-            <a:pPr indent="-457200">
-              <a:spcBef>
-                <a:spcPts val="0"/>
-              </a:spcBef>
-              <a:buSzPts val="3200"/>
+            <a:pPr marL="285750" indent="-285750">
+              <a:spcBef>
+                <a:spcPts val="0"/>
+              </a:spcBef>
+              <a:buSzPct val="100000"/>
+              <a:buFont typeface="Wingdings" pitchFamily="2" charset="2"/>
+              <a:buChar char="§"/>
             </a:pPr>
             <a:r>
-              <a:rPr lang="en-US" sz="2600" dirty="0"/>
-              <a:t>List is powerful data structures in R, which allows to group together any kind of data types &amp; data.</a:t>
+              <a:rPr lang="en-US" sz="1700" dirty="0"/>
+              <a:t>Python is a general-purpose interpreted, interactive, object-oriented, and high-level programming language.</a:t>
             </a:r>
           </a:p>
           <a:p>
-            <a:pPr indent="-457200">
-              <a:spcBef>
-                <a:spcPts val="0"/>
-              </a:spcBef>
-              <a:buSzPts val="3200"/>
+            <a:pPr marL="285750" indent="-285750">
+              <a:spcBef>
+                <a:spcPts val="0"/>
+              </a:spcBef>
+              <a:buSzPct val="100000"/>
+              <a:buFont typeface="Wingdings" pitchFamily="2" charset="2"/>
+              <a:buChar char="§"/>
             </a:pPr>
-            <a:endParaRPr lang="en-US" sz="2600" dirty="0"/>
-          </a:p>
-          <a:p>
-            <a:pPr indent="-457200">
-              <a:spcBef>
-                <a:spcPts val="0"/>
-              </a:spcBef>
-              <a:buSzPts val="3200"/>
+            <a:endParaRPr lang="en-US" sz="1700" dirty="0"/>
+          </a:p>
+          <a:p>
+            <a:pPr marL="285750" indent="-285750">
+              <a:spcBef>
+                <a:spcPts val="0"/>
+              </a:spcBef>
+              <a:buSzPct val="100000"/>
+              <a:buFont typeface="Wingdings" pitchFamily="2" charset="2"/>
+              <a:buChar char="§"/>
             </a:pPr>
             <a:r>
-              <a:rPr lang="en-US" sz="2600" dirty="0"/>
-              <a:t>A single list contains vectors, matrix, logical vector, character, Data frame and list it self</a:t>
+              <a:rPr lang="en-US" sz="1700" dirty="0"/>
+              <a:t>Python is available for all the operating system.</a:t>
             </a:r>
           </a:p>
           <a:p>
-            <a:pPr indent="-457200">
-              <a:spcBef>
-                <a:spcPts val="0"/>
-              </a:spcBef>
-              <a:buSzPts val="3200"/>
+            <a:pPr marL="285750" indent="-285750">
+              <a:spcBef>
+                <a:spcPts val="0"/>
+              </a:spcBef>
+              <a:buSzPct val="100000"/>
+              <a:buFont typeface="Wingdings" pitchFamily="2" charset="2"/>
+              <a:buChar char="§"/>
             </a:pPr>
-            <a:endParaRPr lang="en-US" sz="2600" dirty="0"/>
-          </a:p>
-          <a:p>
-            <a:pPr indent="-457200">
-              <a:spcBef>
-                <a:spcPts val="0"/>
-              </a:spcBef>
-              <a:buSzPts val="3200"/>
+            <a:endParaRPr lang="en-US" sz="1700" dirty="0"/>
+          </a:p>
+          <a:p>
+            <a:pPr marL="285750" indent="-285750">
+              <a:spcBef>
+                <a:spcPts val="0"/>
+              </a:spcBef>
+              <a:buSzPct val="100000"/>
+              <a:buFont typeface="Wingdings" pitchFamily="2" charset="2"/>
+              <a:buChar char="§"/>
             </a:pPr>
             <a:r>
-              <a:rPr lang="en-US" sz="2600" dirty="0"/>
-              <a:t>list() function used to create a list in R</a:t>
+              <a:rPr lang="en-US" sz="1700" dirty="0" err="1"/>
+              <a:t>Jupyter</a:t>
             </a:r>
-          </a:p>
-          <a:p>
-            <a:pPr marL="0" indent="0">
-              <a:spcBef>
-                <a:spcPts val="0"/>
-              </a:spcBef>
-              <a:buSzPts val="3200"/>
-              <a:buNone/>
+            <a:r>
+              <a:rPr lang="en-US" sz="1700" dirty="0"/>
+              <a:t> Notebook is an environment to execute Python Code.</a:t>
+            </a:r>
+          </a:p>
+          <a:p>
+            <a:pPr marL="285750" indent="-285750">
+              <a:spcBef>
+                <a:spcPts val="0"/>
+              </a:spcBef>
+              <a:buSzPct val="100000"/>
+              <a:buFont typeface="Wingdings" pitchFamily="2" charset="2"/>
+              <a:buChar char="§"/>
             </a:pPr>
-            <a:endParaRPr lang="en-US" sz="2600" b="1" dirty="0"/>
-          </a:p>
-          <a:p>
-            <a:pPr marL="0" indent="0">
-              <a:spcBef>
-                <a:spcPts val="0"/>
-              </a:spcBef>
-              <a:buSzPts val="3200"/>
-              <a:buNone/>
+            <a:endParaRPr lang="en-US" sz="1700" dirty="0"/>
+          </a:p>
+          <a:p>
+            <a:pPr marL="285750" indent="-285750">
+              <a:spcBef>
+                <a:spcPts val="0"/>
+              </a:spcBef>
+              <a:buSzPct val="100000"/>
+              <a:buFont typeface="Wingdings" pitchFamily="2" charset="2"/>
+              <a:buChar char="§"/>
             </a:pPr>
             <a:r>
-              <a:rPr lang="en-US" sz="2600" b="1" dirty="0"/>
-              <a:t>	</a:t>
+              <a:rPr lang="en-US" sz="1700" dirty="0"/>
+              <a:t>Reserved Words can not used as variable or function name.</a:t>
             </a:r>
-            <a:r>
-              <a:rPr lang="en-US" sz="2600" b="1" dirty="0" err="1"/>
-              <a:t>my_list</a:t>
-            </a:r>
-            <a:r>
-              <a:rPr lang="en-US" sz="2600" b="1" dirty="0"/>
-              <a:t> &lt;- list(c(1,2,3,4,5,6),</a:t>
-            </a:r>
-          </a:p>
-          <a:p>
-            <a:pPr marL="0" indent="0">
-              <a:spcBef>
-                <a:spcPts val="0"/>
-              </a:spcBef>
-              <a:buSzPts val="3200"/>
-              <a:buNone/>
+          </a:p>
+          <a:p>
+            <a:pPr marL="285750" indent="-285750">
+              <a:spcBef>
+                <a:spcPts val="0"/>
+              </a:spcBef>
+              <a:buSzPct val="100000"/>
+              <a:buFont typeface="Wingdings" pitchFamily="2" charset="2"/>
+              <a:buChar char="§"/>
+            </a:pPr>
+            <a:endParaRPr lang="en-US" sz="1700" dirty="0"/>
+          </a:p>
+          <a:p>
+            <a:pPr marL="285750" indent="-285750">
+              <a:spcBef>
+                <a:spcPts val="0"/>
+              </a:spcBef>
+              <a:buSzPct val="100000"/>
+              <a:buFont typeface="Wingdings" pitchFamily="2" charset="2"/>
+              <a:buChar char="§"/>
             </a:pPr>
             <a:r>
-              <a:rPr lang="en-US" sz="2600" b="1" dirty="0"/>
-              <a:t>		  	    “John”</a:t>
+              <a:rPr lang="en-US" sz="1700" dirty="0"/>
+              <a:t>Variable name can only contain alpha-numeric character and underscores(A-z, 0-9 and _ )</a:t>
             </a:r>
           </a:p>
           <a:p>
-            <a:pPr marL="0" indent="0">
-              <a:spcBef>
-                <a:spcPts val="0"/>
-              </a:spcBef>
-              <a:buSzPts val="3200"/>
-              <a:buNone/>
+            <a:pPr marL="285750" indent="-285750">
+              <a:spcBef>
+                <a:spcPts val="0"/>
+              </a:spcBef>
+              <a:buSzPct val="100000"/>
+              <a:buFont typeface="Wingdings" pitchFamily="2" charset="2"/>
+              <a:buChar char="§"/>
+            </a:pPr>
+            <a:endParaRPr lang="en-US" sz="1700" dirty="0"/>
+          </a:p>
+          <a:p>
+            <a:pPr marL="285750" indent="-285750">
+              <a:spcBef>
+                <a:spcPts val="0"/>
+              </a:spcBef>
+              <a:buSzPct val="100000"/>
+              <a:buFont typeface="Wingdings" pitchFamily="2" charset="2"/>
+              <a:buChar char="§"/>
             </a:pPr>
             <a:r>
-              <a:rPr lang="en-US" sz="2600" b="1" dirty="0"/>
-              <a:t>		  	    </a:t>
+              <a:rPr lang="en-US" sz="1700" dirty="0"/>
+              <a:t>Blocks of code are denoted by indentation, not with the braces ({})</a:t>
             </a:r>
+          </a:p>
+          <a:p>
+            <a:pPr marL="285750" indent="-285750">
+              <a:spcBef>
+                <a:spcPts val="0"/>
+              </a:spcBef>
+              <a:buSzPct val="100000"/>
+              <a:buFont typeface="Wingdings" pitchFamily="2" charset="2"/>
+              <a:buChar char="§"/>
+            </a:pPr>
+            <a:endParaRPr lang="en-US" sz="1700" dirty="0"/>
+          </a:p>
+          <a:p>
+            <a:pPr marL="285750" indent="-285750">
+              <a:spcBef>
+                <a:spcPts val="0"/>
+              </a:spcBef>
+              <a:buSzPct val="100000"/>
+              <a:buFont typeface="Wingdings" pitchFamily="2" charset="2"/>
+              <a:buChar char="§"/>
+            </a:pPr>
             <a:r>
-              <a:rPr lang="en-US" sz="2600" b="1" dirty="0" err="1"/>
-              <a:t>my_data</a:t>
+              <a:rPr lang="en-US" sz="1700" dirty="0"/>
+              <a:t>Python accepts single ('), double (") and triple (''' or """) quotes to create strings.</a:t>
             </a:r>
+          </a:p>
+          <a:p>
+            <a:pPr marL="285750" indent="-285750">
+              <a:spcBef>
+                <a:spcPts val="0"/>
+              </a:spcBef>
+              <a:buSzPct val="100000"/>
+              <a:buFont typeface="Wingdings" pitchFamily="2" charset="2"/>
+              <a:buChar char="§"/>
+            </a:pPr>
+            <a:endParaRPr lang="en-US" sz="1700" dirty="0"/>
+          </a:p>
+          <a:p>
+            <a:pPr marL="285750" indent="-285750">
+              <a:spcBef>
+                <a:spcPts val="0"/>
+              </a:spcBef>
+              <a:buSzPct val="100000"/>
+              <a:buFont typeface="Wingdings" pitchFamily="2" charset="2"/>
+              <a:buChar char="§"/>
+            </a:pPr>
             <a:r>
-              <a:rPr lang="en-US" sz="2600" b="1" dirty="0"/>
-              <a:t>)</a:t>
+              <a:rPr lang="en-US" sz="1700" dirty="0"/>
+              <a:t>pip command used to download &amp; install python packages from Internet.</a:t>
             </a:r>
+          </a:p>
+          <a:p>
+            <a:pPr marL="285750" indent="-285750">
+              <a:spcBef>
+                <a:spcPts val="0"/>
+              </a:spcBef>
+              <a:buSzPct val="100000"/>
+              <a:buFont typeface="Wingdings" pitchFamily="2" charset="2"/>
+              <a:buChar char="§"/>
+            </a:pPr>
+            <a:endParaRPr lang="en-US" sz="1700" dirty="0"/>
+          </a:p>
+          <a:p>
+            <a:pPr marL="285750" indent="-285750">
+              <a:spcBef>
+                <a:spcPts val="0"/>
+              </a:spcBef>
+              <a:buSzPct val="100000"/>
+              <a:buFont typeface="Wingdings" pitchFamily="2" charset="2"/>
+              <a:buChar char="§"/>
+            </a:pPr>
+            <a:r>
+              <a:rPr lang="en-US" sz="1700" dirty="0"/>
+              <a:t>Import statement used to import python package.</a:t>
+            </a:r>
+          </a:p>
+          <a:p>
+            <a:pPr marL="285750" indent="-285750">
+              <a:spcBef>
+                <a:spcPts val="0"/>
+              </a:spcBef>
+              <a:buSzPct val="100000"/>
+              <a:buFont typeface="Wingdings" pitchFamily="2" charset="2"/>
+              <a:buChar char="§"/>
+            </a:pPr>
+            <a:endParaRPr lang="en-US" sz="1700" dirty="0"/>
           </a:p>
         </p:txBody>
       </p:sp>
     </p:spTree>
     <p:extLst>
       <p:ext uri="{BB962C8B-B14F-4D97-AF65-F5344CB8AC3E}">
-        <p14:creationId xmlns:p14="http://schemas.microsoft.com/office/powerpoint/2010/main" val="3138019313"/>
-      </p:ext>
-    </p:extLst>
-  </p:cSld>
-  <p:clrMapOvr>
-    <a:masterClrMapping/>
-  </p:clrMapOvr>
-</p:sld>
-</file>
-
-<file path=ppt/slides/slide23.xml><?xml version="1.0" encoding="utf-8"?>
-<p:sld xmlns:a="http://schemas.openxmlformats.org/drawingml/2006/main" xmlns:r="http://schemas.openxmlformats.org/officeDocument/2006/relationships" xmlns:p="http://schemas.openxmlformats.org/presentationml/2006/main">
-  <p:cSld>
-    <p:spTree>
-      <p:nvGrpSpPr>
-        <p:cNvPr id="1" name="Shape 104"/>
-        <p:cNvGrpSpPr/>
-        <p:nvPr/>
-      </p:nvGrpSpPr>
-      <p:grpSpPr>
-        <a:xfrm>
-          <a:off x="0" y="0"/>
-          <a:ext cx="0" cy="0"/>
-          <a:chOff x="0" y="0"/>
-          <a:chExt cx="0" cy="0"/>
-        </a:xfrm>
-      </p:grpSpPr>
-      <p:sp>
-        <p:nvSpPr>
-          <p:cNvPr id="105" name="Google Shape;105;p15"/>
-          <p:cNvSpPr txBox="1">
-            <a:spLocks noGrp="1"/>
-          </p:cNvSpPr>
-          <p:nvPr>
-            <p:ph type="dt" idx="10"/>
-          </p:nvPr>
-        </p:nvSpPr>
-        <p:spPr>
-          <a:xfrm>
-            <a:off x="457200" y="6245225"/>
-            <a:ext cx="2133600" cy="476250"/>
-          </a:xfrm>
-          <a:prstGeom prst="rect">
-            <a:avLst/>
-          </a:prstGeom>
-          <a:noFill/>
-          <a:ln>
-            <a:noFill/>
-          </a:ln>
-        </p:spPr>
-        <p:txBody>
-          <a:bodyPr spcFirstLastPara="1" wrap="square" lIns="91425" tIns="45700" rIns="91425" bIns="45700" anchor="t" anchorCtr="0">
-            <a:noAutofit/>
-          </a:bodyPr>
-          <a:lstStyle/>
-          <a:p>
-            <a:pPr marL="0" lvl="0" indent="0" algn="l" rtl="0">
-              <a:spcBef>
-                <a:spcPts val="0"/>
-              </a:spcBef>
-              <a:spcAft>
-                <a:spcPts val="0"/>
-              </a:spcAft>
-              <a:buNone/>
-            </a:pPr>
-            <a:fld id="{8325990E-89A1-418C-BAD2-0015B9725131}" type="datetime1">
-              <a:rPr lang="en-US" smtClean="0"/>
-              <a:t>9/9/2022</a:t>
-            </a:fld>
-            <a:endParaRPr/>
-          </a:p>
-        </p:txBody>
-      </p:sp>
-      <p:sp>
-        <p:nvSpPr>
-          <p:cNvPr id="106" name="Google Shape;106;p15"/>
-          <p:cNvSpPr txBox="1">
-            <a:spLocks noGrp="1"/>
-          </p:cNvSpPr>
-          <p:nvPr>
-            <p:ph type="ftr" idx="11"/>
-          </p:nvPr>
-        </p:nvSpPr>
-        <p:spPr>
-          <a:xfrm>
-            <a:off x="3124200" y="6245225"/>
-            <a:ext cx="2895600" cy="476250"/>
-          </a:xfrm>
-          <a:prstGeom prst="rect">
-            <a:avLst/>
-          </a:prstGeom>
-          <a:noFill/>
-          <a:ln>
-            <a:noFill/>
-          </a:ln>
-        </p:spPr>
-        <p:txBody>
-          <a:bodyPr spcFirstLastPara="1" wrap="square" lIns="91425" tIns="45700" rIns="91425" bIns="45700" anchor="t" anchorCtr="0">
-            <a:noAutofit/>
-          </a:bodyPr>
-          <a:lstStyle/>
-          <a:p>
-            <a:pPr marL="0" lvl="0" indent="0" algn="ctr" rtl="0">
-              <a:spcBef>
-                <a:spcPts val="0"/>
-              </a:spcBef>
-              <a:spcAft>
-                <a:spcPts val="0"/>
-              </a:spcAft>
-              <a:buNone/>
-            </a:pPr>
-            <a:r>
-              <a:rPr lang="en-US"/>
-              <a:t>Ankit Velani, MBA-SIT,Tumkur</a:t>
-            </a:r>
-            <a:endParaRPr/>
-          </a:p>
-        </p:txBody>
-      </p:sp>
-      <p:sp>
-        <p:nvSpPr>
-          <p:cNvPr id="107" name="Google Shape;107;p15"/>
-          <p:cNvSpPr txBox="1">
-            <a:spLocks noGrp="1"/>
-          </p:cNvSpPr>
-          <p:nvPr>
-            <p:ph type="sldNum" idx="12"/>
-          </p:nvPr>
-        </p:nvSpPr>
-        <p:spPr>
-          <a:xfrm>
-            <a:off x="6553200" y="6245225"/>
-            <a:ext cx="2133600" cy="476250"/>
-          </a:xfrm>
-          <a:prstGeom prst="rect">
-            <a:avLst/>
-          </a:prstGeom>
-          <a:noFill/>
-          <a:ln>
-            <a:noFill/>
-          </a:ln>
-        </p:spPr>
-        <p:txBody>
-          <a:bodyPr spcFirstLastPara="1" wrap="square" lIns="91425" tIns="45700" rIns="91425" bIns="45700" anchor="t" anchorCtr="0">
-            <a:noAutofit/>
-          </a:bodyPr>
-          <a:lstStyle/>
-          <a:p>
-            <a:pPr marL="0" lvl="0" indent="0" algn="r" rtl="0">
-              <a:spcBef>
-                <a:spcPts val="0"/>
-              </a:spcBef>
-              <a:spcAft>
-                <a:spcPts val="0"/>
-              </a:spcAft>
-              <a:buNone/>
-            </a:pPr>
-            <a:fld id="{00000000-1234-1234-1234-123412341234}" type="slidenum">
-              <a:rPr lang="en-US"/>
-              <a:t>23</a:t>
-            </a:fld>
-            <a:endParaRPr dirty="0"/>
-          </a:p>
-        </p:txBody>
-      </p:sp>
-      <p:sp>
-        <p:nvSpPr>
-          <p:cNvPr id="108" name="Google Shape;108;p15"/>
-          <p:cNvSpPr txBox="1">
-            <a:spLocks noGrp="1"/>
-          </p:cNvSpPr>
-          <p:nvPr>
-            <p:ph type="title"/>
-          </p:nvPr>
-        </p:nvSpPr>
-        <p:spPr>
-          <a:xfrm>
-            <a:off x="457200" y="240771"/>
-            <a:ext cx="8229600" cy="1143000"/>
-          </a:xfrm>
-          <a:prstGeom prst="rect">
-            <a:avLst/>
-          </a:prstGeom>
-          <a:noFill/>
-          <a:ln>
-            <a:noFill/>
-          </a:ln>
-        </p:spPr>
-        <p:txBody>
-          <a:bodyPr spcFirstLastPara="1" wrap="square" lIns="91425" tIns="45700" rIns="91425" bIns="45700" anchor="ctr" anchorCtr="0">
-            <a:noAutofit/>
-          </a:bodyPr>
-          <a:lstStyle/>
-          <a:p>
-            <a:pPr algn="l"/>
-            <a:r>
-              <a:rPr lang="en-US" dirty="0"/>
-              <a:t>Dictionary</a:t>
-            </a:r>
-          </a:p>
-        </p:txBody>
-      </p:sp>
-      <p:sp>
-        <p:nvSpPr>
-          <p:cNvPr id="109" name="Google Shape;109;p15"/>
-          <p:cNvSpPr txBox="1">
-            <a:spLocks noGrp="1"/>
-          </p:cNvSpPr>
-          <p:nvPr>
-            <p:ph type="body" idx="1"/>
-          </p:nvPr>
-        </p:nvSpPr>
-        <p:spPr>
-          <a:xfrm>
-            <a:off x="208723" y="1417638"/>
-            <a:ext cx="8478077" cy="4525963"/>
-          </a:xfrm>
-          <a:prstGeom prst="rect">
-            <a:avLst/>
-          </a:prstGeom>
-          <a:noFill/>
-          <a:ln>
-            <a:noFill/>
-          </a:ln>
-        </p:spPr>
-        <p:txBody>
-          <a:bodyPr spcFirstLastPara="1" wrap="square" lIns="91425" tIns="45700" rIns="91425" bIns="45700" anchor="t" anchorCtr="0">
-            <a:noAutofit/>
-          </a:bodyPr>
-          <a:lstStyle/>
-          <a:p>
-            <a:pPr indent="-457200">
-              <a:spcBef>
-                <a:spcPts val="0"/>
-              </a:spcBef>
-              <a:buSzPts val="3200"/>
-            </a:pPr>
-            <a:r>
-              <a:rPr lang="en-US" sz="2600" dirty="0"/>
-              <a:t>List is powerful data structures in R, which allows to group together any kind of data types &amp; data.</a:t>
-            </a:r>
-          </a:p>
-          <a:p>
-            <a:pPr indent="-457200">
-              <a:spcBef>
-                <a:spcPts val="0"/>
-              </a:spcBef>
-              <a:buSzPts val="3200"/>
-            </a:pPr>
-            <a:endParaRPr lang="en-US" sz="2600" dirty="0"/>
-          </a:p>
-          <a:p>
-            <a:pPr indent="-457200">
-              <a:spcBef>
-                <a:spcPts val="0"/>
-              </a:spcBef>
-              <a:buSzPts val="3200"/>
-            </a:pPr>
-            <a:r>
-              <a:rPr lang="en-US" sz="2600" dirty="0"/>
-              <a:t>A single list contains vectors, matrix, logical vector, character, Data frame and list it self</a:t>
-            </a:r>
-          </a:p>
-          <a:p>
-            <a:pPr indent="-457200">
-              <a:spcBef>
-                <a:spcPts val="0"/>
-              </a:spcBef>
-              <a:buSzPts val="3200"/>
-            </a:pPr>
-            <a:endParaRPr lang="en-US" sz="2600" dirty="0"/>
-          </a:p>
-          <a:p>
-            <a:pPr indent="-457200">
-              <a:spcBef>
-                <a:spcPts val="0"/>
-              </a:spcBef>
-              <a:buSzPts val="3200"/>
-            </a:pPr>
-            <a:r>
-              <a:rPr lang="en-US" sz="2600" dirty="0"/>
-              <a:t>list() function used to create a list in R</a:t>
-            </a:r>
-          </a:p>
-          <a:p>
-            <a:pPr marL="0" indent="0">
-              <a:spcBef>
-                <a:spcPts val="0"/>
-              </a:spcBef>
-              <a:buSzPts val="3200"/>
-              <a:buNone/>
-            </a:pPr>
-            <a:endParaRPr lang="en-US" sz="2600" b="1" dirty="0"/>
-          </a:p>
-          <a:p>
-            <a:pPr marL="0" indent="0">
-              <a:spcBef>
-                <a:spcPts val="0"/>
-              </a:spcBef>
-              <a:buSzPts val="3200"/>
-              <a:buNone/>
-            </a:pPr>
-            <a:r>
-              <a:rPr lang="en-US" sz="2600" b="1" dirty="0"/>
-              <a:t>	</a:t>
-            </a:r>
-            <a:r>
-              <a:rPr lang="en-US" sz="2600" b="1" dirty="0" err="1"/>
-              <a:t>my_list</a:t>
-            </a:r>
-            <a:r>
-              <a:rPr lang="en-US" sz="2600" b="1" dirty="0"/>
-              <a:t> &lt;- list(c(1,2,3,4,5,6),</a:t>
-            </a:r>
-          </a:p>
-          <a:p>
-            <a:pPr marL="0" indent="0">
-              <a:spcBef>
-                <a:spcPts val="0"/>
-              </a:spcBef>
-              <a:buSzPts val="3200"/>
-              <a:buNone/>
-            </a:pPr>
-            <a:r>
-              <a:rPr lang="en-US" sz="2600" b="1" dirty="0"/>
-              <a:t>		  	    “John”</a:t>
-            </a:r>
-          </a:p>
-          <a:p>
-            <a:pPr marL="0" indent="0">
-              <a:spcBef>
-                <a:spcPts val="0"/>
-              </a:spcBef>
-              <a:buSzPts val="3200"/>
-              <a:buNone/>
-            </a:pPr>
-            <a:r>
-              <a:rPr lang="en-US" sz="2600" b="1" dirty="0"/>
-              <a:t>		  	    </a:t>
-            </a:r>
-            <a:r>
-              <a:rPr lang="en-US" sz="2600" b="1" dirty="0" err="1"/>
-              <a:t>my_data</a:t>
-            </a:r>
-            <a:r>
-              <a:rPr lang="en-US" sz="2600" b="1" dirty="0"/>
-              <a:t>)</a:t>
-            </a:r>
-          </a:p>
-        </p:txBody>
-      </p:sp>
-    </p:spTree>
-    <p:extLst>
-      <p:ext uri="{BB962C8B-B14F-4D97-AF65-F5344CB8AC3E}">
-        <p14:creationId xmlns:p14="http://schemas.microsoft.com/office/powerpoint/2010/main" val="1416168009"/>
-      </p:ext>
-    </p:extLst>
-  </p:cSld>
-  <p:clrMapOvr>
-    <a:masterClrMapping/>
-  </p:clrMapOvr>
-</p:sld>
-</file>
-
-<file path=ppt/slides/slide24.xml><?xml version="1.0" encoding="utf-8"?>
-<p:sld xmlns:a="http://schemas.openxmlformats.org/drawingml/2006/main" xmlns:r="http://schemas.openxmlformats.org/officeDocument/2006/relationships" xmlns:p="http://schemas.openxmlformats.org/presentationml/2006/main">
-  <p:cSld>
-    <p:spTree>
-      <p:nvGrpSpPr>
-        <p:cNvPr id="1" name="Shape 104"/>
-        <p:cNvGrpSpPr/>
-        <p:nvPr/>
-      </p:nvGrpSpPr>
-      <p:grpSpPr>
-        <a:xfrm>
-          <a:off x="0" y="0"/>
-          <a:ext cx="0" cy="0"/>
-          <a:chOff x="0" y="0"/>
-          <a:chExt cx="0" cy="0"/>
-        </a:xfrm>
-      </p:grpSpPr>
-      <p:sp>
-        <p:nvSpPr>
-          <p:cNvPr id="105" name="Google Shape;105;p15"/>
-          <p:cNvSpPr txBox="1">
-            <a:spLocks noGrp="1"/>
-          </p:cNvSpPr>
-          <p:nvPr>
-            <p:ph type="dt" idx="10"/>
-          </p:nvPr>
-        </p:nvSpPr>
-        <p:spPr>
-          <a:xfrm>
-            <a:off x="457200" y="6245225"/>
-            <a:ext cx="2133600" cy="476250"/>
-          </a:xfrm>
-          <a:prstGeom prst="rect">
-            <a:avLst/>
-          </a:prstGeom>
-          <a:noFill/>
-          <a:ln>
-            <a:noFill/>
-          </a:ln>
-        </p:spPr>
-        <p:txBody>
-          <a:bodyPr spcFirstLastPara="1" wrap="square" lIns="91425" tIns="45700" rIns="91425" bIns="45700" anchor="t" anchorCtr="0">
-            <a:noAutofit/>
-          </a:bodyPr>
-          <a:lstStyle/>
-          <a:p>
-            <a:pPr marL="0" lvl="0" indent="0" algn="l" rtl="0">
-              <a:spcBef>
-                <a:spcPts val="0"/>
-              </a:spcBef>
-              <a:spcAft>
-                <a:spcPts val="0"/>
-              </a:spcAft>
-              <a:buNone/>
-            </a:pPr>
-            <a:fld id="{8325990E-89A1-418C-BAD2-0015B9725131}" type="datetime1">
-              <a:rPr lang="en-US" smtClean="0"/>
-              <a:t>9/9/2022</a:t>
-            </a:fld>
-            <a:endParaRPr/>
-          </a:p>
-        </p:txBody>
-      </p:sp>
-      <p:sp>
-        <p:nvSpPr>
-          <p:cNvPr id="106" name="Google Shape;106;p15"/>
-          <p:cNvSpPr txBox="1">
-            <a:spLocks noGrp="1"/>
-          </p:cNvSpPr>
-          <p:nvPr>
-            <p:ph type="ftr" idx="11"/>
-          </p:nvPr>
-        </p:nvSpPr>
-        <p:spPr>
-          <a:xfrm>
-            <a:off x="3124200" y="6245225"/>
-            <a:ext cx="2895600" cy="476250"/>
-          </a:xfrm>
-          <a:prstGeom prst="rect">
-            <a:avLst/>
-          </a:prstGeom>
-          <a:noFill/>
-          <a:ln>
-            <a:noFill/>
-          </a:ln>
-        </p:spPr>
-        <p:txBody>
-          <a:bodyPr spcFirstLastPara="1" wrap="square" lIns="91425" tIns="45700" rIns="91425" bIns="45700" anchor="t" anchorCtr="0">
-            <a:noAutofit/>
-          </a:bodyPr>
-          <a:lstStyle/>
-          <a:p>
-            <a:pPr marL="0" lvl="0" indent="0" algn="ctr" rtl="0">
-              <a:spcBef>
-                <a:spcPts val="0"/>
-              </a:spcBef>
-              <a:spcAft>
-                <a:spcPts val="0"/>
-              </a:spcAft>
-              <a:buNone/>
-            </a:pPr>
-            <a:r>
-              <a:rPr lang="en-US"/>
-              <a:t>Ankit Velani, MBA-SIT,Tumkur</a:t>
-            </a:r>
-            <a:endParaRPr/>
-          </a:p>
-        </p:txBody>
-      </p:sp>
-      <p:sp>
-        <p:nvSpPr>
-          <p:cNvPr id="107" name="Google Shape;107;p15"/>
-          <p:cNvSpPr txBox="1">
-            <a:spLocks noGrp="1"/>
-          </p:cNvSpPr>
-          <p:nvPr>
-            <p:ph type="sldNum" idx="12"/>
-          </p:nvPr>
-        </p:nvSpPr>
-        <p:spPr>
-          <a:xfrm>
-            <a:off x="6553200" y="6245225"/>
-            <a:ext cx="2133600" cy="476250"/>
-          </a:xfrm>
-          <a:prstGeom prst="rect">
-            <a:avLst/>
-          </a:prstGeom>
-          <a:noFill/>
-          <a:ln>
-            <a:noFill/>
-          </a:ln>
-        </p:spPr>
-        <p:txBody>
-          <a:bodyPr spcFirstLastPara="1" wrap="square" lIns="91425" tIns="45700" rIns="91425" bIns="45700" anchor="t" anchorCtr="0">
-            <a:noAutofit/>
-          </a:bodyPr>
-          <a:lstStyle/>
-          <a:p>
-            <a:pPr marL="0" lvl="0" indent="0" algn="r" rtl="0">
-              <a:spcBef>
-                <a:spcPts val="0"/>
-              </a:spcBef>
-              <a:spcAft>
-                <a:spcPts val="0"/>
-              </a:spcAft>
-              <a:buNone/>
-            </a:pPr>
-            <a:fld id="{00000000-1234-1234-1234-123412341234}" type="slidenum">
-              <a:rPr lang="en-US"/>
-              <a:t>24</a:t>
-            </a:fld>
-            <a:endParaRPr dirty="0"/>
-          </a:p>
-        </p:txBody>
-      </p:sp>
-      <p:sp>
-        <p:nvSpPr>
-          <p:cNvPr id="108" name="Google Shape;108;p15"/>
-          <p:cNvSpPr txBox="1">
-            <a:spLocks noGrp="1"/>
-          </p:cNvSpPr>
-          <p:nvPr>
-            <p:ph type="title"/>
-          </p:nvPr>
-        </p:nvSpPr>
-        <p:spPr>
-          <a:xfrm>
-            <a:off x="457200" y="240771"/>
-            <a:ext cx="8229600" cy="1143000"/>
-          </a:xfrm>
-          <a:prstGeom prst="rect">
-            <a:avLst/>
-          </a:prstGeom>
-          <a:noFill/>
-          <a:ln>
-            <a:noFill/>
-          </a:ln>
-        </p:spPr>
-        <p:txBody>
-          <a:bodyPr spcFirstLastPara="1" wrap="square" lIns="91425" tIns="45700" rIns="91425" bIns="45700" anchor="ctr" anchorCtr="0">
-            <a:noAutofit/>
-          </a:bodyPr>
-          <a:lstStyle/>
-          <a:p>
-            <a:pPr algn="l"/>
-            <a:r>
-              <a:rPr lang="en-US" dirty="0"/>
-              <a:t>Tuple</a:t>
-            </a:r>
-          </a:p>
-        </p:txBody>
-      </p:sp>
-      <p:sp>
-        <p:nvSpPr>
-          <p:cNvPr id="109" name="Google Shape;109;p15"/>
-          <p:cNvSpPr txBox="1">
-            <a:spLocks noGrp="1"/>
-          </p:cNvSpPr>
-          <p:nvPr>
-            <p:ph type="body" idx="1"/>
-          </p:nvPr>
-        </p:nvSpPr>
-        <p:spPr>
-          <a:xfrm>
-            <a:off x="208723" y="1417638"/>
-            <a:ext cx="8478077" cy="4525963"/>
-          </a:xfrm>
-          <a:prstGeom prst="rect">
-            <a:avLst/>
-          </a:prstGeom>
-          <a:noFill/>
-          <a:ln>
-            <a:noFill/>
-          </a:ln>
-        </p:spPr>
-        <p:txBody>
-          <a:bodyPr spcFirstLastPara="1" wrap="square" lIns="91425" tIns="45700" rIns="91425" bIns="45700" anchor="t" anchorCtr="0">
-            <a:noAutofit/>
-          </a:bodyPr>
-          <a:lstStyle/>
-          <a:p>
-            <a:pPr indent="-457200">
-              <a:spcBef>
-                <a:spcPts val="0"/>
-              </a:spcBef>
-              <a:buSzPts val="3200"/>
-            </a:pPr>
-            <a:r>
-              <a:rPr lang="en-US" sz="2600" dirty="0"/>
-              <a:t>List is powerful data structures in R, which allows to group together any kind of data types &amp; data.</a:t>
-            </a:r>
-          </a:p>
-          <a:p>
-            <a:pPr indent="-457200">
-              <a:spcBef>
-                <a:spcPts val="0"/>
-              </a:spcBef>
-              <a:buSzPts val="3200"/>
-            </a:pPr>
-            <a:endParaRPr lang="en-US" sz="2600" dirty="0"/>
-          </a:p>
-          <a:p>
-            <a:pPr indent="-457200">
-              <a:spcBef>
-                <a:spcPts val="0"/>
-              </a:spcBef>
-              <a:buSzPts val="3200"/>
-            </a:pPr>
-            <a:r>
-              <a:rPr lang="en-US" sz="2600" dirty="0"/>
-              <a:t>A single list contains vectors, matrix, logical vector, character, Data frame and list it self</a:t>
-            </a:r>
-          </a:p>
-          <a:p>
-            <a:pPr indent="-457200">
-              <a:spcBef>
-                <a:spcPts val="0"/>
-              </a:spcBef>
-              <a:buSzPts val="3200"/>
-            </a:pPr>
-            <a:endParaRPr lang="en-US" sz="2600" dirty="0"/>
-          </a:p>
-          <a:p>
-            <a:pPr indent="-457200">
-              <a:spcBef>
-                <a:spcPts val="0"/>
-              </a:spcBef>
-              <a:buSzPts val="3200"/>
-            </a:pPr>
-            <a:r>
-              <a:rPr lang="en-US" sz="2600" dirty="0"/>
-              <a:t>list() function used to create a list in R</a:t>
-            </a:r>
-          </a:p>
-          <a:p>
-            <a:pPr marL="0" indent="0">
-              <a:spcBef>
-                <a:spcPts val="0"/>
-              </a:spcBef>
-              <a:buSzPts val="3200"/>
-              <a:buNone/>
-            </a:pPr>
-            <a:endParaRPr lang="en-US" sz="2600" b="1" dirty="0"/>
-          </a:p>
-          <a:p>
-            <a:pPr marL="0" indent="0">
-              <a:spcBef>
-                <a:spcPts val="0"/>
-              </a:spcBef>
-              <a:buSzPts val="3200"/>
-              <a:buNone/>
-            </a:pPr>
-            <a:r>
-              <a:rPr lang="en-US" sz="2600" b="1" dirty="0"/>
-              <a:t>	</a:t>
-            </a:r>
-            <a:r>
-              <a:rPr lang="en-US" sz="2600" b="1" dirty="0" err="1"/>
-              <a:t>my_list</a:t>
-            </a:r>
-            <a:r>
-              <a:rPr lang="en-US" sz="2600" b="1" dirty="0"/>
-              <a:t> &lt;- list(c(1,2,3,4,5,6),</a:t>
-            </a:r>
-          </a:p>
-          <a:p>
-            <a:pPr marL="0" indent="0">
-              <a:spcBef>
-                <a:spcPts val="0"/>
-              </a:spcBef>
-              <a:buSzPts val="3200"/>
-              <a:buNone/>
-            </a:pPr>
-            <a:r>
-              <a:rPr lang="en-US" sz="2600" b="1" dirty="0"/>
-              <a:t>		  	    “John”</a:t>
-            </a:r>
-          </a:p>
-          <a:p>
-            <a:pPr marL="0" indent="0">
-              <a:spcBef>
-                <a:spcPts val="0"/>
-              </a:spcBef>
-              <a:buSzPts val="3200"/>
-              <a:buNone/>
-            </a:pPr>
-            <a:r>
-              <a:rPr lang="en-US" sz="2600" b="1" dirty="0"/>
-              <a:t>		  	    </a:t>
-            </a:r>
-            <a:r>
-              <a:rPr lang="en-US" sz="2600" b="1" dirty="0" err="1"/>
-              <a:t>my_data</a:t>
-            </a:r>
-            <a:r>
-              <a:rPr lang="en-US" sz="2600" b="1" dirty="0"/>
-              <a:t>)</a:t>
-            </a:r>
-          </a:p>
-        </p:txBody>
-      </p:sp>
-    </p:spTree>
-    <p:extLst>
-      <p:ext uri="{BB962C8B-B14F-4D97-AF65-F5344CB8AC3E}">
-        <p14:creationId xmlns:p14="http://schemas.microsoft.com/office/powerpoint/2010/main" val="3632673750"/>
-      </p:ext>
-    </p:extLst>
-  </p:cSld>
-  <p:clrMapOvr>
-    <a:masterClrMapping/>
-  </p:clrMapOvr>
-</p:sld>
-</file>
-
-<file path=ppt/slides/slide25.xml><?xml version="1.0" encoding="utf-8"?>
-<p:sld xmlns:a="http://schemas.openxmlformats.org/drawingml/2006/main" xmlns:r="http://schemas.openxmlformats.org/officeDocument/2006/relationships" xmlns:p="http://schemas.openxmlformats.org/presentationml/2006/main">
-  <p:cSld>
-    <p:spTree>
-      <p:nvGrpSpPr>
-        <p:cNvPr id="1" name="Shape 104"/>
-        <p:cNvGrpSpPr/>
-        <p:nvPr/>
-      </p:nvGrpSpPr>
-      <p:grpSpPr>
-        <a:xfrm>
-          <a:off x="0" y="0"/>
-          <a:ext cx="0" cy="0"/>
-          <a:chOff x="0" y="0"/>
-          <a:chExt cx="0" cy="0"/>
-        </a:xfrm>
-      </p:grpSpPr>
-      <p:sp>
-        <p:nvSpPr>
-          <p:cNvPr id="105" name="Google Shape;105;p15"/>
-          <p:cNvSpPr txBox="1">
-            <a:spLocks noGrp="1"/>
-          </p:cNvSpPr>
-          <p:nvPr>
-            <p:ph type="dt" idx="10"/>
-          </p:nvPr>
-        </p:nvSpPr>
-        <p:spPr>
-          <a:xfrm>
-            <a:off x="457200" y="6245225"/>
-            <a:ext cx="2133600" cy="476250"/>
-          </a:xfrm>
-          <a:prstGeom prst="rect">
-            <a:avLst/>
-          </a:prstGeom>
-          <a:noFill/>
-          <a:ln>
-            <a:noFill/>
-          </a:ln>
-        </p:spPr>
-        <p:txBody>
-          <a:bodyPr spcFirstLastPara="1" wrap="square" lIns="91425" tIns="45700" rIns="91425" bIns="45700" anchor="t" anchorCtr="0">
-            <a:noAutofit/>
-          </a:bodyPr>
-          <a:lstStyle/>
-          <a:p>
-            <a:pPr marL="0" lvl="0" indent="0" algn="l" rtl="0">
-              <a:spcBef>
-                <a:spcPts val="0"/>
-              </a:spcBef>
-              <a:spcAft>
-                <a:spcPts val="0"/>
-              </a:spcAft>
-              <a:buNone/>
-            </a:pPr>
-            <a:fld id="{8325990E-89A1-418C-BAD2-0015B9725131}" type="datetime1">
-              <a:rPr lang="en-US" smtClean="0"/>
-              <a:t>9/9/2022</a:t>
-            </a:fld>
-            <a:endParaRPr/>
-          </a:p>
-        </p:txBody>
-      </p:sp>
-      <p:sp>
-        <p:nvSpPr>
-          <p:cNvPr id="106" name="Google Shape;106;p15"/>
-          <p:cNvSpPr txBox="1">
-            <a:spLocks noGrp="1"/>
-          </p:cNvSpPr>
-          <p:nvPr>
-            <p:ph type="ftr" idx="11"/>
-          </p:nvPr>
-        </p:nvSpPr>
-        <p:spPr>
-          <a:xfrm>
-            <a:off x="3124200" y="6245225"/>
-            <a:ext cx="2895600" cy="476250"/>
-          </a:xfrm>
-          <a:prstGeom prst="rect">
-            <a:avLst/>
-          </a:prstGeom>
-          <a:noFill/>
-          <a:ln>
-            <a:noFill/>
-          </a:ln>
-        </p:spPr>
-        <p:txBody>
-          <a:bodyPr spcFirstLastPara="1" wrap="square" lIns="91425" tIns="45700" rIns="91425" bIns="45700" anchor="t" anchorCtr="0">
-            <a:noAutofit/>
-          </a:bodyPr>
-          <a:lstStyle/>
-          <a:p>
-            <a:pPr marL="0" lvl="0" indent="0" algn="ctr" rtl="0">
-              <a:spcBef>
-                <a:spcPts val="0"/>
-              </a:spcBef>
-              <a:spcAft>
-                <a:spcPts val="0"/>
-              </a:spcAft>
-              <a:buNone/>
-            </a:pPr>
-            <a:r>
-              <a:rPr lang="en-US"/>
-              <a:t>Ankit Velani, MBA-SIT,Tumkur</a:t>
-            </a:r>
-            <a:endParaRPr/>
-          </a:p>
-        </p:txBody>
-      </p:sp>
-      <p:sp>
-        <p:nvSpPr>
-          <p:cNvPr id="107" name="Google Shape;107;p15"/>
-          <p:cNvSpPr txBox="1">
-            <a:spLocks noGrp="1"/>
-          </p:cNvSpPr>
-          <p:nvPr>
-            <p:ph type="sldNum" idx="12"/>
-          </p:nvPr>
-        </p:nvSpPr>
-        <p:spPr>
-          <a:xfrm>
-            <a:off x="6553200" y="6245225"/>
-            <a:ext cx="2133600" cy="476250"/>
-          </a:xfrm>
-          <a:prstGeom prst="rect">
-            <a:avLst/>
-          </a:prstGeom>
-          <a:noFill/>
-          <a:ln>
-            <a:noFill/>
-          </a:ln>
-        </p:spPr>
-        <p:txBody>
-          <a:bodyPr spcFirstLastPara="1" wrap="square" lIns="91425" tIns="45700" rIns="91425" bIns="45700" anchor="t" anchorCtr="0">
-            <a:noAutofit/>
-          </a:bodyPr>
-          <a:lstStyle/>
-          <a:p>
-            <a:pPr marL="0" lvl="0" indent="0" algn="r" rtl="0">
-              <a:spcBef>
-                <a:spcPts val="0"/>
-              </a:spcBef>
-              <a:spcAft>
-                <a:spcPts val="0"/>
-              </a:spcAft>
-              <a:buNone/>
-            </a:pPr>
-            <a:fld id="{00000000-1234-1234-1234-123412341234}" type="slidenum">
-              <a:rPr lang="en-US"/>
-              <a:t>25</a:t>
-            </a:fld>
-            <a:endParaRPr dirty="0"/>
-          </a:p>
-        </p:txBody>
-      </p:sp>
-      <p:sp>
-        <p:nvSpPr>
-          <p:cNvPr id="108" name="Google Shape;108;p15"/>
-          <p:cNvSpPr txBox="1">
-            <a:spLocks noGrp="1"/>
-          </p:cNvSpPr>
-          <p:nvPr>
-            <p:ph type="title"/>
-          </p:nvPr>
-        </p:nvSpPr>
-        <p:spPr>
-          <a:xfrm>
-            <a:off x="457200" y="240771"/>
-            <a:ext cx="8229600" cy="1143000"/>
-          </a:xfrm>
-          <a:prstGeom prst="rect">
-            <a:avLst/>
-          </a:prstGeom>
-          <a:noFill/>
-          <a:ln>
-            <a:noFill/>
-          </a:ln>
-        </p:spPr>
-        <p:txBody>
-          <a:bodyPr spcFirstLastPara="1" wrap="square" lIns="91425" tIns="45700" rIns="91425" bIns="45700" anchor="ctr" anchorCtr="0">
-            <a:noAutofit/>
-          </a:bodyPr>
-          <a:lstStyle/>
-          <a:p>
-            <a:pPr algn="l"/>
-            <a:r>
-              <a:rPr lang="en-US" dirty="0"/>
-              <a:t>Set</a:t>
-            </a:r>
-          </a:p>
-        </p:txBody>
-      </p:sp>
-      <p:sp>
-        <p:nvSpPr>
-          <p:cNvPr id="109" name="Google Shape;109;p15"/>
-          <p:cNvSpPr txBox="1">
-            <a:spLocks noGrp="1"/>
-          </p:cNvSpPr>
-          <p:nvPr>
-            <p:ph type="body" idx="1"/>
-          </p:nvPr>
-        </p:nvSpPr>
-        <p:spPr>
-          <a:xfrm>
-            <a:off x="208723" y="1417638"/>
-            <a:ext cx="8478077" cy="4525963"/>
-          </a:xfrm>
-          <a:prstGeom prst="rect">
-            <a:avLst/>
-          </a:prstGeom>
-          <a:noFill/>
-          <a:ln>
-            <a:noFill/>
-          </a:ln>
-        </p:spPr>
-        <p:txBody>
-          <a:bodyPr spcFirstLastPara="1" wrap="square" lIns="91425" tIns="45700" rIns="91425" bIns="45700" anchor="t" anchorCtr="0">
-            <a:noAutofit/>
-          </a:bodyPr>
-          <a:lstStyle/>
-          <a:p>
-            <a:pPr indent="-457200">
-              <a:spcBef>
-                <a:spcPts val="0"/>
-              </a:spcBef>
-              <a:buSzPts val="3200"/>
-            </a:pPr>
-            <a:r>
-              <a:rPr lang="en-US" sz="2600" dirty="0"/>
-              <a:t>List is powerful data structures in R, which allows to group together any kind of data types &amp; data.</a:t>
-            </a:r>
-          </a:p>
-          <a:p>
-            <a:pPr indent="-457200">
-              <a:spcBef>
-                <a:spcPts val="0"/>
-              </a:spcBef>
-              <a:buSzPts val="3200"/>
-            </a:pPr>
-            <a:endParaRPr lang="en-US" sz="2600" dirty="0"/>
-          </a:p>
-          <a:p>
-            <a:pPr indent="-457200">
-              <a:spcBef>
-                <a:spcPts val="0"/>
-              </a:spcBef>
-              <a:buSzPts val="3200"/>
-            </a:pPr>
-            <a:r>
-              <a:rPr lang="en-US" sz="2600" dirty="0"/>
-              <a:t>A single list contains vectors, matrix, logical vector, character, Data frame and list it self</a:t>
-            </a:r>
-          </a:p>
-          <a:p>
-            <a:pPr indent="-457200">
-              <a:spcBef>
-                <a:spcPts val="0"/>
-              </a:spcBef>
-              <a:buSzPts val="3200"/>
-            </a:pPr>
-            <a:endParaRPr lang="en-US" sz="2600" dirty="0"/>
-          </a:p>
-          <a:p>
-            <a:pPr indent="-457200">
-              <a:spcBef>
-                <a:spcPts val="0"/>
-              </a:spcBef>
-              <a:buSzPts val="3200"/>
-            </a:pPr>
-            <a:r>
-              <a:rPr lang="en-US" sz="2600" dirty="0"/>
-              <a:t>list() function used to create a list in R</a:t>
-            </a:r>
-          </a:p>
-          <a:p>
-            <a:pPr marL="0" indent="0">
-              <a:spcBef>
-                <a:spcPts val="0"/>
-              </a:spcBef>
-              <a:buSzPts val="3200"/>
-              <a:buNone/>
-            </a:pPr>
-            <a:endParaRPr lang="en-US" sz="2600" b="1" dirty="0"/>
-          </a:p>
-          <a:p>
-            <a:pPr marL="0" indent="0">
-              <a:spcBef>
-                <a:spcPts val="0"/>
-              </a:spcBef>
-              <a:buSzPts val="3200"/>
-              <a:buNone/>
-            </a:pPr>
-            <a:r>
-              <a:rPr lang="en-US" sz="2600" b="1" dirty="0"/>
-              <a:t>	</a:t>
-            </a:r>
-            <a:r>
-              <a:rPr lang="en-US" sz="2600" b="1" dirty="0" err="1"/>
-              <a:t>my_list</a:t>
-            </a:r>
-            <a:r>
-              <a:rPr lang="en-US" sz="2600" b="1" dirty="0"/>
-              <a:t> &lt;- list(c(1,2,3,4,5,6),</a:t>
-            </a:r>
-          </a:p>
-          <a:p>
-            <a:pPr marL="0" indent="0">
-              <a:spcBef>
-                <a:spcPts val="0"/>
-              </a:spcBef>
-              <a:buSzPts val="3200"/>
-              <a:buNone/>
-            </a:pPr>
-            <a:r>
-              <a:rPr lang="en-US" sz="2600" b="1" dirty="0"/>
-              <a:t>		  	    “John”</a:t>
-            </a:r>
-          </a:p>
-          <a:p>
-            <a:pPr marL="0" indent="0">
-              <a:spcBef>
-                <a:spcPts val="0"/>
-              </a:spcBef>
-              <a:buSzPts val="3200"/>
-              <a:buNone/>
-            </a:pPr>
-            <a:r>
-              <a:rPr lang="en-US" sz="2600" b="1" dirty="0"/>
-              <a:t>		  	    </a:t>
-            </a:r>
-            <a:r>
-              <a:rPr lang="en-US" sz="2600" b="1" dirty="0" err="1"/>
-              <a:t>my_data</a:t>
-            </a:r>
-            <a:r>
-              <a:rPr lang="en-US" sz="2600" b="1" dirty="0"/>
-              <a:t>)</a:t>
-            </a:r>
-          </a:p>
-        </p:txBody>
-      </p:sp>
-    </p:spTree>
-    <p:extLst>
-      <p:ext uri="{BB962C8B-B14F-4D97-AF65-F5344CB8AC3E}">
-        <p14:creationId xmlns:p14="http://schemas.microsoft.com/office/powerpoint/2010/main" val="3870813925"/>
-      </p:ext>
-    </p:extLst>
-  </p:cSld>
-  <p:clrMapOvr>
-    <a:masterClrMapping/>
-  </p:clrMapOvr>
-</p:sld>
-</file>
-
-<file path=ppt/slides/slide26.xml><?xml version="1.0" encoding="utf-8"?>
-<p:sld xmlns:a="http://schemas.openxmlformats.org/drawingml/2006/main" xmlns:r="http://schemas.openxmlformats.org/officeDocument/2006/relationships" xmlns:p="http://schemas.openxmlformats.org/presentationml/2006/main">
-  <p:cSld>
-    <p:spTree>
-      <p:nvGrpSpPr>
-        <p:cNvPr id="1" name="Shape 104"/>
-        <p:cNvGrpSpPr/>
-        <p:nvPr/>
-      </p:nvGrpSpPr>
-      <p:grpSpPr>
-        <a:xfrm>
-          <a:off x="0" y="0"/>
-          <a:ext cx="0" cy="0"/>
-          <a:chOff x="0" y="0"/>
-          <a:chExt cx="0" cy="0"/>
-        </a:xfrm>
-      </p:grpSpPr>
-      <p:sp>
-        <p:nvSpPr>
-          <p:cNvPr id="105" name="Google Shape;105;p15"/>
-          <p:cNvSpPr txBox="1">
-            <a:spLocks noGrp="1"/>
-          </p:cNvSpPr>
-          <p:nvPr>
-            <p:ph type="dt" idx="10"/>
-          </p:nvPr>
-        </p:nvSpPr>
-        <p:spPr>
-          <a:xfrm>
-            <a:off x="457200" y="6245225"/>
-            <a:ext cx="2133600" cy="476250"/>
-          </a:xfrm>
-          <a:prstGeom prst="rect">
-            <a:avLst/>
-          </a:prstGeom>
-          <a:noFill/>
-          <a:ln>
-            <a:noFill/>
-          </a:ln>
-        </p:spPr>
-        <p:txBody>
-          <a:bodyPr spcFirstLastPara="1" wrap="square" lIns="91425" tIns="45700" rIns="91425" bIns="45700" anchor="t" anchorCtr="0">
-            <a:noAutofit/>
-          </a:bodyPr>
-          <a:lstStyle/>
-          <a:p>
-            <a:pPr marL="0" lvl="0" indent="0" algn="l" rtl="0">
-              <a:spcBef>
-                <a:spcPts val="0"/>
-              </a:spcBef>
-              <a:spcAft>
-                <a:spcPts val="0"/>
-              </a:spcAft>
-              <a:buNone/>
-            </a:pPr>
-            <a:fld id="{8325990E-89A1-418C-BAD2-0015B9725131}" type="datetime1">
-              <a:rPr lang="en-US" smtClean="0"/>
-              <a:t>9/9/2022</a:t>
-            </a:fld>
-            <a:endParaRPr/>
-          </a:p>
-        </p:txBody>
-      </p:sp>
-      <p:sp>
-        <p:nvSpPr>
-          <p:cNvPr id="106" name="Google Shape;106;p15"/>
-          <p:cNvSpPr txBox="1">
-            <a:spLocks noGrp="1"/>
-          </p:cNvSpPr>
-          <p:nvPr>
-            <p:ph type="ftr" idx="11"/>
-          </p:nvPr>
-        </p:nvSpPr>
-        <p:spPr>
-          <a:xfrm>
-            <a:off x="3124200" y="6245225"/>
-            <a:ext cx="2895600" cy="476250"/>
-          </a:xfrm>
-          <a:prstGeom prst="rect">
-            <a:avLst/>
-          </a:prstGeom>
-          <a:noFill/>
-          <a:ln>
-            <a:noFill/>
-          </a:ln>
-        </p:spPr>
-        <p:txBody>
-          <a:bodyPr spcFirstLastPara="1" wrap="square" lIns="91425" tIns="45700" rIns="91425" bIns="45700" anchor="t" anchorCtr="0">
-            <a:noAutofit/>
-          </a:bodyPr>
-          <a:lstStyle/>
-          <a:p>
-            <a:pPr marL="0" lvl="0" indent="0" algn="ctr" rtl="0">
-              <a:spcBef>
-                <a:spcPts val="0"/>
-              </a:spcBef>
-              <a:spcAft>
-                <a:spcPts val="0"/>
-              </a:spcAft>
-              <a:buNone/>
-            </a:pPr>
-            <a:r>
-              <a:rPr lang="en-US"/>
-              <a:t>Ankit Velani, MBA-SIT,Tumkur</a:t>
-            </a:r>
-            <a:endParaRPr/>
-          </a:p>
-        </p:txBody>
-      </p:sp>
-      <p:sp>
-        <p:nvSpPr>
-          <p:cNvPr id="107" name="Google Shape;107;p15"/>
-          <p:cNvSpPr txBox="1">
-            <a:spLocks noGrp="1"/>
-          </p:cNvSpPr>
-          <p:nvPr>
-            <p:ph type="sldNum" idx="12"/>
-          </p:nvPr>
-        </p:nvSpPr>
-        <p:spPr>
-          <a:xfrm>
-            <a:off x="6553200" y="6245225"/>
-            <a:ext cx="2133600" cy="476250"/>
-          </a:xfrm>
-          <a:prstGeom prst="rect">
-            <a:avLst/>
-          </a:prstGeom>
-          <a:noFill/>
-          <a:ln>
-            <a:noFill/>
-          </a:ln>
-        </p:spPr>
-        <p:txBody>
-          <a:bodyPr spcFirstLastPara="1" wrap="square" lIns="91425" tIns="45700" rIns="91425" bIns="45700" anchor="t" anchorCtr="0">
-            <a:noAutofit/>
-          </a:bodyPr>
-          <a:lstStyle/>
-          <a:p>
-            <a:pPr marL="0" lvl="0" indent="0" algn="r" rtl="0">
-              <a:spcBef>
-                <a:spcPts val="0"/>
-              </a:spcBef>
-              <a:spcAft>
-                <a:spcPts val="0"/>
-              </a:spcAft>
-              <a:buNone/>
-            </a:pPr>
-            <a:fld id="{00000000-1234-1234-1234-123412341234}" type="slidenum">
-              <a:rPr lang="en-US"/>
-              <a:t>26</a:t>
-            </a:fld>
-            <a:endParaRPr dirty="0"/>
-          </a:p>
-        </p:txBody>
-      </p:sp>
-      <p:sp>
-        <p:nvSpPr>
-          <p:cNvPr id="108" name="Google Shape;108;p15"/>
-          <p:cNvSpPr txBox="1">
-            <a:spLocks noGrp="1"/>
-          </p:cNvSpPr>
-          <p:nvPr>
-            <p:ph type="title"/>
-          </p:nvPr>
-        </p:nvSpPr>
-        <p:spPr>
-          <a:xfrm>
-            <a:off x="457200" y="240771"/>
-            <a:ext cx="8229600" cy="1143000"/>
-          </a:xfrm>
-          <a:prstGeom prst="rect">
-            <a:avLst/>
-          </a:prstGeom>
-          <a:noFill/>
-          <a:ln>
-            <a:noFill/>
-          </a:ln>
-        </p:spPr>
-        <p:txBody>
-          <a:bodyPr spcFirstLastPara="1" wrap="square" lIns="91425" tIns="45700" rIns="91425" bIns="45700" anchor="ctr" anchorCtr="0">
-            <a:noAutofit/>
-          </a:bodyPr>
-          <a:lstStyle/>
-          <a:p>
-            <a:pPr algn="l"/>
-            <a:r>
-              <a:rPr lang="en-US" dirty="0"/>
-              <a:t>Working with Pandas</a:t>
-            </a:r>
-          </a:p>
-        </p:txBody>
-      </p:sp>
-      <p:sp>
-        <p:nvSpPr>
-          <p:cNvPr id="109" name="Google Shape;109;p15"/>
-          <p:cNvSpPr txBox="1">
-            <a:spLocks noGrp="1"/>
-          </p:cNvSpPr>
-          <p:nvPr>
-            <p:ph type="body" idx="1"/>
-          </p:nvPr>
-        </p:nvSpPr>
-        <p:spPr>
-          <a:xfrm>
-            <a:off x="208723" y="1417638"/>
-            <a:ext cx="8478077" cy="4525963"/>
-          </a:xfrm>
-          <a:prstGeom prst="rect">
-            <a:avLst/>
-          </a:prstGeom>
-          <a:noFill/>
-          <a:ln>
-            <a:noFill/>
-          </a:ln>
-        </p:spPr>
-        <p:txBody>
-          <a:bodyPr spcFirstLastPara="1" wrap="square" lIns="91425" tIns="45700" rIns="91425" bIns="45700" anchor="t" anchorCtr="0">
-            <a:noAutofit/>
-          </a:bodyPr>
-          <a:lstStyle/>
-          <a:p>
-            <a:pPr indent="-457200">
-              <a:spcBef>
-                <a:spcPts val="0"/>
-              </a:spcBef>
-              <a:buSzPts val="3200"/>
-            </a:pPr>
-            <a:r>
-              <a:rPr lang="en-US" sz="2600" dirty="0"/>
-              <a:t>Pandas Data Structures</a:t>
-            </a:r>
-          </a:p>
-          <a:p>
-            <a:pPr lvl="1" indent="-457200">
-              <a:spcBef>
-                <a:spcPts val="0"/>
-              </a:spcBef>
-              <a:buSzPts val="3200"/>
-            </a:pPr>
-            <a:r>
-              <a:rPr lang="en-US" sz="2600" dirty="0"/>
-              <a:t>Series</a:t>
-            </a:r>
-          </a:p>
-          <a:p>
-            <a:pPr lvl="1" indent="-457200">
-              <a:spcBef>
-                <a:spcPts val="0"/>
-              </a:spcBef>
-              <a:buSzPts val="3200"/>
-            </a:pPr>
-            <a:r>
-              <a:rPr lang="en-US" sz="2600" dirty="0"/>
-              <a:t>Data Frame</a:t>
-            </a:r>
-          </a:p>
-        </p:txBody>
-      </p:sp>
-    </p:spTree>
-    <p:extLst>
-      <p:ext uri="{BB962C8B-B14F-4D97-AF65-F5344CB8AC3E}">
-        <p14:creationId xmlns:p14="http://schemas.microsoft.com/office/powerpoint/2010/main" val="2537595148"/>
-      </p:ext>
-    </p:extLst>
-  </p:cSld>
-  <p:clrMapOvr>
-    <a:masterClrMapping/>
-  </p:clrMapOvr>
-</p:sld>
-</file>
-
-<file path=ppt/slides/slide27.xml><?xml version="1.0" encoding="utf-8"?>
-<p:sld xmlns:a="http://schemas.openxmlformats.org/drawingml/2006/main" xmlns:r="http://schemas.openxmlformats.org/officeDocument/2006/relationships" xmlns:p="http://schemas.openxmlformats.org/presentationml/2006/main">
-  <p:cSld>
-    <p:spTree>
-      <p:nvGrpSpPr>
-        <p:cNvPr id="1" name="Shape 104"/>
-        <p:cNvGrpSpPr/>
-        <p:nvPr/>
-      </p:nvGrpSpPr>
-      <p:grpSpPr>
-        <a:xfrm>
-          <a:off x="0" y="0"/>
-          <a:ext cx="0" cy="0"/>
-          <a:chOff x="0" y="0"/>
-          <a:chExt cx="0" cy="0"/>
-        </a:xfrm>
-      </p:grpSpPr>
-      <p:sp>
-        <p:nvSpPr>
-          <p:cNvPr id="105" name="Google Shape;105;p15"/>
-          <p:cNvSpPr txBox="1">
-            <a:spLocks noGrp="1"/>
-          </p:cNvSpPr>
-          <p:nvPr>
-            <p:ph type="dt" idx="10"/>
-          </p:nvPr>
-        </p:nvSpPr>
-        <p:spPr>
-          <a:xfrm>
-            <a:off x="457200" y="6245225"/>
-            <a:ext cx="2133600" cy="476250"/>
-          </a:xfrm>
-          <a:prstGeom prst="rect">
-            <a:avLst/>
-          </a:prstGeom>
-          <a:noFill/>
-          <a:ln>
-            <a:noFill/>
-          </a:ln>
-        </p:spPr>
-        <p:txBody>
-          <a:bodyPr spcFirstLastPara="1" wrap="square" lIns="91425" tIns="45700" rIns="91425" bIns="45700" anchor="t" anchorCtr="0">
-            <a:noAutofit/>
-          </a:bodyPr>
-          <a:lstStyle/>
-          <a:p>
-            <a:pPr marL="0" lvl="0" indent="0" algn="l" rtl="0">
-              <a:spcBef>
-                <a:spcPts val="0"/>
-              </a:spcBef>
-              <a:spcAft>
-                <a:spcPts val="0"/>
-              </a:spcAft>
-              <a:buNone/>
-            </a:pPr>
-            <a:fld id="{8325990E-89A1-418C-BAD2-0015B9725131}" type="datetime1">
-              <a:rPr lang="en-US" smtClean="0"/>
-              <a:t>9/9/2022</a:t>
-            </a:fld>
-            <a:endParaRPr/>
-          </a:p>
-        </p:txBody>
-      </p:sp>
-      <p:sp>
-        <p:nvSpPr>
-          <p:cNvPr id="106" name="Google Shape;106;p15"/>
-          <p:cNvSpPr txBox="1">
-            <a:spLocks noGrp="1"/>
-          </p:cNvSpPr>
-          <p:nvPr>
-            <p:ph type="ftr" idx="11"/>
-          </p:nvPr>
-        </p:nvSpPr>
-        <p:spPr>
-          <a:xfrm>
-            <a:off x="3124200" y="6245225"/>
-            <a:ext cx="2895600" cy="476250"/>
-          </a:xfrm>
-          <a:prstGeom prst="rect">
-            <a:avLst/>
-          </a:prstGeom>
-          <a:noFill/>
-          <a:ln>
-            <a:noFill/>
-          </a:ln>
-        </p:spPr>
-        <p:txBody>
-          <a:bodyPr spcFirstLastPara="1" wrap="square" lIns="91425" tIns="45700" rIns="91425" bIns="45700" anchor="t" anchorCtr="0">
-            <a:noAutofit/>
-          </a:bodyPr>
-          <a:lstStyle/>
-          <a:p>
-            <a:pPr marL="0" lvl="0" indent="0" algn="ctr" rtl="0">
-              <a:spcBef>
-                <a:spcPts val="0"/>
-              </a:spcBef>
-              <a:spcAft>
-                <a:spcPts val="0"/>
-              </a:spcAft>
-              <a:buNone/>
-            </a:pPr>
-            <a:r>
-              <a:rPr lang="en-US"/>
-              <a:t>Ankit Velani, MBA-SIT,Tumkur</a:t>
-            </a:r>
-            <a:endParaRPr/>
-          </a:p>
-        </p:txBody>
-      </p:sp>
-      <p:sp>
-        <p:nvSpPr>
-          <p:cNvPr id="107" name="Google Shape;107;p15"/>
-          <p:cNvSpPr txBox="1">
-            <a:spLocks noGrp="1"/>
-          </p:cNvSpPr>
-          <p:nvPr>
-            <p:ph type="sldNum" idx="12"/>
-          </p:nvPr>
-        </p:nvSpPr>
-        <p:spPr>
-          <a:xfrm>
-            <a:off x="6553200" y="6245225"/>
-            <a:ext cx="2133600" cy="476250"/>
-          </a:xfrm>
-          <a:prstGeom prst="rect">
-            <a:avLst/>
-          </a:prstGeom>
-          <a:noFill/>
-          <a:ln>
-            <a:noFill/>
-          </a:ln>
-        </p:spPr>
-        <p:txBody>
-          <a:bodyPr spcFirstLastPara="1" wrap="square" lIns="91425" tIns="45700" rIns="91425" bIns="45700" anchor="t" anchorCtr="0">
-            <a:noAutofit/>
-          </a:bodyPr>
-          <a:lstStyle/>
-          <a:p>
-            <a:pPr marL="0" lvl="0" indent="0" algn="r" rtl="0">
-              <a:spcBef>
-                <a:spcPts val="0"/>
-              </a:spcBef>
-              <a:spcAft>
-                <a:spcPts val="0"/>
-              </a:spcAft>
-              <a:buNone/>
-            </a:pPr>
-            <a:fld id="{00000000-1234-1234-1234-123412341234}" type="slidenum">
-              <a:rPr lang="en-US"/>
-              <a:t>27</a:t>
-            </a:fld>
-            <a:endParaRPr dirty="0"/>
-          </a:p>
-        </p:txBody>
-      </p:sp>
-      <p:sp>
-        <p:nvSpPr>
-          <p:cNvPr id="108" name="Google Shape;108;p15"/>
-          <p:cNvSpPr txBox="1">
-            <a:spLocks noGrp="1"/>
-          </p:cNvSpPr>
-          <p:nvPr>
-            <p:ph type="title"/>
-          </p:nvPr>
-        </p:nvSpPr>
-        <p:spPr>
-          <a:xfrm>
-            <a:off x="457200" y="240771"/>
-            <a:ext cx="8229600" cy="1143000"/>
-          </a:xfrm>
-          <a:prstGeom prst="rect">
-            <a:avLst/>
-          </a:prstGeom>
-          <a:noFill/>
-          <a:ln>
-            <a:noFill/>
-          </a:ln>
-        </p:spPr>
-        <p:txBody>
-          <a:bodyPr spcFirstLastPara="1" wrap="square" lIns="91425" tIns="45700" rIns="91425" bIns="45700" anchor="ctr" anchorCtr="0">
-            <a:noAutofit/>
-          </a:bodyPr>
-          <a:lstStyle/>
-          <a:p>
-            <a:pPr algn="l"/>
-            <a:r>
-              <a:rPr lang="en-US" dirty="0"/>
-              <a:t>Working with Pandas</a:t>
-            </a:r>
-          </a:p>
-        </p:txBody>
-      </p:sp>
-      <p:sp>
-        <p:nvSpPr>
-          <p:cNvPr id="109" name="Google Shape;109;p15"/>
-          <p:cNvSpPr txBox="1">
-            <a:spLocks noGrp="1"/>
-          </p:cNvSpPr>
-          <p:nvPr>
-            <p:ph type="body" idx="1"/>
-          </p:nvPr>
-        </p:nvSpPr>
-        <p:spPr>
-          <a:xfrm>
-            <a:off x="208723" y="1417638"/>
-            <a:ext cx="8478077" cy="4525963"/>
-          </a:xfrm>
-          <a:prstGeom prst="rect">
-            <a:avLst/>
-          </a:prstGeom>
-          <a:noFill/>
-          <a:ln>
-            <a:noFill/>
-          </a:ln>
-        </p:spPr>
-        <p:txBody>
-          <a:bodyPr spcFirstLastPara="1" wrap="square" lIns="91425" tIns="45700" rIns="91425" bIns="45700" anchor="t" anchorCtr="0">
-            <a:noAutofit/>
-          </a:bodyPr>
-          <a:lstStyle/>
-          <a:p>
-            <a:pPr indent="-457200">
-              <a:spcBef>
-                <a:spcPts val="0"/>
-              </a:spcBef>
-              <a:buSzPts val="3200"/>
-            </a:pPr>
-            <a:r>
-              <a:rPr lang="en-US" sz="2600" dirty="0"/>
-              <a:t>Pandas Data Structures</a:t>
-            </a:r>
-          </a:p>
-          <a:p>
-            <a:pPr lvl="1" indent="-457200">
-              <a:spcBef>
-                <a:spcPts val="0"/>
-              </a:spcBef>
-              <a:buSzPts val="3200"/>
-            </a:pPr>
-            <a:r>
-              <a:rPr lang="en-US" sz="2600" dirty="0"/>
-              <a:t>Series</a:t>
-            </a:r>
-          </a:p>
-          <a:p>
-            <a:pPr lvl="1" indent="-457200">
-              <a:spcBef>
-                <a:spcPts val="0"/>
-              </a:spcBef>
-              <a:buSzPts val="3200"/>
-            </a:pPr>
-            <a:r>
-              <a:rPr lang="en-US" sz="2600" dirty="0"/>
-              <a:t>Data Frame</a:t>
-            </a:r>
-          </a:p>
-        </p:txBody>
-      </p:sp>
-    </p:spTree>
-    <p:extLst>
-      <p:ext uri="{BB962C8B-B14F-4D97-AF65-F5344CB8AC3E}">
-        <p14:creationId xmlns:p14="http://schemas.microsoft.com/office/powerpoint/2010/main" val="1714319504"/>
-      </p:ext>
-    </p:extLst>
-  </p:cSld>
-  <p:clrMapOvr>
-    <a:masterClrMapping/>
-  </p:clrMapOvr>
-</p:sld>
-</file>
-
-<file path=ppt/slides/slide28.xml><?xml version="1.0" encoding="utf-8"?>
-<p:sld xmlns:a="http://schemas.openxmlformats.org/drawingml/2006/main" xmlns:r="http://schemas.openxmlformats.org/officeDocument/2006/relationships" xmlns:p="http://schemas.openxmlformats.org/presentationml/2006/main">
-  <p:cSld>
-    <p:spTree>
-      <p:nvGrpSpPr>
-        <p:cNvPr id="1" name="Shape 104"/>
-        <p:cNvGrpSpPr/>
-        <p:nvPr/>
-      </p:nvGrpSpPr>
-      <p:grpSpPr>
-        <a:xfrm>
-          <a:off x="0" y="0"/>
-          <a:ext cx="0" cy="0"/>
-          <a:chOff x="0" y="0"/>
-          <a:chExt cx="0" cy="0"/>
-        </a:xfrm>
-      </p:grpSpPr>
-      <p:sp>
-        <p:nvSpPr>
-          <p:cNvPr id="105" name="Google Shape;105;p15"/>
-          <p:cNvSpPr txBox="1">
-            <a:spLocks noGrp="1"/>
-          </p:cNvSpPr>
-          <p:nvPr>
-            <p:ph type="dt" idx="10"/>
-          </p:nvPr>
-        </p:nvSpPr>
-        <p:spPr>
-          <a:xfrm>
-            <a:off x="457200" y="6245225"/>
-            <a:ext cx="2133600" cy="476250"/>
-          </a:xfrm>
-          <a:prstGeom prst="rect">
-            <a:avLst/>
-          </a:prstGeom>
-          <a:noFill/>
-          <a:ln>
-            <a:noFill/>
-          </a:ln>
-        </p:spPr>
-        <p:txBody>
-          <a:bodyPr spcFirstLastPara="1" wrap="square" lIns="91425" tIns="45700" rIns="91425" bIns="45700" anchor="t" anchorCtr="0">
-            <a:noAutofit/>
-          </a:bodyPr>
-          <a:lstStyle/>
-          <a:p>
-            <a:pPr marL="0" lvl="0" indent="0" algn="l" rtl="0">
-              <a:spcBef>
-                <a:spcPts val="0"/>
-              </a:spcBef>
-              <a:spcAft>
-                <a:spcPts val="0"/>
-              </a:spcAft>
-              <a:buNone/>
-            </a:pPr>
-            <a:fld id="{8325990E-89A1-418C-BAD2-0015B9725131}" type="datetime1">
-              <a:rPr lang="en-US" smtClean="0"/>
-              <a:t>9/9/2022</a:t>
-            </a:fld>
-            <a:endParaRPr/>
-          </a:p>
-        </p:txBody>
-      </p:sp>
-      <p:sp>
-        <p:nvSpPr>
-          <p:cNvPr id="106" name="Google Shape;106;p15"/>
-          <p:cNvSpPr txBox="1">
-            <a:spLocks noGrp="1"/>
-          </p:cNvSpPr>
-          <p:nvPr>
-            <p:ph type="ftr" idx="11"/>
-          </p:nvPr>
-        </p:nvSpPr>
-        <p:spPr>
-          <a:xfrm>
-            <a:off x="3124200" y="6245225"/>
-            <a:ext cx="2895600" cy="476250"/>
-          </a:xfrm>
-          <a:prstGeom prst="rect">
-            <a:avLst/>
-          </a:prstGeom>
-          <a:noFill/>
-          <a:ln>
-            <a:noFill/>
-          </a:ln>
-        </p:spPr>
-        <p:txBody>
-          <a:bodyPr spcFirstLastPara="1" wrap="square" lIns="91425" tIns="45700" rIns="91425" bIns="45700" anchor="t" anchorCtr="0">
-            <a:noAutofit/>
-          </a:bodyPr>
-          <a:lstStyle/>
-          <a:p>
-            <a:pPr marL="0" lvl="0" indent="0" algn="ctr" rtl="0">
-              <a:spcBef>
-                <a:spcPts val="0"/>
-              </a:spcBef>
-              <a:spcAft>
-                <a:spcPts val="0"/>
-              </a:spcAft>
-              <a:buNone/>
-            </a:pPr>
-            <a:r>
-              <a:rPr lang="en-US"/>
-              <a:t>Ankit Velani, MBA-SIT,Tumkur</a:t>
-            </a:r>
-            <a:endParaRPr/>
-          </a:p>
-        </p:txBody>
-      </p:sp>
-      <p:sp>
-        <p:nvSpPr>
-          <p:cNvPr id="107" name="Google Shape;107;p15"/>
-          <p:cNvSpPr txBox="1">
-            <a:spLocks noGrp="1"/>
-          </p:cNvSpPr>
-          <p:nvPr>
-            <p:ph type="sldNum" idx="12"/>
-          </p:nvPr>
-        </p:nvSpPr>
-        <p:spPr>
-          <a:xfrm>
-            <a:off x="6553200" y="6245225"/>
-            <a:ext cx="2133600" cy="476250"/>
-          </a:xfrm>
-          <a:prstGeom prst="rect">
-            <a:avLst/>
-          </a:prstGeom>
-          <a:noFill/>
-          <a:ln>
-            <a:noFill/>
-          </a:ln>
-        </p:spPr>
-        <p:txBody>
-          <a:bodyPr spcFirstLastPara="1" wrap="square" lIns="91425" tIns="45700" rIns="91425" bIns="45700" anchor="t" anchorCtr="0">
-            <a:noAutofit/>
-          </a:bodyPr>
-          <a:lstStyle/>
-          <a:p>
-            <a:pPr marL="0" lvl="0" indent="0" algn="r" rtl="0">
-              <a:spcBef>
-                <a:spcPts val="0"/>
-              </a:spcBef>
-              <a:spcAft>
-                <a:spcPts val="0"/>
-              </a:spcAft>
-              <a:buNone/>
-            </a:pPr>
-            <a:fld id="{00000000-1234-1234-1234-123412341234}" type="slidenum">
-              <a:rPr lang="en-US"/>
-              <a:t>28</a:t>
-            </a:fld>
-            <a:endParaRPr dirty="0"/>
-          </a:p>
-        </p:txBody>
-      </p:sp>
-      <p:sp>
-        <p:nvSpPr>
-          <p:cNvPr id="108" name="Google Shape;108;p15"/>
-          <p:cNvSpPr txBox="1">
-            <a:spLocks noGrp="1"/>
-          </p:cNvSpPr>
-          <p:nvPr>
-            <p:ph type="title"/>
-          </p:nvPr>
-        </p:nvSpPr>
-        <p:spPr>
-          <a:xfrm>
-            <a:off x="457200" y="240771"/>
-            <a:ext cx="8229600" cy="1143000"/>
-          </a:xfrm>
-          <a:prstGeom prst="rect">
-            <a:avLst/>
-          </a:prstGeom>
-          <a:noFill/>
-          <a:ln>
-            <a:noFill/>
-          </a:ln>
-        </p:spPr>
-        <p:txBody>
-          <a:bodyPr spcFirstLastPara="1" wrap="square" lIns="91425" tIns="45700" rIns="91425" bIns="45700" anchor="ctr" anchorCtr="0">
-            <a:noAutofit/>
-          </a:bodyPr>
-          <a:lstStyle/>
-          <a:p>
-            <a:pPr algn="l"/>
-            <a:r>
-              <a:rPr lang="en-US" sz="4400" dirty="0"/>
-              <a:t>Series</a:t>
-            </a:r>
-            <a:endParaRPr lang="en-US" dirty="0"/>
-          </a:p>
-        </p:txBody>
-      </p:sp>
-      <p:sp>
-        <p:nvSpPr>
-          <p:cNvPr id="109" name="Google Shape;109;p15"/>
-          <p:cNvSpPr txBox="1">
-            <a:spLocks noGrp="1"/>
-          </p:cNvSpPr>
-          <p:nvPr>
-            <p:ph type="body" idx="1"/>
-          </p:nvPr>
-        </p:nvSpPr>
-        <p:spPr>
-          <a:xfrm>
-            <a:off x="208723" y="1417638"/>
-            <a:ext cx="8478077" cy="4525963"/>
-          </a:xfrm>
-          <a:prstGeom prst="rect">
-            <a:avLst/>
-          </a:prstGeom>
-          <a:noFill/>
-          <a:ln>
-            <a:noFill/>
-          </a:ln>
-        </p:spPr>
-        <p:txBody>
-          <a:bodyPr spcFirstLastPara="1" wrap="square" lIns="91425" tIns="45700" rIns="91425" bIns="45700" anchor="t" anchorCtr="0">
-            <a:noAutofit/>
-          </a:bodyPr>
-          <a:lstStyle/>
-          <a:p>
-            <a:pPr indent="-457200">
-              <a:spcBef>
-                <a:spcPts val="0"/>
-              </a:spcBef>
-              <a:buSzPts val="3200"/>
-            </a:pPr>
-            <a:r>
-              <a:rPr lang="en-US" sz="2600" dirty="0"/>
-              <a:t>Pandas Data Structures</a:t>
-            </a:r>
-          </a:p>
-          <a:p>
-            <a:pPr lvl="1" indent="-457200">
-              <a:spcBef>
-                <a:spcPts val="0"/>
-              </a:spcBef>
-              <a:buSzPts val="3200"/>
-            </a:pPr>
-            <a:r>
-              <a:rPr lang="en-US" sz="2600" dirty="0"/>
-              <a:t>Series</a:t>
-            </a:r>
-          </a:p>
-          <a:p>
-            <a:pPr lvl="1" indent="-457200">
-              <a:spcBef>
-                <a:spcPts val="0"/>
-              </a:spcBef>
-              <a:buSzPts val="3200"/>
-            </a:pPr>
-            <a:r>
-              <a:rPr lang="en-US" sz="2600" dirty="0"/>
-              <a:t>Data Frame</a:t>
-            </a:r>
-          </a:p>
-        </p:txBody>
-      </p:sp>
-    </p:spTree>
-    <p:extLst>
-      <p:ext uri="{BB962C8B-B14F-4D97-AF65-F5344CB8AC3E}">
-        <p14:creationId xmlns:p14="http://schemas.microsoft.com/office/powerpoint/2010/main" val="3340506046"/>
-      </p:ext>
-    </p:extLst>
-  </p:cSld>
-  <p:clrMapOvr>
-    <a:masterClrMapping/>
-  </p:clrMapOvr>
-</p:sld>
-</file>
-
-<file path=ppt/slides/slide29.xml><?xml version="1.0" encoding="utf-8"?>
-<p:sld xmlns:a="http://schemas.openxmlformats.org/drawingml/2006/main" xmlns:r="http://schemas.openxmlformats.org/officeDocument/2006/relationships" xmlns:p="http://schemas.openxmlformats.org/presentationml/2006/main">
-  <p:cSld>
-    <p:spTree>
-      <p:nvGrpSpPr>
-        <p:cNvPr id="1" name="Shape 104"/>
-        <p:cNvGrpSpPr/>
-        <p:nvPr/>
-      </p:nvGrpSpPr>
-      <p:grpSpPr>
-        <a:xfrm>
-          <a:off x="0" y="0"/>
-          <a:ext cx="0" cy="0"/>
-          <a:chOff x="0" y="0"/>
-          <a:chExt cx="0" cy="0"/>
-        </a:xfrm>
-      </p:grpSpPr>
-      <p:sp>
-        <p:nvSpPr>
-          <p:cNvPr id="105" name="Google Shape;105;p15"/>
-          <p:cNvSpPr txBox="1">
-            <a:spLocks noGrp="1"/>
-          </p:cNvSpPr>
-          <p:nvPr>
-            <p:ph type="dt" idx="10"/>
-          </p:nvPr>
-        </p:nvSpPr>
-        <p:spPr>
-          <a:xfrm>
-            <a:off x="457200" y="6245225"/>
-            <a:ext cx="2133600" cy="476250"/>
-          </a:xfrm>
-          <a:prstGeom prst="rect">
-            <a:avLst/>
-          </a:prstGeom>
-          <a:noFill/>
-          <a:ln>
-            <a:noFill/>
-          </a:ln>
-        </p:spPr>
-        <p:txBody>
-          <a:bodyPr spcFirstLastPara="1" wrap="square" lIns="91425" tIns="45700" rIns="91425" bIns="45700" anchor="t" anchorCtr="0">
-            <a:noAutofit/>
-          </a:bodyPr>
-          <a:lstStyle/>
-          <a:p>
-            <a:pPr marL="0" lvl="0" indent="0" algn="l" rtl="0">
-              <a:spcBef>
-                <a:spcPts val="0"/>
-              </a:spcBef>
-              <a:spcAft>
-                <a:spcPts val="0"/>
-              </a:spcAft>
-              <a:buNone/>
-            </a:pPr>
-            <a:fld id="{8325990E-89A1-418C-BAD2-0015B9725131}" type="datetime1">
-              <a:rPr lang="en-US" smtClean="0"/>
-              <a:t>9/9/2022</a:t>
-            </a:fld>
-            <a:endParaRPr/>
-          </a:p>
-        </p:txBody>
-      </p:sp>
-      <p:sp>
-        <p:nvSpPr>
-          <p:cNvPr id="106" name="Google Shape;106;p15"/>
-          <p:cNvSpPr txBox="1">
-            <a:spLocks noGrp="1"/>
-          </p:cNvSpPr>
-          <p:nvPr>
-            <p:ph type="ftr" idx="11"/>
-          </p:nvPr>
-        </p:nvSpPr>
-        <p:spPr>
-          <a:xfrm>
-            <a:off x="3124200" y="6245225"/>
-            <a:ext cx="2895600" cy="476250"/>
-          </a:xfrm>
-          <a:prstGeom prst="rect">
-            <a:avLst/>
-          </a:prstGeom>
-          <a:noFill/>
-          <a:ln>
-            <a:noFill/>
-          </a:ln>
-        </p:spPr>
-        <p:txBody>
-          <a:bodyPr spcFirstLastPara="1" wrap="square" lIns="91425" tIns="45700" rIns="91425" bIns="45700" anchor="t" anchorCtr="0">
-            <a:noAutofit/>
-          </a:bodyPr>
-          <a:lstStyle/>
-          <a:p>
-            <a:pPr marL="0" lvl="0" indent="0" algn="ctr" rtl="0">
-              <a:spcBef>
-                <a:spcPts val="0"/>
-              </a:spcBef>
-              <a:spcAft>
-                <a:spcPts val="0"/>
-              </a:spcAft>
-              <a:buNone/>
-            </a:pPr>
-            <a:r>
-              <a:rPr lang="en-US"/>
-              <a:t>Ankit Velani, MBA-SIT,Tumkur</a:t>
-            </a:r>
-            <a:endParaRPr/>
-          </a:p>
-        </p:txBody>
-      </p:sp>
-      <p:sp>
-        <p:nvSpPr>
-          <p:cNvPr id="107" name="Google Shape;107;p15"/>
-          <p:cNvSpPr txBox="1">
-            <a:spLocks noGrp="1"/>
-          </p:cNvSpPr>
-          <p:nvPr>
-            <p:ph type="sldNum" idx="12"/>
-          </p:nvPr>
-        </p:nvSpPr>
-        <p:spPr>
-          <a:xfrm>
-            <a:off x="6553200" y="6245225"/>
-            <a:ext cx="2133600" cy="476250"/>
-          </a:xfrm>
-          <a:prstGeom prst="rect">
-            <a:avLst/>
-          </a:prstGeom>
-          <a:noFill/>
-          <a:ln>
-            <a:noFill/>
-          </a:ln>
-        </p:spPr>
-        <p:txBody>
-          <a:bodyPr spcFirstLastPara="1" wrap="square" lIns="91425" tIns="45700" rIns="91425" bIns="45700" anchor="t" anchorCtr="0">
-            <a:noAutofit/>
-          </a:bodyPr>
-          <a:lstStyle/>
-          <a:p>
-            <a:pPr marL="0" lvl="0" indent="0" algn="r" rtl="0">
-              <a:spcBef>
-                <a:spcPts val="0"/>
-              </a:spcBef>
-              <a:spcAft>
-                <a:spcPts val="0"/>
-              </a:spcAft>
-              <a:buNone/>
-            </a:pPr>
-            <a:fld id="{00000000-1234-1234-1234-123412341234}" type="slidenum">
-              <a:rPr lang="en-US"/>
-              <a:t>29</a:t>
-            </a:fld>
-            <a:endParaRPr dirty="0"/>
-          </a:p>
-        </p:txBody>
-      </p:sp>
-      <p:sp>
-        <p:nvSpPr>
-          <p:cNvPr id="108" name="Google Shape;108;p15"/>
-          <p:cNvSpPr txBox="1">
-            <a:spLocks noGrp="1"/>
-          </p:cNvSpPr>
-          <p:nvPr>
-            <p:ph type="title"/>
-          </p:nvPr>
-        </p:nvSpPr>
-        <p:spPr>
-          <a:xfrm>
-            <a:off x="457200" y="240771"/>
-            <a:ext cx="8229600" cy="1143000"/>
-          </a:xfrm>
-          <a:prstGeom prst="rect">
-            <a:avLst/>
-          </a:prstGeom>
-          <a:noFill/>
-          <a:ln>
-            <a:noFill/>
-          </a:ln>
-        </p:spPr>
-        <p:txBody>
-          <a:bodyPr spcFirstLastPara="1" wrap="square" lIns="91425" tIns="45700" rIns="91425" bIns="45700" anchor="ctr" anchorCtr="0">
-            <a:noAutofit/>
-          </a:bodyPr>
-          <a:lstStyle/>
-          <a:p>
-            <a:pPr algn="l"/>
-            <a:r>
-              <a:rPr lang="en-US" sz="4400" dirty="0"/>
-              <a:t>Working with Series</a:t>
-            </a:r>
-            <a:endParaRPr lang="en-US" dirty="0"/>
-          </a:p>
-        </p:txBody>
-      </p:sp>
-      <p:sp>
-        <p:nvSpPr>
-          <p:cNvPr id="109" name="Google Shape;109;p15"/>
-          <p:cNvSpPr txBox="1">
-            <a:spLocks noGrp="1"/>
-          </p:cNvSpPr>
-          <p:nvPr>
-            <p:ph type="body" idx="1"/>
-          </p:nvPr>
-        </p:nvSpPr>
-        <p:spPr>
-          <a:xfrm>
-            <a:off x="208723" y="1417638"/>
-            <a:ext cx="8478077" cy="4525963"/>
-          </a:xfrm>
-          <a:prstGeom prst="rect">
-            <a:avLst/>
-          </a:prstGeom>
-          <a:noFill/>
-          <a:ln>
-            <a:noFill/>
-          </a:ln>
-        </p:spPr>
-        <p:txBody>
-          <a:bodyPr spcFirstLastPara="1" wrap="square" lIns="91425" tIns="45700" rIns="91425" bIns="45700" anchor="t" anchorCtr="0">
-            <a:noAutofit/>
-          </a:bodyPr>
-          <a:lstStyle/>
-          <a:p>
-            <a:pPr indent="-457200">
-              <a:spcBef>
-                <a:spcPts val="0"/>
-              </a:spcBef>
-              <a:buSzPts val="3200"/>
-            </a:pPr>
-            <a:r>
-              <a:rPr lang="en-US" sz="2600" dirty="0"/>
-              <a:t>Pandas Data Structures</a:t>
-            </a:r>
-          </a:p>
-          <a:p>
-            <a:pPr lvl="1" indent="-457200">
-              <a:spcBef>
-                <a:spcPts val="0"/>
-              </a:spcBef>
-              <a:buSzPts val="3200"/>
-            </a:pPr>
-            <a:r>
-              <a:rPr lang="en-US" sz="2600" dirty="0"/>
-              <a:t>Series</a:t>
-            </a:r>
-          </a:p>
-          <a:p>
-            <a:pPr lvl="1" indent="-457200">
-              <a:spcBef>
-                <a:spcPts val="0"/>
-              </a:spcBef>
-              <a:buSzPts val="3200"/>
-            </a:pPr>
-            <a:r>
-              <a:rPr lang="en-US" sz="2600" dirty="0"/>
-              <a:t>Data Frame</a:t>
-            </a:r>
-          </a:p>
-        </p:txBody>
-      </p:sp>
-    </p:spTree>
-    <p:extLst>
-      <p:ext uri="{BB962C8B-B14F-4D97-AF65-F5344CB8AC3E}">
-        <p14:creationId xmlns:p14="http://schemas.microsoft.com/office/powerpoint/2010/main" val="3367843845"/>
+        <p14:creationId xmlns:p14="http://schemas.microsoft.com/office/powerpoint/2010/main" val="2438622846"/>
       </p:ext>
     </p:extLst>
   </p:cSld>
@@ -26857,7 +23635,7 @@
             </a:pPr>
             <a:fld id="{8325990E-89A1-418C-BAD2-0015B9725131}" type="datetime1">
               <a:rPr lang="en-US" smtClean="0"/>
-              <a:t>9/9/2022</a:t>
+              <a:t>9/9/22</a:t>
             </a:fld>
             <a:endParaRPr/>
           </a:p>
@@ -27036,6 +23814,15 @@
               </a:spcBef>
               <a:buSzPts val="3200"/>
             </a:pPr>
+            <a:endParaRPr lang="en-US" sz="2800" dirty="0"/>
+          </a:p>
+          <a:p>
+            <a:pPr indent="-457200">
+              <a:spcBef>
+                <a:spcPts val="0"/>
+              </a:spcBef>
+              <a:buSzPts val="3200"/>
+            </a:pPr>
             <a:r>
               <a:rPr lang="en-US" sz="2800" dirty="0"/>
               <a:t>Python is a general-purpose interpreted, interactive, object-oriented, and high-level programming language </a:t>
@@ -27074,550 +23861,6 @@
         </p:txBody>
       </p:sp>
     </p:spTree>
-  </p:cSld>
-  <p:clrMapOvr>
-    <a:masterClrMapping/>
-  </p:clrMapOvr>
-</p:sld>
-</file>
-
-<file path=ppt/slides/slide30.xml><?xml version="1.0" encoding="utf-8"?>
-<p:sld xmlns:a="http://schemas.openxmlformats.org/drawingml/2006/main" xmlns:r="http://schemas.openxmlformats.org/officeDocument/2006/relationships" xmlns:p="http://schemas.openxmlformats.org/presentationml/2006/main">
-  <p:cSld>
-    <p:spTree>
-      <p:nvGrpSpPr>
-        <p:cNvPr id="1" name="Shape 104"/>
-        <p:cNvGrpSpPr/>
-        <p:nvPr/>
-      </p:nvGrpSpPr>
-      <p:grpSpPr>
-        <a:xfrm>
-          <a:off x="0" y="0"/>
-          <a:ext cx="0" cy="0"/>
-          <a:chOff x="0" y="0"/>
-          <a:chExt cx="0" cy="0"/>
-        </a:xfrm>
-      </p:grpSpPr>
-      <p:sp>
-        <p:nvSpPr>
-          <p:cNvPr id="105" name="Google Shape;105;p15"/>
-          <p:cNvSpPr txBox="1">
-            <a:spLocks noGrp="1"/>
-          </p:cNvSpPr>
-          <p:nvPr>
-            <p:ph type="dt" idx="10"/>
-          </p:nvPr>
-        </p:nvSpPr>
-        <p:spPr>
-          <a:xfrm>
-            <a:off x="457200" y="6245225"/>
-            <a:ext cx="2133600" cy="476250"/>
-          </a:xfrm>
-          <a:prstGeom prst="rect">
-            <a:avLst/>
-          </a:prstGeom>
-          <a:noFill/>
-          <a:ln>
-            <a:noFill/>
-          </a:ln>
-        </p:spPr>
-        <p:txBody>
-          <a:bodyPr spcFirstLastPara="1" wrap="square" lIns="91425" tIns="45700" rIns="91425" bIns="45700" anchor="t" anchorCtr="0">
-            <a:noAutofit/>
-          </a:bodyPr>
-          <a:lstStyle/>
-          <a:p>
-            <a:pPr marL="0" lvl="0" indent="0" algn="l" rtl="0">
-              <a:spcBef>
-                <a:spcPts val="0"/>
-              </a:spcBef>
-              <a:spcAft>
-                <a:spcPts val="0"/>
-              </a:spcAft>
-              <a:buNone/>
-            </a:pPr>
-            <a:fld id="{8325990E-89A1-418C-BAD2-0015B9725131}" type="datetime1">
-              <a:rPr lang="en-US" smtClean="0"/>
-              <a:t>9/9/2022</a:t>
-            </a:fld>
-            <a:endParaRPr/>
-          </a:p>
-        </p:txBody>
-      </p:sp>
-      <p:sp>
-        <p:nvSpPr>
-          <p:cNvPr id="106" name="Google Shape;106;p15"/>
-          <p:cNvSpPr txBox="1">
-            <a:spLocks noGrp="1"/>
-          </p:cNvSpPr>
-          <p:nvPr>
-            <p:ph type="ftr" idx="11"/>
-          </p:nvPr>
-        </p:nvSpPr>
-        <p:spPr>
-          <a:xfrm>
-            <a:off x="3124200" y="6245225"/>
-            <a:ext cx="2895600" cy="476250"/>
-          </a:xfrm>
-          <a:prstGeom prst="rect">
-            <a:avLst/>
-          </a:prstGeom>
-          <a:noFill/>
-          <a:ln>
-            <a:noFill/>
-          </a:ln>
-        </p:spPr>
-        <p:txBody>
-          <a:bodyPr spcFirstLastPara="1" wrap="square" lIns="91425" tIns="45700" rIns="91425" bIns="45700" anchor="t" anchorCtr="0">
-            <a:noAutofit/>
-          </a:bodyPr>
-          <a:lstStyle/>
-          <a:p>
-            <a:pPr marL="0" lvl="0" indent="0" algn="ctr" rtl="0">
-              <a:spcBef>
-                <a:spcPts val="0"/>
-              </a:spcBef>
-              <a:spcAft>
-                <a:spcPts val="0"/>
-              </a:spcAft>
-              <a:buNone/>
-            </a:pPr>
-            <a:r>
-              <a:rPr lang="en-US"/>
-              <a:t>Ankit Velani, MBA-SIT,Tumkur</a:t>
-            </a:r>
-            <a:endParaRPr/>
-          </a:p>
-        </p:txBody>
-      </p:sp>
-      <p:sp>
-        <p:nvSpPr>
-          <p:cNvPr id="107" name="Google Shape;107;p15"/>
-          <p:cNvSpPr txBox="1">
-            <a:spLocks noGrp="1"/>
-          </p:cNvSpPr>
-          <p:nvPr>
-            <p:ph type="sldNum" idx="12"/>
-          </p:nvPr>
-        </p:nvSpPr>
-        <p:spPr>
-          <a:xfrm>
-            <a:off x="6553200" y="6245225"/>
-            <a:ext cx="2133600" cy="476250"/>
-          </a:xfrm>
-          <a:prstGeom prst="rect">
-            <a:avLst/>
-          </a:prstGeom>
-          <a:noFill/>
-          <a:ln>
-            <a:noFill/>
-          </a:ln>
-        </p:spPr>
-        <p:txBody>
-          <a:bodyPr spcFirstLastPara="1" wrap="square" lIns="91425" tIns="45700" rIns="91425" bIns="45700" anchor="t" anchorCtr="0">
-            <a:noAutofit/>
-          </a:bodyPr>
-          <a:lstStyle/>
-          <a:p>
-            <a:pPr marL="0" lvl="0" indent="0" algn="r" rtl="0">
-              <a:spcBef>
-                <a:spcPts val="0"/>
-              </a:spcBef>
-              <a:spcAft>
-                <a:spcPts val="0"/>
-              </a:spcAft>
-              <a:buNone/>
-            </a:pPr>
-            <a:fld id="{00000000-1234-1234-1234-123412341234}" type="slidenum">
-              <a:rPr lang="en-US"/>
-              <a:t>30</a:t>
-            </a:fld>
-            <a:endParaRPr dirty="0"/>
-          </a:p>
-        </p:txBody>
-      </p:sp>
-      <p:sp>
-        <p:nvSpPr>
-          <p:cNvPr id="108" name="Google Shape;108;p15"/>
-          <p:cNvSpPr txBox="1">
-            <a:spLocks noGrp="1"/>
-          </p:cNvSpPr>
-          <p:nvPr>
-            <p:ph type="title"/>
-          </p:nvPr>
-        </p:nvSpPr>
-        <p:spPr>
-          <a:xfrm>
-            <a:off x="457200" y="240771"/>
-            <a:ext cx="8229600" cy="1143000"/>
-          </a:xfrm>
-          <a:prstGeom prst="rect">
-            <a:avLst/>
-          </a:prstGeom>
-          <a:noFill/>
-          <a:ln>
-            <a:noFill/>
-          </a:ln>
-        </p:spPr>
-        <p:txBody>
-          <a:bodyPr spcFirstLastPara="1" wrap="square" lIns="91425" tIns="45700" rIns="91425" bIns="45700" anchor="ctr" anchorCtr="0">
-            <a:noAutofit/>
-          </a:bodyPr>
-          <a:lstStyle/>
-          <a:p>
-            <a:pPr algn="l"/>
-            <a:r>
-              <a:rPr lang="en-US" sz="4400" dirty="0"/>
-              <a:t>Data Frame</a:t>
-            </a:r>
-            <a:endParaRPr lang="en-US" dirty="0"/>
-          </a:p>
-        </p:txBody>
-      </p:sp>
-      <p:sp>
-        <p:nvSpPr>
-          <p:cNvPr id="109" name="Google Shape;109;p15"/>
-          <p:cNvSpPr txBox="1">
-            <a:spLocks noGrp="1"/>
-          </p:cNvSpPr>
-          <p:nvPr>
-            <p:ph type="body" idx="1"/>
-          </p:nvPr>
-        </p:nvSpPr>
-        <p:spPr>
-          <a:xfrm>
-            <a:off x="208723" y="1417638"/>
-            <a:ext cx="8478077" cy="4525963"/>
-          </a:xfrm>
-          <a:prstGeom prst="rect">
-            <a:avLst/>
-          </a:prstGeom>
-          <a:noFill/>
-          <a:ln>
-            <a:noFill/>
-          </a:ln>
-        </p:spPr>
-        <p:txBody>
-          <a:bodyPr spcFirstLastPara="1" wrap="square" lIns="91425" tIns="45700" rIns="91425" bIns="45700" anchor="t" anchorCtr="0">
-            <a:noAutofit/>
-          </a:bodyPr>
-          <a:lstStyle/>
-          <a:p>
-            <a:pPr indent="-457200">
-              <a:spcBef>
-                <a:spcPts val="0"/>
-              </a:spcBef>
-              <a:buSzPts val="3200"/>
-            </a:pPr>
-            <a:r>
-              <a:rPr lang="en-US" sz="2600" dirty="0"/>
-              <a:t>Pandas Data Structures</a:t>
-            </a:r>
-          </a:p>
-          <a:p>
-            <a:pPr lvl="1" indent="-457200">
-              <a:spcBef>
-                <a:spcPts val="0"/>
-              </a:spcBef>
-              <a:buSzPts val="3200"/>
-            </a:pPr>
-            <a:r>
-              <a:rPr lang="en-US" sz="2600" dirty="0"/>
-              <a:t>Series</a:t>
-            </a:r>
-          </a:p>
-          <a:p>
-            <a:pPr lvl="1" indent="-457200">
-              <a:spcBef>
-                <a:spcPts val="0"/>
-              </a:spcBef>
-              <a:buSzPts val="3200"/>
-            </a:pPr>
-            <a:r>
-              <a:rPr lang="en-US" sz="2600" dirty="0"/>
-              <a:t>Data Frame</a:t>
-            </a:r>
-          </a:p>
-        </p:txBody>
-      </p:sp>
-    </p:spTree>
-    <p:extLst>
-      <p:ext uri="{BB962C8B-B14F-4D97-AF65-F5344CB8AC3E}">
-        <p14:creationId xmlns:p14="http://schemas.microsoft.com/office/powerpoint/2010/main" val="115505484"/>
-      </p:ext>
-    </p:extLst>
-  </p:cSld>
-  <p:clrMapOvr>
-    <a:masterClrMapping/>
-  </p:clrMapOvr>
-</p:sld>
-</file>
-
-<file path=ppt/slides/slide31.xml><?xml version="1.0" encoding="utf-8"?>
-<p:sld xmlns:a="http://schemas.openxmlformats.org/drawingml/2006/main" xmlns:r="http://schemas.openxmlformats.org/officeDocument/2006/relationships" xmlns:p="http://schemas.openxmlformats.org/presentationml/2006/main">
-  <p:cSld>
-    <p:spTree>
-      <p:nvGrpSpPr>
-        <p:cNvPr id="1" name="Shape 104"/>
-        <p:cNvGrpSpPr/>
-        <p:nvPr/>
-      </p:nvGrpSpPr>
-      <p:grpSpPr>
-        <a:xfrm>
-          <a:off x="0" y="0"/>
-          <a:ext cx="0" cy="0"/>
-          <a:chOff x="0" y="0"/>
-          <a:chExt cx="0" cy="0"/>
-        </a:xfrm>
-      </p:grpSpPr>
-      <p:sp>
-        <p:nvSpPr>
-          <p:cNvPr id="105" name="Google Shape;105;p15"/>
-          <p:cNvSpPr txBox="1">
-            <a:spLocks noGrp="1"/>
-          </p:cNvSpPr>
-          <p:nvPr>
-            <p:ph type="dt" idx="10"/>
-          </p:nvPr>
-        </p:nvSpPr>
-        <p:spPr>
-          <a:xfrm>
-            <a:off x="457200" y="6245225"/>
-            <a:ext cx="2133600" cy="476250"/>
-          </a:xfrm>
-          <a:prstGeom prst="rect">
-            <a:avLst/>
-          </a:prstGeom>
-          <a:noFill/>
-          <a:ln>
-            <a:noFill/>
-          </a:ln>
-        </p:spPr>
-        <p:txBody>
-          <a:bodyPr spcFirstLastPara="1" wrap="square" lIns="91425" tIns="45700" rIns="91425" bIns="45700" anchor="t" anchorCtr="0">
-            <a:noAutofit/>
-          </a:bodyPr>
-          <a:lstStyle/>
-          <a:p>
-            <a:pPr marL="0" lvl="0" indent="0" algn="l" rtl="0">
-              <a:spcBef>
-                <a:spcPts val="0"/>
-              </a:spcBef>
-              <a:spcAft>
-                <a:spcPts val="0"/>
-              </a:spcAft>
-              <a:buNone/>
-            </a:pPr>
-            <a:fld id="{8325990E-89A1-418C-BAD2-0015B9725131}" type="datetime1">
-              <a:rPr lang="en-US" smtClean="0"/>
-              <a:t>9/9/2022</a:t>
-            </a:fld>
-            <a:endParaRPr/>
-          </a:p>
-        </p:txBody>
-      </p:sp>
-      <p:sp>
-        <p:nvSpPr>
-          <p:cNvPr id="106" name="Google Shape;106;p15"/>
-          <p:cNvSpPr txBox="1">
-            <a:spLocks noGrp="1"/>
-          </p:cNvSpPr>
-          <p:nvPr>
-            <p:ph type="ftr" idx="11"/>
-          </p:nvPr>
-        </p:nvSpPr>
-        <p:spPr>
-          <a:xfrm>
-            <a:off x="3124200" y="6245225"/>
-            <a:ext cx="2895600" cy="476250"/>
-          </a:xfrm>
-          <a:prstGeom prst="rect">
-            <a:avLst/>
-          </a:prstGeom>
-          <a:noFill/>
-          <a:ln>
-            <a:noFill/>
-          </a:ln>
-        </p:spPr>
-        <p:txBody>
-          <a:bodyPr spcFirstLastPara="1" wrap="square" lIns="91425" tIns="45700" rIns="91425" bIns="45700" anchor="t" anchorCtr="0">
-            <a:noAutofit/>
-          </a:bodyPr>
-          <a:lstStyle/>
-          <a:p>
-            <a:pPr marL="0" lvl="0" indent="0" algn="ctr" rtl="0">
-              <a:spcBef>
-                <a:spcPts val="0"/>
-              </a:spcBef>
-              <a:spcAft>
-                <a:spcPts val="0"/>
-              </a:spcAft>
-              <a:buNone/>
-            </a:pPr>
-            <a:r>
-              <a:rPr lang="en-US"/>
-              <a:t>Ankit Velani, MBA-SIT,Tumkur</a:t>
-            </a:r>
-            <a:endParaRPr/>
-          </a:p>
-        </p:txBody>
-      </p:sp>
-      <p:sp>
-        <p:nvSpPr>
-          <p:cNvPr id="107" name="Google Shape;107;p15"/>
-          <p:cNvSpPr txBox="1">
-            <a:spLocks noGrp="1"/>
-          </p:cNvSpPr>
-          <p:nvPr>
-            <p:ph type="sldNum" idx="12"/>
-          </p:nvPr>
-        </p:nvSpPr>
-        <p:spPr>
-          <a:xfrm>
-            <a:off x="6553200" y="6245225"/>
-            <a:ext cx="2133600" cy="476250"/>
-          </a:xfrm>
-          <a:prstGeom prst="rect">
-            <a:avLst/>
-          </a:prstGeom>
-          <a:noFill/>
-          <a:ln>
-            <a:noFill/>
-          </a:ln>
-        </p:spPr>
-        <p:txBody>
-          <a:bodyPr spcFirstLastPara="1" wrap="square" lIns="91425" tIns="45700" rIns="91425" bIns="45700" anchor="t" anchorCtr="0">
-            <a:noAutofit/>
-          </a:bodyPr>
-          <a:lstStyle/>
-          <a:p>
-            <a:pPr marL="0" lvl="0" indent="0" algn="r" rtl="0">
-              <a:spcBef>
-                <a:spcPts val="0"/>
-              </a:spcBef>
-              <a:spcAft>
-                <a:spcPts val="0"/>
-              </a:spcAft>
-              <a:buNone/>
-            </a:pPr>
-            <a:fld id="{00000000-1234-1234-1234-123412341234}" type="slidenum">
-              <a:rPr lang="en-US"/>
-              <a:t>31</a:t>
-            </a:fld>
-            <a:endParaRPr dirty="0"/>
-          </a:p>
-        </p:txBody>
-      </p:sp>
-      <p:sp>
-        <p:nvSpPr>
-          <p:cNvPr id="108" name="Google Shape;108;p15"/>
-          <p:cNvSpPr txBox="1">
-            <a:spLocks noGrp="1"/>
-          </p:cNvSpPr>
-          <p:nvPr>
-            <p:ph type="title"/>
-          </p:nvPr>
-        </p:nvSpPr>
-        <p:spPr>
-          <a:xfrm>
-            <a:off x="457200" y="240771"/>
-            <a:ext cx="8229600" cy="1143000"/>
-          </a:xfrm>
-          <a:prstGeom prst="rect">
-            <a:avLst/>
-          </a:prstGeom>
-          <a:noFill/>
-          <a:ln>
-            <a:noFill/>
-          </a:ln>
-        </p:spPr>
-        <p:txBody>
-          <a:bodyPr spcFirstLastPara="1" wrap="square" lIns="91425" tIns="45700" rIns="91425" bIns="45700" anchor="ctr" anchorCtr="0">
-            <a:noAutofit/>
-          </a:bodyPr>
-          <a:lstStyle/>
-          <a:p>
-            <a:pPr algn="l"/>
-            <a:r>
-              <a:rPr lang="en-US" sz="4400" dirty="0"/>
-              <a:t>Working with DataFrame</a:t>
-            </a:r>
-            <a:endParaRPr lang="en-US" dirty="0"/>
-          </a:p>
-        </p:txBody>
-      </p:sp>
-      <p:sp>
-        <p:nvSpPr>
-          <p:cNvPr id="109" name="Google Shape;109;p15"/>
-          <p:cNvSpPr txBox="1">
-            <a:spLocks noGrp="1"/>
-          </p:cNvSpPr>
-          <p:nvPr>
-            <p:ph type="body" idx="1"/>
-          </p:nvPr>
-        </p:nvSpPr>
-        <p:spPr>
-          <a:xfrm>
-            <a:off x="208723" y="1417638"/>
-            <a:ext cx="8478077" cy="4525963"/>
-          </a:xfrm>
-          <a:prstGeom prst="rect">
-            <a:avLst/>
-          </a:prstGeom>
-          <a:noFill/>
-          <a:ln>
-            <a:noFill/>
-          </a:ln>
-        </p:spPr>
-        <p:txBody>
-          <a:bodyPr spcFirstLastPara="1" wrap="square" lIns="91425" tIns="45700" rIns="91425" bIns="45700" anchor="t" anchorCtr="0">
-            <a:noAutofit/>
-          </a:bodyPr>
-          <a:lstStyle/>
-          <a:p>
-            <a:pPr indent="-457200">
-              <a:spcBef>
-                <a:spcPts val="0"/>
-              </a:spcBef>
-              <a:buSzPts val="3200"/>
-            </a:pPr>
-            <a:r>
-              <a:rPr lang="en-US" sz="2600" dirty="0"/>
-              <a:t>Pandas Data Structures</a:t>
-            </a:r>
-          </a:p>
-          <a:p>
-            <a:pPr lvl="1" indent="-457200">
-              <a:spcBef>
-                <a:spcPts val="0"/>
-              </a:spcBef>
-              <a:buSzPts val="3200"/>
-            </a:pPr>
-            <a:r>
-              <a:rPr lang="en-US" sz="2600" dirty="0"/>
-              <a:t>Series</a:t>
-            </a:r>
-          </a:p>
-          <a:p>
-            <a:pPr lvl="1" indent="-457200">
-              <a:spcBef>
-                <a:spcPts val="0"/>
-              </a:spcBef>
-              <a:buSzPts val="3200"/>
-            </a:pPr>
-            <a:r>
-              <a:rPr lang="en-US" sz="2600" dirty="0"/>
-              <a:t>Data Frame</a:t>
-            </a:r>
-          </a:p>
-        </p:txBody>
-      </p:sp>
-    </p:spTree>
-    <p:extLst>
-      <p:ext uri="{BB962C8B-B14F-4D97-AF65-F5344CB8AC3E}">
-        <p14:creationId xmlns:p14="http://schemas.microsoft.com/office/powerpoint/2010/main" val="3065635960"/>
-      </p:ext>
-    </p:extLst>
   </p:cSld>
   <p:clrMapOvr>
     <a:masterClrMapping/>
@@ -27665,7 +23908,7 @@
           <a:p>
             <a:fld id="{0C62BD34-D5E2-4C87-AA2A-F8D5808875C3}" type="datetime1">
               <a:rPr lang="en-US" smtClean="0"/>
-              <a:t>9/9/2022</a:t>
+              <a:t>9/9/22</a:t>
             </a:fld>
             <a:endParaRPr lang="en-US"/>
           </a:p>
@@ -27992,7 +24235,7 @@
             </a:pPr>
             <a:fld id="{8325990E-89A1-418C-BAD2-0015B9725131}" type="datetime1">
               <a:rPr lang="en-US" smtClean="0"/>
-              <a:t>9/9/2022</a:t>
+              <a:t>9/9/22</a:t>
             </a:fld>
             <a:endParaRPr/>
           </a:p>
@@ -28381,7 +24624,7 @@
             </a:pPr>
             <a:fld id="{8325990E-89A1-418C-BAD2-0015B9725131}" type="datetime1">
               <a:rPr lang="en-US" smtClean="0"/>
-              <a:t>9/9/2022</a:t>
+              <a:t>9/9/22</a:t>
             </a:fld>
             <a:endParaRPr/>
           </a:p>
@@ -28795,7 +25038,7 @@
             </a:pPr>
             <a:fld id="{8325990E-89A1-418C-BAD2-0015B9725131}" type="datetime1">
               <a:rPr lang="en-US" smtClean="0"/>
-              <a:t>9/9/2022</a:t>
+              <a:t>9/9/22</a:t>
             </a:fld>
             <a:endParaRPr/>
           </a:p>
@@ -29963,7 +26206,7 @@
             </a:pPr>
             <a:fld id="{8325990E-89A1-418C-BAD2-0015B9725131}" type="datetime1">
               <a:rPr lang="en-US" smtClean="0"/>
-              <a:t>9/9/2022</a:t>
+              <a:t>9/9/22</a:t>
             </a:fld>
             <a:endParaRPr/>
           </a:p>
@@ -30424,7 +26667,7 @@
             </a:pPr>
             <a:fld id="{8325990E-89A1-418C-BAD2-0015B9725131}" type="datetime1">
               <a:rPr lang="en-US" smtClean="0"/>
-              <a:t>9/9/2022</a:t>
+              <a:t>9/9/22</a:t>
             </a:fld>
             <a:endParaRPr/>
           </a:p>

--- a/BDTM/Python/Unit-4-Python-Programming.pptx
+++ b/BDTM/Python/Unit-4-Python-Programming.pptx
@@ -294,7 +294,7 @@
   <pc:docChgLst>
     <pc:chgData name="Velani, Ankitkumar" userId="039f6639-35cd-4471-8ac8-1e78077ab1db" providerId="ADAL" clId="{1340E681-60A3-43C9-86A2-A614324C29E3}"/>
     <pc:docChg chg="undo custSel addSld delSld modSld sldOrd">
-      <pc:chgData name="Velani, Ankitkumar" userId="039f6639-35cd-4471-8ac8-1e78077ab1db" providerId="ADAL" clId="{1340E681-60A3-43C9-86A2-A614324C29E3}" dt="2022-09-09T03:19:25.354" v="2044" actId="14100"/>
+      <pc:chgData name="Velani, Ankitkumar" userId="039f6639-35cd-4471-8ac8-1e78077ab1db" providerId="ADAL" clId="{1340E681-60A3-43C9-86A2-A614324C29E3}" dt="2022-09-09T13:24:15.023" v="2052" actId="20577"/>
       <pc:docMkLst>
         <pc:docMk/>
       </pc:docMkLst>
@@ -330,13 +330,21 @@
         </pc:picChg>
       </pc:sldChg>
       <pc:sldChg chg="modSp mod">
-        <pc:chgData name="Velani, Ankitkumar" userId="039f6639-35cd-4471-8ac8-1e78077ab1db" providerId="ADAL" clId="{1340E681-60A3-43C9-86A2-A614324C29E3}" dt="2022-09-09T01:24:03.489" v="413" actId="20577"/>
+        <pc:chgData name="Velani, Ankitkumar" userId="039f6639-35cd-4471-8ac8-1e78077ab1db" providerId="ADAL" clId="{1340E681-60A3-43C9-86A2-A614324C29E3}" dt="2022-09-09T13:24:15.023" v="2052" actId="20577"/>
         <pc:sldMkLst>
           <pc:docMk/>
           <pc:sldMk cId="0" sldId="257"/>
         </pc:sldMkLst>
         <pc:spChg chg="mod">
-          <ac:chgData name="Velani, Ankitkumar" userId="039f6639-35cd-4471-8ac8-1e78077ab1db" providerId="ADAL" clId="{1340E681-60A3-43C9-86A2-A614324C29E3}" dt="2022-09-09T01:24:03.489" v="413" actId="20577"/>
+          <ac:chgData name="Velani, Ankitkumar" userId="039f6639-35cd-4471-8ac8-1e78077ab1db" providerId="ADAL" clId="{1340E681-60A3-43C9-86A2-A614324C29E3}" dt="2022-09-09T13:24:15.023" v="2052" actId="20577"/>
+          <ac:spMkLst>
+            <pc:docMk/>
+            <pc:sldMk cId="0" sldId="257"/>
+            <ac:spMk id="99" creationId="{00000000-0000-0000-0000-000000000000}"/>
+          </ac:spMkLst>
+        </pc:spChg>
+        <pc:spChg chg="mod">
+          <ac:chgData name="Velani, Ankitkumar" userId="039f6639-35cd-4471-8ac8-1e78077ab1db" providerId="ADAL" clId="{1340E681-60A3-43C9-86A2-A614324C29E3}" dt="2022-09-09T13:24:08.674" v="2051" actId="20577"/>
           <ac:spMkLst>
             <pc:docMk/>
             <pc:sldMk cId="0" sldId="257"/>
@@ -6991,7 +6999,7 @@
           <a:p>
             <a:fld id="{9C7CBA4D-D1BF-4799-AFB6-DEAFC6EDC389}" type="datetime1">
               <a:rPr lang="en-US" smtClean="0"/>
-              <a:t>9/9/22</a:t>
+              <a:t>9/9/2022</a:t>
             </a:fld>
             <a:endParaRPr/>
           </a:p>
@@ -7792,7 +7800,7 @@
           <a:p>
             <a:fld id="{D2142BB5-71BA-4403-ACBC-AC0ADABE599D}" type="datetime1">
               <a:rPr lang="en-US" smtClean="0"/>
-              <a:t>9/9/22</a:t>
+              <a:t>9/9/2022</a:t>
             </a:fld>
             <a:endParaRPr/>
           </a:p>
@@ -8593,7 +8601,7 @@
           <a:p>
             <a:fld id="{E3162F0C-96E0-40FF-9E1B-9D227A4A314C}" type="datetime1">
               <a:rPr lang="en-US" smtClean="0"/>
-              <a:t>9/9/22</a:t>
+              <a:t>9/9/2022</a:t>
             </a:fld>
             <a:endParaRPr/>
           </a:p>
@@ -9394,7 +9402,7 @@
           <a:p>
             <a:fld id="{0C62BD34-D5E2-4C87-AA2A-F8D5808875C3}" type="datetime1">
               <a:rPr lang="en-US" smtClean="0"/>
-              <a:t>9/9/22</a:t>
+              <a:t>9/9/2022</a:t>
             </a:fld>
             <a:endParaRPr/>
           </a:p>
@@ -10204,7 +10212,7 @@
           <a:p>
             <a:fld id="{1599DCB5-5EA8-40ED-B6F6-94DEA97C34A4}" type="datetime1">
               <a:rPr lang="en-US" smtClean="0"/>
-              <a:t>9/9/22</a:t>
+              <a:t>9/9/2022</a:t>
             </a:fld>
             <a:endParaRPr/>
           </a:p>
@@ -11183,7 +11191,7 @@
           <a:p>
             <a:fld id="{52BE42F2-D6E8-4175-AB2C-D0ED52518F51}" type="datetime1">
               <a:rPr lang="en-US" smtClean="0"/>
-              <a:t>9/9/22</a:t>
+              <a:t>9/9/2022</a:t>
             </a:fld>
             <a:endParaRPr/>
           </a:p>
@@ -12500,7 +12508,7 @@
           <a:p>
             <a:fld id="{8E08C2CB-A4F7-4ED3-B68D-00B974296F17}" type="datetime1">
               <a:rPr lang="en-US" smtClean="0"/>
-              <a:t>9/9/22</a:t>
+              <a:t>9/9/2022</a:t>
             </a:fld>
             <a:endParaRPr/>
           </a:p>
@@ -13141,7 +13149,7 @@
           <a:p>
             <a:fld id="{215C33B7-3119-4F7E-9A47-39575B828DEA}" type="datetime1">
               <a:rPr lang="en-US" smtClean="0"/>
-              <a:t>9/9/22</a:t>
+              <a:t>9/9/2022</a:t>
             </a:fld>
             <a:endParaRPr/>
           </a:p>
@@ -13649,7 +13657,7 @@
           <a:p>
             <a:fld id="{06729030-588F-4AB5-8600-A0779876BA82}" type="datetime1">
               <a:rPr lang="en-US" smtClean="0"/>
-              <a:t>9/9/22</a:t>
+              <a:t>9/9/2022</a:t>
             </a:fld>
             <a:endParaRPr/>
           </a:p>
@@ -14628,7 +14636,7 @@
           <a:p>
             <a:fld id="{6E094DC0-DFD9-4438-AAB3-6F0EAD517DD1}" type="datetime1">
               <a:rPr lang="en-US" smtClean="0"/>
-              <a:t>9/9/22</a:t>
+              <a:t>9/9/2022</a:t>
             </a:fld>
             <a:endParaRPr/>
           </a:p>
@@ -15462,7 +15470,7 @@
           <a:p>
             <a:fld id="{E9E74B8F-DD15-4D57-890A-1843ABE3D877}" type="datetime1">
               <a:rPr lang="en-US" smtClean="0"/>
-              <a:t>9/9/22</a:t>
+              <a:t>9/9/2022</a:t>
             </a:fld>
             <a:endParaRPr/>
           </a:p>
@@ -16496,7 +16504,7 @@
           <a:p>
             <a:fld id="{010FDBE2-1077-4F25-BEBD-151DC496D77A}" type="datetime1">
               <a:rPr lang="en-US" smtClean="0"/>
-              <a:t>9/9/22</a:t>
+              <a:t>9/9/2022</a:t>
             </a:fld>
             <a:endParaRPr/>
           </a:p>
@@ -17992,7 +18000,7 @@
             </a:pPr>
             <a:fld id="{8325990E-89A1-418C-BAD2-0015B9725131}" type="datetime1">
               <a:rPr lang="en-US" smtClean="0"/>
-              <a:t>9/9/22</a:t>
+              <a:t>9/9/2022</a:t>
             </a:fld>
             <a:endParaRPr/>
           </a:p>
@@ -18651,7 +18659,7 @@
             </a:pPr>
             <a:fld id="{8325990E-89A1-418C-BAD2-0015B9725131}" type="datetime1">
               <a:rPr lang="en-US" smtClean="0"/>
-              <a:t>9/9/22</a:t>
+              <a:t>9/9/2022</a:t>
             </a:fld>
             <a:endParaRPr/>
           </a:p>
@@ -19156,7 +19164,7 @@
             </a:pPr>
             <a:fld id="{8325990E-89A1-418C-BAD2-0015B9725131}" type="datetime1">
               <a:rPr lang="en-US" smtClean="0"/>
-              <a:t>9/9/22</a:t>
+              <a:t>9/9/2022</a:t>
             </a:fld>
             <a:endParaRPr/>
           </a:p>
@@ -19559,7 +19567,7 @@
             </a:pPr>
             <a:fld id="{8325990E-89A1-418C-BAD2-0015B9725131}" type="datetime1">
               <a:rPr lang="en-US" smtClean="0"/>
-              <a:t>9/9/22</a:t>
+              <a:t>9/9/2022</a:t>
             </a:fld>
             <a:endParaRPr/>
           </a:p>
@@ -19893,7 +19901,7 @@
             </a:pPr>
             <a:fld id="{8325990E-89A1-418C-BAD2-0015B9725131}" type="datetime1">
               <a:rPr lang="en-US" smtClean="0"/>
-              <a:t>9/9/22</a:t>
+              <a:t>9/9/2022</a:t>
             </a:fld>
             <a:endParaRPr/>
           </a:p>
@@ -20357,7 +20365,7 @@
             </a:pPr>
             <a:fld id="{8325990E-89A1-418C-BAD2-0015B9725131}" type="datetime1">
               <a:rPr lang="en-US" smtClean="0"/>
-              <a:t>9/9/22</a:t>
+              <a:t>9/9/2022</a:t>
             </a:fld>
             <a:endParaRPr/>
           </a:p>
@@ -20661,7 +20669,7 @@
             </a:pPr>
             <a:fld id="{8325990E-89A1-418C-BAD2-0015B9725131}" type="datetime1">
               <a:rPr lang="en-US" smtClean="0"/>
-              <a:t>9/9/22</a:t>
+              <a:t>9/9/2022</a:t>
             </a:fld>
             <a:endParaRPr/>
           </a:p>
@@ -20978,7 +20986,7 @@
             </a:pPr>
             <a:fld id="{8325990E-89A1-418C-BAD2-0015B9725131}" type="datetime1">
               <a:rPr lang="en-US" smtClean="0"/>
-              <a:t>9/9/22</a:t>
+              <a:t>9/9/2022</a:t>
             </a:fld>
             <a:endParaRPr/>
           </a:p>
@@ -21399,7 +21407,7 @@
             </a:pPr>
             <a:fld id="{8325990E-89A1-418C-BAD2-0015B9725131}" type="datetime1">
               <a:rPr lang="en-US" smtClean="0"/>
-              <a:t>9/9/22</a:t>
+              <a:t>9/9/2022</a:t>
             </a:fld>
             <a:endParaRPr/>
           </a:p>
@@ -21800,7 +21808,7 @@
             </a:pPr>
             <a:fld id="{8325990E-89A1-418C-BAD2-0015B9725131}" type="datetime1">
               <a:rPr lang="en-US" smtClean="0"/>
-              <a:t>9/9/22</a:t>
+              <a:t>9/9/2022</a:t>
             </a:fld>
             <a:endParaRPr/>
           </a:p>
@@ -22225,7 +22233,7 @@
             </a:pPr>
             <a:fld id="{B043858A-016D-46DF-9F6C-759BADD211B1}" type="datetime1">
               <a:rPr lang="en-US" smtClean="0"/>
-              <a:t>9/9/22</a:t>
+              <a:t>9/9/2022</a:t>
             </a:fld>
             <a:endParaRPr/>
           </a:p>
@@ -22363,9 +22371,9 @@
             </a:pPr>
             <a:r>
               <a:rPr lang="en-US"/>
-              <a:t>Session-1 Overview</a:t>
+              <a:t>Overview</a:t>
             </a:r>
-            <a:endParaRPr/>
+            <a:endParaRPr dirty="0"/>
           </a:p>
         </p:txBody>
       </p:sp>
@@ -22485,7 +22493,7 @@
                   <a:schemeClr val="accent2"/>
                 </a:solidFill>
               </a:rPr>
-              <a:t>Getting started with R</a:t>
+              <a:t>Getting started with Python</a:t>
             </a:r>
             <a:endParaRPr sz="2800" dirty="0">
               <a:solidFill>
@@ -22744,7 +22752,7 @@
           <a:p>
             <a:fld id="{0C62BD34-D5E2-4C87-AA2A-F8D5808875C3}" type="datetime1">
               <a:rPr lang="en-US" smtClean="0"/>
-              <a:t>9/9/22</a:t>
+              <a:t>9/9/2022</a:t>
             </a:fld>
             <a:endParaRPr lang="en-US"/>
           </a:p>
@@ -23024,7 +23032,7 @@
           <a:p>
             <a:fld id="{0C62BD34-D5E2-4C87-AA2A-F8D5808875C3}" type="datetime1">
               <a:rPr lang="en-US" smtClean="0"/>
-              <a:t>9/9/22</a:t>
+              <a:t>9/9/2022</a:t>
             </a:fld>
             <a:endParaRPr lang="en-US"/>
           </a:p>
@@ -23166,7 +23174,7 @@
             </a:pPr>
             <a:fld id="{8325990E-89A1-418C-BAD2-0015B9725131}" type="datetime1">
               <a:rPr lang="en-US" smtClean="0"/>
-              <a:t>9/9/22</a:t>
+              <a:t>9/9/2022</a:t>
             </a:fld>
             <a:endParaRPr/>
           </a:p>
@@ -23635,7 +23643,7 @@
             </a:pPr>
             <a:fld id="{8325990E-89A1-418C-BAD2-0015B9725131}" type="datetime1">
               <a:rPr lang="en-US" smtClean="0"/>
-              <a:t>9/9/22</a:t>
+              <a:t>9/9/2022</a:t>
             </a:fld>
             <a:endParaRPr/>
           </a:p>
@@ -23908,7 +23916,7 @@
           <a:p>
             <a:fld id="{0C62BD34-D5E2-4C87-AA2A-F8D5808875C3}" type="datetime1">
               <a:rPr lang="en-US" smtClean="0"/>
-              <a:t>9/9/22</a:t>
+              <a:t>9/9/2022</a:t>
             </a:fld>
             <a:endParaRPr lang="en-US"/>
           </a:p>
@@ -24235,7 +24243,7 @@
             </a:pPr>
             <a:fld id="{8325990E-89A1-418C-BAD2-0015B9725131}" type="datetime1">
               <a:rPr lang="en-US" smtClean="0"/>
-              <a:t>9/9/22</a:t>
+              <a:t>9/9/2022</a:t>
             </a:fld>
             <a:endParaRPr/>
           </a:p>
@@ -24624,7 +24632,7 @@
             </a:pPr>
             <a:fld id="{8325990E-89A1-418C-BAD2-0015B9725131}" type="datetime1">
               <a:rPr lang="en-US" smtClean="0"/>
-              <a:t>9/9/22</a:t>
+              <a:t>9/9/2022</a:t>
             </a:fld>
             <a:endParaRPr/>
           </a:p>
@@ -25038,7 +25046,7 @@
             </a:pPr>
             <a:fld id="{8325990E-89A1-418C-BAD2-0015B9725131}" type="datetime1">
               <a:rPr lang="en-US" smtClean="0"/>
-              <a:t>9/9/22</a:t>
+              <a:t>9/9/2022</a:t>
             </a:fld>
             <a:endParaRPr/>
           </a:p>
@@ -26206,7 +26214,7 @@
             </a:pPr>
             <a:fld id="{8325990E-89A1-418C-BAD2-0015B9725131}" type="datetime1">
               <a:rPr lang="en-US" smtClean="0"/>
-              <a:t>9/9/22</a:t>
+              <a:t>9/9/2022</a:t>
             </a:fld>
             <a:endParaRPr/>
           </a:p>
@@ -26667,7 +26675,7 @@
             </a:pPr>
             <a:fld id="{8325990E-89A1-418C-BAD2-0015B9725131}" type="datetime1">
               <a:rPr lang="en-US" smtClean="0"/>
-              <a:t>9/9/22</a:t>
+              <a:t>9/9/2022</a:t>
             </a:fld>
             <a:endParaRPr/>
           </a:p>

--- a/BDTM/Python/Unit-4-Python-Programming.pptx
+++ b/BDTM/Python/Unit-4-Python-Programming.pptx
@@ -336,7 +336,7 @@
   <pc:docChgLst>
     <pc:chgData name="Velani, Ankitkumar" userId="039f6639-35cd-4471-8ac8-1e78077ab1db" providerId="ADAL" clId="{1340E681-60A3-43C9-86A2-A614324C29E3}"/>
     <pc:docChg chg="undo custSel addSld delSld modSld sldOrd">
-      <pc:chgData name="Velani, Ankitkumar" userId="039f6639-35cd-4471-8ac8-1e78077ab1db" providerId="ADAL" clId="{1340E681-60A3-43C9-86A2-A614324C29E3}" dt="2022-09-17T03:13:27.668" v="13872" actId="20577"/>
+      <pc:chgData name="Velani, Ankitkumar" userId="039f6639-35cd-4471-8ac8-1e78077ab1db" providerId="ADAL" clId="{1340E681-60A3-43C9-86A2-A614324C29E3}" dt="2022-09-27T04:14:15.618" v="13890" actId="1035"/>
       <pc:docMkLst>
         <pc:docMk/>
       </pc:docMkLst>
@@ -975,7 +975,7 @@
         </pc:spChg>
       </pc:sldChg>
       <pc:sldChg chg="modSp add mod">
-        <pc:chgData name="Velani, Ankitkumar" userId="039f6639-35cd-4471-8ac8-1e78077ab1db" providerId="ADAL" clId="{1340E681-60A3-43C9-86A2-A614324C29E3}" dt="2022-09-09T02:55:39.720" v="1726" actId="20577"/>
+        <pc:chgData name="Velani, Ankitkumar" userId="039f6639-35cd-4471-8ac8-1e78077ab1db" providerId="ADAL" clId="{1340E681-60A3-43C9-86A2-A614324C29E3}" dt="2022-09-24T07:47:42.524" v="13873" actId="1036"/>
         <pc:sldMkLst>
           <pc:docMk/>
           <pc:sldMk cId="1505795841" sldId="305"/>
@@ -989,7 +989,7 @@
           </ac:spMkLst>
         </pc:spChg>
         <pc:spChg chg="mod">
-          <ac:chgData name="Velani, Ankitkumar" userId="039f6639-35cd-4471-8ac8-1e78077ab1db" providerId="ADAL" clId="{1340E681-60A3-43C9-86A2-A614324C29E3}" dt="2022-09-09T02:55:39.720" v="1726" actId="20577"/>
+          <ac:chgData name="Velani, Ankitkumar" userId="039f6639-35cd-4471-8ac8-1e78077ab1db" providerId="ADAL" clId="{1340E681-60A3-43C9-86A2-A614324C29E3}" dt="2022-09-24T07:47:42.524" v="13873" actId="1036"/>
           <ac:spMkLst>
             <pc:docMk/>
             <pc:sldMk cId="1505795841" sldId="305"/>
@@ -1352,7 +1352,7 @@
         </pc:sldMkLst>
       </pc:sldChg>
       <pc:sldChg chg="addSp delSp modSp add mod">
-        <pc:chgData name="Velani, Ankitkumar" userId="039f6639-35cd-4471-8ac8-1e78077ab1db" providerId="ADAL" clId="{1340E681-60A3-43C9-86A2-A614324C29E3}" dt="2022-09-09T03:04:25.467" v="1845" actId="14100"/>
+        <pc:chgData name="Velani, Ankitkumar" userId="039f6639-35cd-4471-8ac8-1e78077ab1db" providerId="ADAL" clId="{1340E681-60A3-43C9-86A2-A614324C29E3}" dt="2022-09-24T07:49:35.670" v="13874" actId="1036"/>
         <pc:sldMkLst>
           <pc:docMk/>
           <pc:sldMk cId="3785170993" sldId="312"/>
@@ -1374,7 +1374,7 @@
           </ac:spMkLst>
         </pc:spChg>
         <pc:spChg chg="add mod">
-          <ac:chgData name="Velani, Ankitkumar" userId="039f6639-35cd-4471-8ac8-1e78077ab1db" providerId="ADAL" clId="{1340E681-60A3-43C9-86A2-A614324C29E3}" dt="2022-09-09T03:03:00.993" v="1830" actId="20577"/>
+          <ac:chgData name="Velani, Ankitkumar" userId="039f6639-35cd-4471-8ac8-1e78077ab1db" providerId="ADAL" clId="{1340E681-60A3-43C9-86A2-A614324C29E3}" dt="2022-09-24T07:49:35.670" v="13874" actId="1036"/>
           <ac:spMkLst>
             <pc:docMk/>
             <pc:sldMk cId="3785170993" sldId="312"/>
@@ -1910,7 +1910,7 @@
         </pc:spChg>
       </pc:sldChg>
       <pc:sldChg chg="modSp add mod">
-        <pc:chgData name="Velani, Ankitkumar" userId="039f6639-35cd-4471-8ac8-1e78077ab1db" providerId="ADAL" clId="{1340E681-60A3-43C9-86A2-A614324C29E3}" dt="2022-09-16T12:10:40.266" v="9993" actId="20577"/>
+        <pc:chgData name="Velani, Ankitkumar" userId="039f6639-35cd-4471-8ac8-1e78077ab1db" providerId="ADAL" clId="{1340E681-60A3-43C9-86A2-A614324C29E3}" dt="2022-09-27T04:14:15.618" v="13890" actId="1035"/>
         <pc:sldMkLst>
           <pc:docMk/>
           <pc:sldMk cId="4004607695" sldId="332"/>
@@ -1924,7 +1924,7 @@
           </ac:spMkLst>
         </pc:spChg>
         <pc:spChg chg="mod">
-          <ac:chgData name="Velani, Ankitkumar" userId="039f6639-35cd-4471-8ac8-1e78077ab1db" providerId="ADAL" clId="{1340E681-60A3-43C9-86A2-A614324C29E3}" dt="2022-09-16T12:10:40.266" v="9993" actId="20577"/>
+          <ac:chgData name="Velani, Ankitkumar" userId="039f6639-35cd-4471-8ac8-1e78077ab1db" providerId="ADAL" clId="{1340E681-60A3-43C9-86A2-A614324C29E3}" dt="2022-09-27T04:14:15.618" v="13890" actId="1035"/>
           <ac:spMkLst>
             <pc:docMk/>
             <pc:sldMk cId="4004607695" sldId="332"/>
@@ -2450,7 +2450,7 @@
         </pc:spChg>
       </pc:sldChg>
       <pc:sldChg chg="addSp delSp modSp new mod">
-        <pc:chgData name="Velani, Ankitkumar" userId="039f6639-35cd-4471-8ac8-1e78077ab1db" providerId="ADAL" clId="{1340E681-60A3-43C9-86A2-A614324C29E3}" dt="2022-09-16T14:01:28.353" v="13594" actId="3064"/>
+        <pc:chgData name="Velani, Ankitkumar" userId="039f6639-35cd-4471-8ac8-1e78077ab1db" providerId="ADAL" clId="{1340E681-60A3-43C9-86A2-A614324C29E3}" dt="2022-09-27T04:01:31.476" v="13888" actId="20577"/>
         <pc:sldMkLst>
           <pc:docMk/>
           <pc:sldMk cId="1659337161" sldId="356"/>
@@ -2480,7 +2480,7 @@
           </ac:graphicFrameMkLst>
         </pc:graphicFrameChg>
         <pc:graphicFrameChg chg="add mod modGraphic">
-          <ac:chgData name="Velani, Ankitkumar" userId="039f6639-35cd-4471-8ac8-1e78077ab1db" providerId="ADAL" clId="{1340E681-60A3-43C9-86A2-A614324C29E3}" dt="2022-09-16T14:01:28.353" v="13594" actId="3064"/>
+          <ac:chgData name="Velani, Ankitkumar" userId="039f6639-35cd-4471-8ac8-1e78077ab1db" providerId="ADAL" clId="{1340E681-60A3-43C9-86A2-A614324C29E3}" dt="2022-09-27T04:01:31.476" v="13888" actId="20577"/>
           <ac:graphicFrameMkLst>
             <pc:docMk/>
             <pc:sldMk cId="1659337161" sldId="356"/>
@@ -8023,7 +8023,7 @@
           <a:p>
             <a:fld id="{9C7CBA4D-D1BF-4799-AFB6-DEAFC6EDC389}" type="datetime1">
               <a:rPr lang="en-US" smtClean="0"/>
-              <a:t>9/17/2022</a:t>
+              <a:t>9/27/2022</a:t>
             </a:fld>
             <a:endParaRPr/>
           </a:p>
@@ -8824,7 +8824,7 @@
           <a:p>
             <a:fld id="{D2142BB5-71BA-4403-ACBC-AC0ADABE599D}" type="datetime1">
               <a:rPr lang="en-US" smtClean="0"/>
-              <a:t>9/17/2022</a:t>
+              <a:t>9/27/2022</a:t>
             </a:fld>
             <a:endParaRPr/>
           </a:p>
@@ -9625,7 +9625,7 @@
           <a:p>
             <a:fld id="{E3162F0C-96E0-40FF-9E1B-9D227A4A314C}" type="datetime1">
               <a:rPr lang="en-US" smtClean="0"/>
-              <a:t>9/17/2022</a:t>
+              <a:t>9/27/2022</a:t>
             </a:fld>
             <a:endParaRPr/>
           </a:p>
@@ -10426,7 +10426,7 @@
           <a:p>
             <a:fld id="{0C62BD34-D5E2-4C87-AA2A-F8D5808875C3}" type="datetime1">
               <a:rPr lang="en-US" smtClean="0"/>
-              <a:t>9/17/2022</a:t>
+              <a:t>9/27/2022</a:t>
             </a:fld>
             <a:endParaRPr/>
           </a:p>
@@ -11236,7 +11236,7 @@
           <a:p>
             <a:fld id="{1599DCB5-5EA8-40ED-B6F6-94DEA97C34A4}" type="datetime1">
               <a:rPr lang="en-US" smtClean="0"/>
-              <a:t>9/17/2022</a:t>
+              <a:t>9/27/2022</a:t>
             </a:fld>
             <a:endParaRPr/>
           </a:p>
@@ -12215,7 +12215,7 @@
           <a:p>
             <a:fld id="{52BE42F2-D6E8-4175-AB2C-D0ED52518F51}" type="datetime1">
               <a:rPr lang="en-US" smtClean="0"/>
-              <a:t>9/17/2022</a:t>
+              <a:t>9/27/2022</a:t>
             </a:fld>
             <a:endParaRPr/>
           </a:p>
@@ -13532,7 +13532,7 @@
           <a:p>
             <a:fld id="{8E08C2CB-A4F7-4ED3-B68D-00B974296F17}" type="datetime1">
               <a:rPr lang="en-US" smtClean="0"/>
-              <a:t>9/17/2022</a:t>
+              <a:t>9/27/2022</a:t>
             </a:fld>
             <a:endParaRPr/>
           </a:p>
@@ -14173,7 +14173,7 @@
           <a:p>
             <a:fld id="{215C33B7-3119-4F7E-9A47-39575B828DEA}" type="datetime1">
               <a:rPr lang="en-US" smtClean="0"/>
-              <a:t>9/17/2022</a:t>
+              <a:t>9/27/2022</a:t>
             </a:fld>
             <a:endParaRPr/>
           </a:p>
@@ -14681,7 +14681,7 @@
           <a:p>
             <a:fld id="{06729030-588F-4AB5-8600-A0779876BA82}" type="datetime1">
               <a:rPr lang="en-US" smtClean="0"/>
-              <a:t>9/17/2022</a:t>
+              <a:t>9/27/2022</a:t>
             </a:fld>
             <a:endParaRPr/>
           </a:p>
@@ -15660,7 +15660,7 @@
           <a:p>
             <a:fld id="{6E094DC0-DFD9-4438-AAB3-6F0EAD517DD1}" type="datetime1">
               <a:rPr lang="en-US" smtClean="0"/>
-              <a:t>9/17/2022</a:t>
+              <a:t>9/27/2022</a:t>
             </a:fld>
             <a:endParaRPr/>
           </a:p>
@@ -16494,7 +16494,7 @@
           <a:p>
             <a:fld id="{E9E74B8F-DD15-4D57-890A-1843ABE3D877}" type="datetime1">
               <a:rPr lang="en-US" smtClean="0"/>
-              <a:t>9/17/2022</a:t>
+              <a:t>9/27/2022</a:t>
             </a:fld>
             <a:endParaRPr/>
           </a:p>
@@ -17528,7 +17528,7 @@
           <a:p>
             <a:fld id="{010FDBE2-1077-4F25-BEBD-151DC496D77A}" type="datetime1">
               <a:rPr lang="en-US" smtClean="0"/>
-              <a:t>9/17/2022</a:t>
+              <a:t>9/27/2022</a:t>
             </a:fld>
             <a:endParaRPr/>
           </a:p>
@@ -19024,7 +19024,7 @@
             </a:pPr>
             <a:fld id="{8325990E-89A1-418C-BAD2-0015B9725131}" type="datetime1">
               <a:rPr lang="en-US" smtClean="0"/>
-              <a:t>9/17/2022</a:t>
+              <a:t>9/27/2022</a:t>
             </a:fld>
             <a:endParaRPr/>
           </a:p>
@@ -19683,7 +19683,7 @@
             </a:pPr>
             <a:fld id="{8325990E-89A1-418C-BAD2-0015B9725131}" type="datetime1">
               <a:rPr lang="en-US" smtClean="0"/>
-              <a:t>9/17/2022</a:t>
+              <a:t>9/27/2022</a:t>
             </a:fld>
             <a:endParaRPr/>
           </a:p>
@@ -20188,7 +20188,7 @@
             </a:pPr>
             <a:fld id="{8325990E-89A1-418C-BAD2-0015B9725131}" type="datetime1">
               <a:rPr lang="en-US" smtClean="0"/>
-              <a:t>9/17/2022</a:t>
+              <a:t>9/27/2022</a:t>
             </a:fld>
             <a:endParaRPr/>
           </a:p>
@@ -20591,7 +20591,7 @@
             </a:pPr>
             <a:fld id="{8325990E-89A1-418C-BAD2-0015B9725131}" type="datetime1">
               <a:rPr lang="en-US" smtClean="0"/>
-              <a:t>9/17/2022</a:t>
+              <a:t>9/27/2022</a:t>
             </a:fld>
             <a:endParaRPr/>
           </a:p>
@@ -20751,7 +20751,7 @@
         </p:nvSpPr>
         <p:spPr>
           <a:xfrm>
-            <a:off x="198782" y="1417638"/>
+            <a:off x="198782" y="1427470"/>
             <a:ext cx="8746435" cy="3425860"/>
           </a:xfrm>
           <a:prstGeom prst="rect">
@@ -20925,7 +20925,7 @@
             </a:pPr>
             <a:fld id="{8325990E-89A1-418C-BAD2-0015B9725131}" type="datetime1">
               <a:rPr lang="en-US" smtClean="0"/>
-              <a:t>9/17/2022</a:t>
+              <a:t>9/27/2022</a:t>
             </a:fld>
             <a:endParaRPr/>
           </a:p>
@@ -21389,7 +21389,7 @@
             </a:pPr>
             <a:fld id="{8325990E-89A1-418C-BAD2-0015B9725131}" type="datetime1">
               <a:rPr lang="en-US" smtClean="0"/>
-              <a:t>9/17/2022</a:t>
+              <a:t>9/27/2022</a:t>
             </a:fld>
             <a:endParaRPr/>
           </a:p>
@@ -21555,7 +21555,7 @@
         </p:nvSpPr>
         <p:spPr>
           <a:xfrm>
-            <a:off x="198782" y="1417638"/>
+            <a:off x="198782" y="1427470"/>
             <a:ext cx="8746435" cy="3425860"/>
           </a:xfrm>
           <a:prstGeom prst="rect">
@@ -21693,7 +21693,7 @@
             </a:pPr>
             <a:fld id="{8325990E-89A1-418C-BAD2-0015B9725131}" type="datetime1">
               <a:rPr lang="en-US" smtClean="0"/>
-              <a:t>9/17/2022</a:t>
+              <a:t>9/27/2022</a:t>
             </a:fld>
             <a:endParaRPr/>
           </a:p>
@@ -22010,7 +22010,7 @@
             </a:pPr>
             <a:fld id="{8325990E-89A1-418C-BAD2-0015B9725131}" type="datetime1">
               <a:rPr lang="en-US" smtClean="0"/>
-              <a:t>9/17/2022</a:t>
+              <a:t>9/27/2022</a:t>
             </a:fld>
             <a:endParaRPr/>
           </a:p>
@@ -22431,7 +22431,7 @@
             </a:pPr>
             <a:fld id="{8325990E-89A1-418C-BAD2-0015B9725131}" type="datetime1">
               <a:rPr lang="en-US" smtClean="0"/>
-              <a:t>9/17/2022</a:t>
+              <a:t>9/27/2022</a:t>
             </a:fld>
             <a:endParaRPr/>
           </a:p>
@@ -22832,7 +22832,7 @@
             </a:pPr>
             <a:fld id="{8325990E-89A1-418C-BAD2-0015B9725131}" type="datetime1">
               <a:rPr lang="en-US" smtClean="0"/>
-              <a:t>9/17/2022</a:t>
+              <a:t>9/27/2022</a:t>
             </a:fld>
             <a:endParaRPr/>
           </a:p>
@@ -23257,7 +23257,7 @@
             </a:pPr>
             <a:fld id="{B043858A-016D-46DF-9F6C-759BADD211B1}" type="datetime1">
               <a:rPr lang="en-US" smtClean="0"/>
-              <a:t>9/17/2022</a:t>
+              <a:t>9/27/2022</a:t>
             </a:fld>
             <a:endParaRPr/>
           </a:p>
@@ -23776,7 +23776,7 @@
           <a:p>
             <a:fld id="{0C62BD34-D5E2-4C87-AA2A-F8D5808875C3}" type="datetime1">
               <a:rPr lang="en-US" smtClean="0"/>
-              <a:t>9/17/2022</a:t>
+              <a:t>9/27/2022</a:t>
             </a:fld>
             <a:endParaRPr lang="en-US"/>
           </a:p>
@@ -24056,7 +24056,7 @@
           <a:p>
             <a:fld id="{0C62BD34-D5E2-4C87-AA2A-F8D5808875C3}" type="datetime1">
               <a:rPr lang="en-US" smtClean="0"/>
-              <a:t>9/17/2022</a:t>
+              <a:t>9/27/2022</a:t>
             </a:fld>
             <a:endParaRPr lang="en-US"/>
           </a:p>
@@ -24198,7 +24198,7 @@
             </a:pPr>
             <a:fld id="{8325990E-89A1-418C-BAD2-0015B9725131}" type="datetime1">
               <a:rPr lang="en-US" smtClean="0"/>
-              <a:t>9/17/2022</a:t>
+              <a:t>9/27/2022</a:t>
             </a:fld>
             <a:endParaRPr/>
           </a:p>
@@ -24759,7 +24759,7 @@
           <a:p>
             <a:fld id="{0C62BD34-D5E2-4C87-AA2A-F8D5808875C3}" type="datetime1">
               <a:rPr lang="en-US" smtClean="0"/>
-              <a:t>9/17/2022</a:t>
+              <a:t>9/27/2022</a:t>
             </a:fld>
             <a:endParaRPr lang="en-US"/>
           </a:p>
@@ -25016,7 +25016,7 @@
           <a:p>
             <a:fld id="{0C62BD34-D5E2-4C87-AA2A-F8D5808875C3}" type="datetime1">
               <a:rPr lang="en-US" smtClean="0"/>
-              <a:t>9/17/2022</a:t>
+              <a:t>9/27/2022</a:t>
             </a:fld>
             <a:endParaRPr lang="en-US"/>
           </a:p>
@@ -25265,7 +25265,7 @@
           <a:p>
             <a:fld id="{0C62BD34-D5E2-4C87-AA2A-F8D5808875C3}" type="datetime1">
               <a:rPr lang="en-US" smtClean="0"/>
-              <a:t>9/17/2022</a:t>
+              <a:t>9/27/2022</a:t>
             </a:fld>
             <a:endParaRPr lang="en-US"/>
           </a:p>
@@ -25506,7 +25506,7 @@
           <a:p>
             <a:fld id="{0C62BD34-D5E2-4C87-AA2A-F8D5808875C3}" type="datetime1">
               <a:rPr lang="en-US" smtClean="0"/>
-              <a:t>9/17/2022</a:t>
+              <a:t>9/27/2022</a:t>
             </a:fld>
             <a:endParaRPr lang="en-US"/>
           </a:p>
@@ -25747,7 +25747,7 @@
           <a:p>
             <a:fld id="{0C62BD34-D5E2-4C87-AA2A-F8D5808875C3}" type="datetime1">
               <a:rPr lang="en-US" smtClean="0"/>
-              <a:t>9/17/2022</a:t>
+              <a:t>9/27/2022</a:t>
             </a:fld>
             <a:endParaRPr lang="en-US"/>
           </a:p>
@@ -26197,7 +26197,7 @@
           <a:p>
             <a:fld id="{0C62BD34-D5E2-4C87-AA2A-F8D5808875C3}" type="datetime1">
               <a:rPr lang="en-US" smtClean="0"/>
-              <a:t>9/17/2022</a:t>
+              <a:t>9/27/2022</a:t>
             </a:fld>
             <a:endParaRPr lang="en-US"/>
           </a:p>
@@ -26435,7 +26435,7 @@
           <a:p>
             <a:fld id="{0C62BD34-D5E2-4C87-AA2A-F8D5808875C3}" type="datetime1">
               <a:rPr lang="en-US" smtClean="0"/>
-              <a:t>9/17/2022</a:t>
+              <a:t>9/27/2022</a:t>
             </a:fld>
             <a:endParaRPr lang="en-US"/>
           </a:p>
@@ -26577,7 +26577,7 @@
             </a:pPr>
             <a:fld id="{8325990E-89A1-418C-BAD2-0015B9725131}" type="datetime1">
               <a:rPr lang="en-US" smtClean="0"/>
-              <a:t>9/17/2022</a:t>
+              <a:t>9/27/2022</a:t>
             </a:fld>
             <a:endParaRPr/>
           </a:p>
@@ -26983,7 +26983,7 @@
           <a:p>
             <a:fld id="{0C62BD34-D5E2-4C87-AA2A-F8D5808875C3}" type="datetime1">
               <a:rPr lang="en-US" smtClean="0"/>
-              <a:t>9/17/2022</a:t>
+              <a:t>9/27/2022</a:t>
             </a:fld>
             <a:endParaRPr lang="en-US"/>
           </a:p>
@@ -27274,7 +27274,7 @@
           <a:p>
             <a:fld id="{0C62BD34-D5E2-4C87-AA2A-F8D5808875C3}" type="datetime1">
               <a:rPr lang="en-US" smtClean="0"/>
-              <a:t>9/17/2022</a:t>
+              <a:t>9/27/2022</a:t>
             </a:fld>
             <a:endParaRPr lang="en-US"/>
           </a:p>
@@ -27537,7 +27537,7 @@
           <a:p>
             <a:fld id="{0C62BD34-D5E2-4C87-AA2A-F8D5808875C3}" type="datetime1">
               <a:rPr lang="en-US" smtClean="0"/>
-              <a:t>9/17/2022</a:t>
+              <a:t>9/27/2022</a:t>
             </a:fld>
             <a:endParaRPr lang="en-US"/>
           </a:p>
@@ -27744,7 +27744,7 @@
           <a:p>
             <a:fld id="{0C62BD34-D5E2-4C87-AA2A-F8D5808875C3}" type="datetime1">
               <a:rPr lang="en-US" smtClean="0"/>
-              <a:t>9/17/2022</a:t>
+              <a:t>9/27/2022</a:t>
             </a:fld>
             <a:endParaRPr lang="en-US"/>
           </a:p>
@@ -28058,7 +28058,7 @@
           <a:p>
             <a:fld id="{0C62BD34-D5E2-4C87-AA2A-F8D5808875C3}" type="datetime1">
               <a:rPr lang="en-US" smtClean="0"/>
-              <a:t>9/17/2022</a:t>
+              <a:t>9/27/2022</a:t>
             </a:fld>
             <a:endParaRPr lang="en-US"/>
           </a:p>
@@ -28481,7 +28481,7 @@
           <a:p>
             <a:fld id="{0C62BD34-D5E2-4C87-AA2A-F8D5808875C3}" type="datetime1">
               <a:rPr lang="en-US" smtClean="0"/>
-              <a:t>9/17/2022</a:t>
+              <a:t>9/27/2022</a:t>
             </a:fld>
             <a:endParaRPr lang="en-US"/>
           </a:p>
@@ -28702,7 +28702,7 @@
           <a:p>
             <a:fld id="{0C62BD34-D5E2-4C87-AA2A-F8D5808875C3}" type="datetime1">
               <a:rPr lang="en-US" smtClean="0"/>
-              <a:t>9/17/2022</a:t>
+              <a:t>9/27/2022</a:t>
             </a:fld>
             <a:endParaRPr lang="en-US"/>
           </a:p>
@@ -28952,7 +28952,7 @@
           <a:p>
             <a:fld id="{0C62BD34-D5E2-4C87-AA2A-F8D5808875C3}" type="datetime1">
               <a:rPr lang="en-US" smtClean="0"/>
-              <a:t>9/17/2022</a:t>
+              <a:t>9/27/2022</a:t>
             </a:fld>
             <a:endParaRPr lang="en-US"/>
           </a:p>
@@ -29233,7 +29233,7 @@
           <a:p>
             <a:fld id="{0C62BD34-D5E2-4C87-AA2A-F8D5808875C3}" type="datetime1">
               <a:rPr lang="en-US" smtClean="0"/>
-              <a:t>9/17/2022</a:t>
+              <a:t>9/27/2022</a:t>
             </a:fld>
             <a:endParaRPr lang="en-US"/>
           </a:p>
@@ -29381,7 +29381,7 @@
         </p:nvSpPr>
         <p:spPr>
           <a:xfrm>
-            <a:off x="457200" y="1413162"/>
+            <a:off x="457200" y="1392380"/>
             <a:ext cx="8229600" cy="4526100"/>
           </a:xfrm>
         </p:spPr>
@@ -29459,7 +29459,7 @@
           <a:p>
             <a:fld id="{0C62BD34-D5E2-4C87-AA2A-F8D5808875C3}" type="datetime1">
               <a:rPr lang="en-US" smtClean="0"/>
-              <a:t>9/17/2022</a:t>
+              <a:t>9/27/2022</a:t>
             </a:fld>
             <a:endParaRPr lang="en-US"/>
           </a:p>
@@ -29584,7 +29584,7 @@
           <a:p>
             <a:fld id="{0C62BD34-D5E2-4C87-AA2A-F8D5808875C3}" type="datetime1">
               <a:rPr lang="en-US" smtClean="0"/>
-              <a:t>9/17/2022</a:t>
+              <a:t>9/27/2022</a:t>
             </a:fld>
             <a:endParaRPr lang="en-US"/>
           </a:p>
@@ -29987,7 +29987,7 @@
           <a:p>
             <a:fld id="{0C62BD34-D5E2-4C87-AA2A-F8D5808875C3}" type="datetime1">
               <a:rPr lang="en-US" smtClean="0"/>
-              <a:t>9/17/2022</a:t>
+              <a:t>9/27/2022</a:t>
             </a:fld>
             <a:endParaRPr lang="en-US"/>
           </a:p>
@@ -30246,7 +30246,7 @@
           <a:p>
             <a:fld id="{0C62BD34-D5E2-4C87-AA2A-F8D5808875C3}" type="datetime1">
               <a:rPr lang="en-US" smtClean="0"/>
-              <a:t>9/17/2022</a:t>
+              <a:t>9/27/2022</a:t>
             </a:fld>
             <a:endParaRPr lang="en-US"/>
           </a:p>
@@ -30580,7 +30580,7 @@
           <a:p>
             <a:fld id="{0C62BD34-D5E2-4C87-AA2A-F8D5808875C3}" type="datetime1">
               <a:rPr lang="en-US" smtClean="0"/>
-              <a:t>9/17/2022</a:t>
+              <a:t>9/27/2022</a:t>
             </a:fld>
             <a:endParaRPr lang="en-US"/>
           </a:p>
@@ -30862,7 +30862,7 @@
           <a:p>
             <a:fld id="{0C62BD34-D5E2-4C87-AA2A-F8D5808875C3}" type="datetime1">
               <a:rPr lang="en-US" smtClean="0"/>
-              <a:t>9/17/2022</a:t>
+              <a:t>9/27/2022</a:t>
             </a:fld>
             <a:endParaRPr lang="en-US"/>
           </a:p>
@@ -31194,7 +31194,7 @@
           <a:p>
             <a:fld id="{0C62BD34-D5E2-4C87-AA2A-F8D5808875C3}" type="datetime1">
               <a:rPr lang="en-US" smtClean="0"/>
-              <a:t>9/17/2022</a:t>
+              <a:t>9/27/2022</a:t>
             </a:fld>
             <a:endParaRPr lang="en-US"/>
           </a:p>
@@ -31515,7 +31515,7 @@
           <a:p>
             <a:fld id="{0C62BD34-D5E2-4C87-AA2A-F8D5808875C3}" type="datetime1">
               <a:rPr lang="en-US" smtClean="0"/>
-              <a:t>9/17/2022</a:t>
+              <a:t>9/27/2022</a:t>
             </a:fld>
             <a:endParaRPr lang="en-US"/>
           </a:p>
@@ -31842,7 +31842,7 @@
           <a:p>
             <a:fld id="{0C62BD34-D5E2-4C87-AA2A-F8D5808875C3}" type="datetime1">
               <a:rPr lang="en-US" smtClean="0"/>
-              <a:t>9/17/2022</a:t>
+              <a:t>9/27/2022</a:t>
             </a:fld>
             <a:endParaRPr lang="en-US"/>
           </a:p>
@@ -32060,7 +32060,7 @@
           <a:p>
             <a:fld id="{0C62BD34-D5E2-4C87-AA2A-F8D5808875C3}" type="datetime1">
               <a:rPr lang="en-US" smtClean="0"/>
-              <a:t>9/17/2022</a:t>
+              <a:t>9/27/2022</a:t>
             </a:fld>
             <a:endParaRPr lang="en-US"/>
           </a:p>
@@ -32319,7 +32319,7 @@
           <a:p>
             <a:fld id="{0C62BD34-D5E2-4C87-AA2A-F8D5808875C3}" type="datetime1">
               <a:rPr lang="en-US" smtClean="0"/>
-              <a:t>9/17/2022</a:t>
+              <a:t>9/27/2022</a:t>
             </a:fld>
             <a:endParaRPr lang="en-US"/>
           </a:p>
@@ -32659,7 +32659,7 @@
           <a:p>
             <a:fld id="{0C62BD34-D5E2-4C87-AA2A-F8D5808875C3}" type="datetime1">
               <a:rPr lang="en-US" smtClean="0"/>
-              <a:t>9/17/2022</a:t>
+              <a:t>9/27/2022</a:t>
             </a:fld>
             <a:endParaRPr lang="en-US"/>
           </a:p>
@@ -32801,7 +32801,7 @@
             </a:pPr>
             <a:fld id="{8325990E-89A1-418C-BAD2-0015B9725131}" type="datetime1">
               <a:rPr lang="en-US" smtClean="0"/>
-              <a:t>9/17/2022</a:t>
+              <a:t>9/27/2022</a:t>
             </a:fld>
             <a:endParaRPr/>
           </a:p>
@@ -33330,7 +33330,7 @@
           <a:p>
             <a:fld id="{0C62BD34-D5E2-4C87-AA2A-F8D5808875C3}" type="datetime1">
               <a:rPr lang="en-US" smtClean="0"/>
-              <a:t>9/17/2022</a:t>
+              <a:t>9/27/2022</a:t>
             </a:fld>
             <a:endParaRPr lang="en-US"/>
           </a:p>
@@ -33662,7 +33662,7 @@
           <a:p>
             <a:fld id="{0C62BD34-D5E2-4C87-AA2A-F8D5808875C3}" type="datetime1">
               <a:rPr lang="en-US" smtClean="0"/>
-              <a:t>9/17/2022</a:t>
+              <a:t>9/27/2022</a:t>
             </a:fld>
             <a:endParaRPr lang="en-US"/>
           </a:p>
@@ -34007,7 +34007,7 @@
           <a:p>
             <a:fld id="{0C62BD34-D5E2-4C87-AA2A-F8D5808875C3}" type="datetime1">
               <a:rPr lang="en-US" smtClean="0"/>
-              <a:t>9/17/2022</a:t>
+              <a:t>9/27/2022</a:t>
             </a:fld>
             <a:endParaRPr lang="en-US"/>
           </a:p>
@@ -34278,7 +34278,7 @@
           <a:p>
             <a:fld id="{0C62BD34-D5E2-4C87-AA2A-F8D5808875C3}" type="datetime1">
               <a:rPr lang="en-US" smtClean="0"/>
-              <a:t>9/17/2022</a:t>
+              <a:t>9/27/2022</a:t>
             </a:fld>
             <a:endParaRPr lang="en-US"/>
           </a:p>
@@ -34547,7 +34547,7 @@
           <a:p>
             <a:fld id="{0C62BD34-D5E2-4C87-AA2A-F8D5808875C3}" type="datetime1">
               <a:rPr lang="en-US" smtClean="0"/>
-              <a:t>9/17/2022</a:t>
+              <a:t>9/27/2022</a:t>
             </a:fld>
             <a:endParaRPr lang="en-US"/>
           </a:p>
@@ -34814,7 +34814,7 @@
           <a:p>
             <a:fld id="{0C62BD34-D5E2-4C87-AA2A-F8D5808875C3}" type="datetime1">
               <a:rPr lang="en-US" smtClean="0"/>
-              <a:t>9/17/2022</a:t>
+              <a:t>9/27/2022</a:t>
             </a:fld>
             <a:endParaRPr lang="en-US"/>
           </a:p>
@@ -35059,7 +35059,7 @@
           <a:p>
             <a:fld id="{0C62BD34-D5E2-4C87-AA2A-F8D5808875C3}" type="datetime1">
               <a:rPr lang="en-US" smtClean="0"/>
-              <a:t>9/17/2022</a:t>
+              <a:t>9/27/2022</a:t>
             </a:fld>
             <a:endParaRPr lang="en-US"/>
           </a:p>
@@ -35343,7 +35343,7 @@
           <a:p>
             <a:fld id="{0C62BD34-D5E2-4C87-AA2A-F8D5808875C3}" type="datetime1">
               <a:rPr lang="en-US" smtClean="0"/>
-              <a:t>9/17/2022</a:t>
+              <a:t>9/27/2022</a:t>
             </a:fld>
             <a:endParaRPr lang="en-US"/>
           </a:p>
@@ -35697,7 +35697,7 @@
           <a:p>
             <a:fld id="{0C62BD34-D5E2-4C87-AA2A-F8D5808875C3}" type="datetime1">
               <a:rPr lang="en-US" smtClean="0"/>
-              <a:t>9/17/2022</a:t>
+              <a:t>9/27/2022</a:t>
             </a:fld>
             <a:endParaRPr lang="en-US"/>
           </a:p>
@@ -35991,7 +35991,7 @@
           <a:p>
             <a:fld id="{0C62BD34-D5E2-4C87-AA2A-F8D5808875C3}" type="datetime1">
               <a:rPr lang="en-US" smtClean="0"/>
-              <a:t>9/17/2022</a:t>
+              <a:t>9/27/2022</a:t>
             </a:fld>
             <a:endParaRPr lang="en-US"/>
           </a:p>
@@ -36133,7 +36133,7 @@
             </a:pPr>
             <a:fld id="{8325990E-89A1-418C-BAD2-0015B9725131}" type="datetime1">
               <a:rPr lang="en-US" smtClean="0"/>
-              <a:t>9/17/2022</a:t>
+              <a:t>9/27/2022</a:t>
             </a:fld>
             <a:endParaRPr/>
           </a:p>
@@ -36702,7 +36702,7 @@
           <a:p>
             <a:fld id="{0C62BD34-D5E2-4C87-AA2A-F8D5808875C3}" type="datetime1">
               <a:rPr lang="en-US" smtClean="0"/>
-              <a:t>9/17/2022</a:t>
+              <a:t>9/27/2022</a:t>
             </a:fld>
             <a:endParaRPr lang="en-US"/>
           </a:p>
@@ -36975,7 +36975,7 @@
           <a:p>
             <a:fld id="{0C62BD34-D5E2-4C87-AA2A-F8D5808875C3}" type="datetime1">
               <a:rPr lang="en-US" smtClean="0"/>
-              <a:t>9/17/2022</a:t>
+              <a:t>9/27/2022</a:t>
             </a:fld>
             <a:endParaRPr lang="en-US"/>
           </a:p>
@@ -37133,7 +37133,7 @@
           <a:p>
             <a:fld id="{0C62BD34-D5E2-4C87-AA2A-F8D5808875C3}" type="datetime1">
               <a:rPr lang="en-US" smtClean="0"/>
-              <a:t>9/17/2022</a:t>
+              <a:t>9/27/2022</a:t>
             </a:fld>
             <a:endParaRPr lang="en-US"/>
           </a:p>
@@ -37220,7 +37220,7 @@
           <p:nvPr>
             <p:extLst>
               <p:ext uri="{D42A27DB-BD31-4B8C-83A1-F6EECF244321}">
-                <p14:modId xmlns:p14="http://schemas.microsoft.com/office/powerpoint/2010/main" val="122130236"/>
+                <p14:modId xmlns:p14="http://schemas.microsoft.com/office/powerpoint/2010/main" val="1048825762"/>
               </p:ext>
             </p:extLst>
           </p:nvPr>
@@ -37370,7 +37370,7 @@
                     <a:p>
                       <a:r>
                         <a:rPr lang="en-US" sz="1600" dirty="0"/>
-                        <a:t>Lists are mutable</a:t>
+                        <a:t>Sets are mutable</a:t>
                       </a:r>
                     </a:p>
                   </a:txBody>
@@ -37383,7 +37383,7 @@
                     <a:p>
                       <a:r>
                         <a:rPr lang="en-US" sz="1600" dirty="0"/>
-                        <a:t>Lists are mutable</a:t>
+                        <a:t>Dictionary are mutable</a:t>
                       </a:r>
                     </a:p>
                   </a:txBody>
@@ -38069,7 +38069,7 @@
           <a:p>
             <a:fld id="{0C62BD34-D5E2-4C87-AA2A-F8D5808875C3}" type="datetime1">
               <a:rPr lang="en-US" smtClean="0"/>
-              <a:t>9/17/2022</a:t>
+              <a:t>9/27/2022</a:t>
             </a:fld>
             <a:endParaRPr lang="en-US"/>
           </a:p>
@@ -38408,7 +38408,7 @@
           <a:p>
             <a:fld id="{0C62BD34-D5E2-4C87-AA2A-F8D5808875C3}" type="datetime1">
               <a:rPr lang="en-US" smtClean="0"/>
-              <a:t>9/17/2022</a:t>
+              <a:t>9/27/2022</a:t>
             </a:fld>
             <a:endParaRPr lang="en-US"/>
           </a:p>
@@ -38550,7 +38550,7 @@
             </a:pPr>
             <a:fld id="{8325990E-89A1-418C-BAD2-0015B9725131}" type="datetime1">
               <a:rPr lang="en-US" smtClean="0"/>
-              <a:t>9/17/2022</a:t>
+              <a:t>9/27/2022</a:t>
             </a:fld>
             <a:endParaRPr/>
           </a:p>
@@ -39718,7 +39718,7 @@
             </a:pPr>
             <a:fld id="{8325990E-89A1-418C-BAD2-0015B9725131}" type="datetime1">
               <a:rPr lang="en-US" smtClean="0"/>
-              <a:t>9/17/2022</a:t>
+              <a:t>9/27/2022</a:t>
             </a:fld>
             <a:endParaRPr/>
           </a:p>
@@ -40179,7 +40179,7 @@
             </a:pPr>
             <a:fld id="{8325990E-89A1-418C-BAD2-0015B9725131}" type="datetime1">
               <a:rPr lang="en-US" smtClean="0"/>
-              <a:t>9/17/2022</a:t>
+              <a:t>9/27/2022</a:t>
             </a:fld>
             <a:endParaRPr/>
           </a:p>
